--- a/slides/Curso BD.pptx
+++ b/slides/Curso BD.pptx
@@ -35,6 +35,8 @@
     <p:sldId id="276" r:id="rId29"/>
     <p:sldId id="284" r:id="rId30"/>
     <p:sldId id="285" r:id="rId31"/>
+    <p:sldId id="286" r:id="rId32"/>
+    <p:sldId id="287" r:id="rId33"/>
   </p:sldIdLst>
   <p:sldSz cx="12192000" cy="6858000"/>
   <p:notesSz cx="6858000" cy="9144000"/>
@@ -13095,7 +13097,7 @@
           <a:p>
             <a:fld id="{7411F540-1515-FA4E-9305-4EED9344E7D2}" type="datetimeFigureOut">
               <a:rPr lang="en-BR" smtClean="0"/>
-              <a:t>01/03/24</a:t>
+              <a:t>04/03/24</a:t>
             </a:fld>
             <a:endParaRPr lang="en-BR"/>
           </a:p>
@@ -13295,7 +13297,7 @@
           <a:p>
             <a:fld id="{7411F540-1515-FA4E-9305-4EED9344E7D2}" type="datetimeFigureOut">
               <a:rPr lang="en-BR" smtClean="0"/>
-              <a:t>01/03/24</a:t>
+              <a:t>04/03/24</a:t>
             </a:fld>
             <a:endParaRPr lang="en-BR"/>
           </a:p>
@@ -13505,7 +13507,7 @@
           <a:p>
             <a:fld id="{7411F540-1515-FA4E-9305-4EED9344E7D2}" type="datetimeFigureOut">
               <a:rPr lang="en-BR" smtClean="0"/>
-              <a:t>01/03/24</a:t>
+              <a:t>04/03/24</a:t>
             </a:fld>
             <a:endParaRPr lang="en-BR"/>
           </a:p>
@@ -13705,7 +13707,7 @@
           <a:p>
             <a:fld id="{7411F540-1515-FA4E-9305-4EED9344E7D2}" type="datetimeFigureOut">
               <a:rPr lang="en-BR" smtClean="0"/>
-              <a:t>01/03/24</a:t>
+              <a:t>04/03/24</a:t>
             </a:fld>
             <a:endParaRPr lang="en-BR"/>
           </a:p>
@@ -13981,7 +13983,7 @@
           <a:p>
             <a:fld id="{7411F540-1515-FA4E-9305-4EED9344E7D2}" type="datetimeFigureOut">
               <a:rPr lang="en-BR" smtClean="0"/>
-              <a:t>01/03/24</a:t>
+              <a:t>04/03/24</a:t>
             </a:fld>
             <a:endParaRPr lang="en-BR"/>
           </a:p>
@@ -14249,7 +14251,7 @@
           <a:p>
             <a:fld id="{7411F540-1515-FA4E-9305-4EED9344E7D2}" type="datetimeFigureOut">
               <a:rPr lang="en-BR" smtClean="0"/>
-              <a:t>01/03/24</a:t>
+              <a:t>04/03/24</a:t>
             </a:fld>
             <a:endParaRPr lang="en-BR"/>
           </a:p>
@@ -14664,7 +14666,7 @@
           <a:p>
             <a:fld id="{7411F540-1515-FA4E-9305-4EED9344E7D2}" type="datetimeFigureOut">
               <a:rPr lang="en-BR" smtClean="0"/>
-              <a:t>01/03/24</a:t>
+              <a:t>04/03/24</a:t>
             </a:fld>
             <a:endParaRPr lang="en-BR"/>
           </a:p>
@@ -14806,7 +14808,7 @@
           <a:p>
             <a:fld id="{7411F540-1515-FA4E-9305-4EED9344E7D2}" type="datetimeFigureOut">
               <a:rPr lang="en-BR" smtClean="0"/>
-              <a:t>01/03/24</a:t>
+              <a:t>04/03/24</a:t>
             </a:fld>
             <a:endParaRPr lang="en-BR"/>
           </a:p>
@@ -14919,7 +14921,7 @@
           <a:p>
             <a:fld id="{7411F540-1515-FA4E-9305-4EED9344E7D2}" type="datetimeFigureOut">
               <a:rPr lang="en-BR" smtClean="0"/>
-              <a:t>01/03/24</a:t>
+              <a:t>04/03/24</a:t>
             </a:fld>
             <a:endParaRPr lang="en-BR"/>
           </a:p>
@@ -15232,7 +15234,7 @@
           <a:p>
             <a:fld id="{7411F540-1515-FA4E-9305-4EED9344E7D2}" type="datetimeFigureOut">
               <a:rPr lang="en-BR" smtClean="0"/>
-              <a:t>01/03/24</a:t>
+              <a:t>04/03/24</a:t>
             </a:fld>
             <a:endParaRPr lang="en-BR"/>
           </a:p>
@@ -15521,7 +15523,7 @@
           <a:p>
             <a:fld id="{7411F540-1515-FA4E-9305-4EED9344E7D2}" type="datetimeFigureOut">
               <a:rPr lang="en-BR" smtClean="0"/>
-              <a:t>01/03/24</a:t>
+              <a:t>04/03/24</a:t>
             </a:fld>
             <a:endParaRPr lang="en-BR"/>
           </a:p>
@@ -15764,7 +15766,7 @@
           <a:p>
             <a:fld id="{7411F540-1515-FA4E-9305-4EED9344E7D2}" type="datetimeFigureOut">
               <a:rPr lang="en-BR" smtClean="0"/>
-              <a:t>01/03/24</a:t>
+              <a:t>04/03/24</a:t>
             </a:fld>
             <a:endParaRPr lang="en-BR"/>
           </a:p>
@@ -19459,6 +19461,270 @@
 </p:sld>
 </file>
 
+<file path=ppt/slides/slide31.xml><?xml version="1.0" encoding="utf-8"?>
+<p:sld xmlns:a="http://schemas.openxmlformats.org/drawingml/2006/main" xmlns:r="http://schemas.openxmlformats.org/officeDocument/2006/relationships" xmlns:p="http://schemas.openxmlformats.org/presentationml/2006/main">
+  <p:cSld>
+    <p:spTree>
+      <p:nvGrpSpPr>
+        <p:cNvPr id="1" name=""/>
+        <p:cNvGrpSpPr/>
+        <p:nvPr/>
+      </p:nvGrpSpPr>
+      <p:grpSpPr>
+        <a:xfrm>
+          <a:off x="0" y="0"/>
+          <a:ext cx="0" cy="0"/>
+          <a:chOff x="0" y="0"/>
+          <a:chExt cx="0" cy="0"/>
+        </a:xfrm>
+      </p:grpSpPr>
+      <p:sp>
+        <p:nvSpPr>
+          <p:cNvPr id="2" name="Title 1">
+            <a:extLst>
+              <a:ext uri="{FF2B5EF4-FFF2-40B4-BE49-F238E27FC236}">
+                <a16:creationId xmlns:a16="http://schemas.microsoft.com/office/drawing/2014/main" id="{93ABF6CA-7BB3-A2BF-C755-5AF992D98050}"/>
+              </a:ext>
+            </a:extLst>
+          </p:cNvPr>
+          <p:cNvSpPr>
+            <a:spLocks noGrp="1"/>
+          </p:cNvSpPr>
+          <p:nvPr>
+            <p:ph type="title"/>
+          </p:nvPr>
+        </p:nvSpPr>
+        <p:spPr/>
+        <p:txBody>
+          <a:bodyPr/>
+          <a:lstStyle/>
+          <a:p>
+            <a:r>
+              <a:rPr lang="pt-BR" dirty="0"/>
+              <a:t>Aula 4</a:t>
+            </a:r>
+          </a:p>
+        </p:txBody>
+      </p:sp>
+      <p:sp>
+        <p:nvSpPr>
+          <p:cNvPr id="3" name="Content Placeholder 2">
+            <a:extLst>
+              <a:ext uri="{FF2B5EF4-FFF2-40B4-BE49-F238E27FC236}">
+                <a16:creationId xmlns:a16="http://schemas.microsoft.com/office/drawing/2014/main" id="{319DBDB9-C420-8BEB-07AC-CC012606B511}"/>
+              </a:ext>
+            </a:extLst>
+          </p:cNvPr>
+          <p:cNvSpPr>
+            <a:spLocks noGrp="1"/>
+          </p:cNvSpPr>
+          <p:nvPr>
+            <p:ph idx="1"/>
+          </p:nvPr>
+        </p:nvSpPr>
+        <p:spPr/>
+        <p:txBody>
+          <a:bodyPr/>
+          <a:lstStyle/>
+          <a:p>
+            <a:r>
+              <a:rPr lang="pt-BR" dirty="0"/>
+              <a:t>Tipos de Dados</a:t>
+            </a:r>
+          </a:p>
+          <a:p>
+            <a:r>
+              <a:rPr lang="pt-BR" dirty="0"/>
+              <a:t>Modelagem</a:t>
+            </a:r>
+          </a:p>
+          <a:p>
+            <a:pPr lvl="1"/>
+            <a:r>
+              <a:rPr lang="pt-BR" dirty="0"/>
+              <a:t>Entidades</a:t>
+            </a:r>
+          </a:p>
+          <a:p>
+            <a:pPr lvl="1"/>
+            <a:r>
+              <a:rPr lang="pt-BR" dirty="0"/>
+              <a:t>Relacionamentos</a:t>
+            </a:r>
+          </a:p>
+          <a:p>
+            <a:pPr lvl="1"/>
+            <a:r>
+              <a:rPr lang="pt-BR" dirty="0" err="1"/>
+              <a:t>Schema</a:t>
+            </a:r>
+            <a:r>
+              <a:rPr lang="pt-BR" dirty="0"/>
+              <a:t> </a:t>
+            </a:r>
+            <a:r>
+              <a:rPr lang="pt-BR" dirty="0" err="1"/>
+              <a:t>on</a:t>
+            </a:r>
+            <a:r>
+              <a:rPr lang="pt-BR" dirty="0"/>
+              <a:t> </a:t>
+            </a:r>
+            <a:r>
+              <a:rPr lang="pt-BR" dirty="0" err="1"/>
+              <a:t>Read</a:t>
+            </a:r>
+            <a:r>
+              <a:rPr lang="pt-BR" dirty="0"/>
+              <a:t> </a:t>
+            </a:r>
+            <a:r>
+              <a:rPr lang="pt-BR" dirty="0" err="1"/>
+              <a:t>X</a:t>
+            </a:r>
+            <a:r>
+              <a:rPr lang="pt-BR" dirty="0"/>
+              <a:t> </a:t>
+            </a:r>
+            <a:r>
+              <a:rPr lang="pt-BR" dirty="0" err="1"/>
+              <a:t>Schema</a:t>
+            </a:r>
+            <a:r>
+              <a:rPr lang="pt-BR" dirty="0"/>
+              <a:t> </a:t>
+            </a:r>
+            <a:r>
+              <a:rPr lang="pt-BR" dirty="0" err="1"/>
+              <a:t>on</a:t>
+            </a:r>
+            <a:r>
+              <a:rPr lang="pt-BR" dirty="0"/>
+              <a:t> Write</a:t>
+            </a:r>
+          </a:p>
+        </p:txBody>
+      </p:sp>
+    </p:spTree>
+    <p:extLst>
+      <p:ext uri="{BB962C8B-B14F-4D97-AF65-F5344CB8AC3E}">
+        <p14:creationId xmlns:p14="http://schemas.microsoft.com/office/powerpoint/2010/main" val="1904814864"/>
+      </p:ext>
+    </p:extLst>
+  </p:cSld>
+  <p:clrMapOvr>
+    <a:masterClrMapping/>
+  </p:clrMapOvr>
+</p:sld>
+</file>
+
+<file path=ppt/slides/slide32.xml><?xml version="1.0" encoding="utf-8"?>
+<p:sld xmlns:a="http://schemas.openxmlformats.org/drawingml/2006/main" xmlns:r="http://schemas.openxmlformats.org/officeDocument/2006/relationships" xmlns:p="http://schemas.openxmlformats.org/presentationml/2006/main">
+  <p:cSld>
+    <p:spTree>
+      <p:nvGrpSpPr>
+        <p:cNvPr id="1" name=""/>
+        <p:cNvGrpSpPr/>
+        <p:nvPr/>
+      </p:nvGrpSpPr>
+      <p:grpSpPr>
+        <a:xfrm>
+          <a:off x="0" y="0"/>
+          <a:ext cx="0" cy="0"/>
+          <a:chOff x="0" y="0"/>
+          <a:chExt cx="0" cy="0"/>
+        </a:xfrm>
+      </p:grpSpPr>
+      <p:sp>
+        <p:nvSpPr>
+          <p:cNvPr id="2" name="Title 1">
+            <a:extLst>
+              <a:ext uri="{FF2B5EF4-FFF2-40B4-BE49-F238E27FC236}">
+                <a16:creationId xmlns:a16="http://schemas.microsoft.com/office/drawing/2014/main" id="{F866FCD1-6439-2AA9-84E2-625EA3DA9CBA}"/>
+              </a:ext>
+            </a:extLst>
+          </p:cNvPr>
+          <p:cNvSpPr>
+            <a:spLocks noGrp="1"/>
+          </p:cNvSpPr>
+          <p:nvPr>
+            <p:ph type="title"/>
+          </p:nvPr>
+        </p:nvSpPr>
+        <p:spPr/>
+        <p:txBody>
+          <a:bodyPr/>
+          <a:lstStyle/>
+          <a:p>
+            <a:r>
+              <a:rPr lang="pt-BR" dirty="0"/>
+              <a:t>Cardinalidades</a:t>
+            </a:r>
+          </a:p>
+        </p:txBody>
+      </p:sp>
+      <p:pic>
+        <p:nvPicPr>
+          <p:cNvPr id="1026" name="Picture 2">
+            <a:extLst>
+              <a:ext uri="{FF2B5EF4-FFF2-40B4-BE49-F238E27FC236}">
+                <a16:creationId xmlns:a16="http://schemas.microsoft.com/office/drawing/2014/main" id="{7F78FA9F-C8B3-78F6-3F31-01DEB4CB827F}"/>
+              </a:ext>
+            </a:extLst>
+          </p:cNvPr>
+          <p:cNvPicPr>
+            <a:picLocks noGrp="1" noChangeAspect="1" noChangeArrowheads="1"/>
+          </p:cNvPicPr>
+          <p:nvPr>
+            <p:ph idx="1"/>
+          </p:nvPr>
+        </p:nvPicPr>
+        <p:blipFill>
+          <a:blip r:embed="rId2">
+            <a:extLst>
+              <a:ext uri="{28A0092B-C50C-407E-A947-70E740481C1C}">
+                <a14:useLocalDpi xmlns:a14="http://schemas.microsoft.com/office/drawing/2010/main" val="0"/>
+              </a:ext>
+            </a:extLst>
+          </a:blip>
+          <a:srcRect/>
+          <a:stretch>
+            <a:fillRect/>
+          </a:stretch>
+        </p:blipFill>
+        <p:spPr bwMode="auto">
+          <a:xfrm>
+            <a:off x="1712961" y="1690688"/>
+            <a:ext cx="4058112" cy="4637843"/>
+          </a:xfrm>
+          <a:prstGeom prst="rect">
+            <a:avLst/>
+          </a:prstGeom>
+          <a:noFill/>
+          <a:extLst>
+            <a:ext uri="{909E8E84-426E-40DD-AFC4-6F175D3DCCD1}">
+              <a14:hiddenFill xmlns:a14="http://schemas.microsoft.com/office/drawing/2010/main">
+                <a:solidFill>
+                  <a:srgbClr val="FFFFFF"/>
+                </a:solidFill>
+              </a14:hiddenFill>
+            </a:ext>
+          </a:extLst>
+        </p:spPr>
+      </p:pic>
+    </p:spTree>
+    <p:extLst>
+      <p:ext uri="{BB962C8B-B14F-4D97-AF65-F5344CB8AC3E}">
+        <p14:creationId xmlns:p14="http://schemas.microsoft.com/office/powerpoint/2010/main" val="666561487"/>
+      </p:ext>
+    </p:extLst>
+  </p:cSld>
+  <p:clrMapOvr>
+    <a:masterClrMapping/>
+  </p:clrMapOvr>
+</p:sld>
+</file>
+
 <file path=ppt/slides/slide4.xml><?xml version="1.0" encoding="utf-8"?>
 <p:sld xmlns:a="http://schemas.openxmlformats.org/drawingml/2006/main" xmlns:r="http://schemas.openxmlformats.org/officeDocument/2006/relationships" xmlns:p="http://schemas.openxmlformats.org/presentationml/2006/main">
   <p:cSld>

--- a/slides/Curso BD.pptx
+++ b/slides/Curso BD.pptx
@@ -44,6 +44,11 @@
     <p:sldId id="291" r:id="rId38"/>
     <p:sldId id="292" r:id="rId39"/>
     <p:sldId id="293" r:id="rId40"/>
+    <p:sldId id="295" r:id="rId41"/>
+    <p:sldId id="299" r:id="rId42"/>
+    <p:sldId id="296" r:id="rId43"/>
+    <p:sldId id="297" r:id="rId44"/>
+    <p:sldId id="298" r:id="rId45"/>
   </p:sldIdLst>
   <p:sldSz cx="12192000" cy="6858000"/>
   <p:notesSz cx="6858000" cy="9144000"/>
@@ -13104,7 +13109,7 @@
           <a:p>
             <a:fld id="{7411F540-1515-FA4E-9305-4EED9344E7D2}" type="datetimeFigureOut">
               <a:rPr lang="en-BR" smtClean="0"/>
-              <a:t>08/03/24</a:t>
+              <a:t>13/03/24</a:t>
             </a:fld>
             <a:endParaRPr lang="en-BR"/>
           </a:p>
@@ -13304,7 +13309,7 @@
           <a:p>
             <a:fld id="{7411F540-1515-FA4E-9305-4EED9344E7D2}" type="datetimeFigureOut">
               <a:rPr lang="en-BR" smtClean="0"/>
-              <a:t>08/03/24</a:t>
+              <a:t>13/03/24</a:t>
             </a:fld>
             <a:endParaRPr lang="en-BR"/>
           </a:p>
@@ -13514,7 +13519,7 @@
           <a:p>
             <a:fld id="{7411F540-1515-FA4E-9305-4EED9344E7D2}" type="datetimeFigureOut">
               <a:rPr lang="en-BR" smtClean="0"/>
-              <a:t>08/03/24</a:t>
+              <a:t>13/03/24</a:t>
             </a:fld>
             <a:endParaRPr lang="en-BR"/>
           </a:p>
@@ -13714,7 +13719,7 @@
           <a:p>
             <a:fld id="{7411F540-1515-FA4E-9305-4EED9344E7D2}" type="datetimeFigureOut">
               <a:rPr lang="en-BR" smtClean="0"/>
-              <a:t>08/03/24</a:t>
+              <a:t>13/03/24</a:t>
             </a:fld>
             <a:endParaRPr lang="en-BR"/>
           </a:p>
@@ -13990,7 +13995,7 @@
           <a:p>
             <a:fld id="{7411F540-1515-FA4E-9305-4EED9344E7D2}" type="datetimeFigureOut">
               <a:rPr lang="en-BR" smtClean="0"/>
-              <a:t>08/03/24</a:t>
+              <a:t>13/03/24</a:t>
             </a:fld>
             <a:endParaRPr lang="en-BR"/>
           </a:p>
@@ -14258,7 +14263,7 @@
           <a:p>
             <a:fld id="{7411F540-1515-FA4E-9305-4EED9344E7D2}" type="datetimeFigureOut">
               <a:rPr lang="en-BR" smtClean="0"/>
-              <a:t>08/03/24</a:t>
+              <a:t>13/03/24</a:t>
             </a:fld>
             <a:endParaRPr lang="en-BR"/>
           </a:p>
@@ -14673,7 +14678,7 @@
           <a:p>
             <a:fld id="{7411F540-1515-FA4E-9305-4EED9344E7D2}" type="datetimeFigureOut">
               <a:rPr lang="en-BR" smtClean="0"/>
-              <a:t>08/03/24</a:t>
+              <a:t>13/03/24</a:t>
             </a:fld>
             <a:endParaRPr lang="en-BR"/>
           </a:p>
@@ -14815,7 +14820,7 @@
           <a:p>
             <a:fld id="{7411F540-1515-FA4E-9305-4EED9344E7D2}" type="datetimeFigureOut">
               <a:rPr lang="en-BR" smtClean="0"/>
-              <a:t>08/03/24</a:t>
+              <a:t>13/03/24</a:t>
             </a:fld>
             <a:endParaRPr lang="en-BR"/>
           </a:p>
@@ -14928,7 +14933,7 @@
           <a:p>
             <a:fld id="{7411F540-1515-FA4E-9305-4EED9344E7D2}" type="datetimeFigureOut">
               <a:rPr lang="en-BR" smtClean="0"/>
-              <a:t>08/03/24</a:t>
+              <a:t>13/03/24</a:t>
             </a:fld>
             <a:endParaRPr lang="en-BR"/>
           </a:p>
@@ -15241,7 +15246,7 @@
           <a:p>
             <a:fld id="{7411F540-1515-FA4E-9305-4EED9344E7D2}" type="datetimeFigureOut">
               <a:rPr lang="en-BR" smtClean="0"/>
-              <a:t>08/03/24</a:t>
+              <a:t>13/03/24</a:t>
             </a:fld>
             <a:endParaRPr lang="en-BR"/>
           </a:p>
@@ -15530,7 +15535,7 @@
           <a:p>
             <a:fld id="{7411F540-1515-FA4E-9305-4EED9344E7D2}" type="datetimeFigureOut">
               <a:rPr lang="en-BR" smtClean="0"/>
-              <a:t>08/03/24</a:t>
+              <a:t>13/03/24</a:t>
             </a:fld>
             <a:endParaRPr lang="en-BR"/>
           </a:p>
@@ -15773,7 +15778,7 @@
           <a:p>
             <a:fld id="{7411F540-1515-FA4E-9305-4EED9344E7D2}" type="datetimeFigureOut">
               <a:rPr lang="en-BR" smtClean="0"/>
-              <a:t>08/03/24</a:t>
+              <a:t>13/03/24</a:t>
             </a:fld>
             <a:endParaRPr lang="en-BR"/>
           </a:p>
@@ -30543,6 +30548,4756 @@
 </p:sld>
 </file>
 
+<file path=ppt/slides/slide40.xml><?xml version="1.0" encoding="utf-8"?>
+<p:sld xmlns:a="http://schemas.openxmlformats.org/drawingml/2006/main" xmlns:r="http://schemas.openxmlformats.org/officeDocument/2006/relationships" xmlns:p="http://schemas.openxmlformats.org/presentationml/2006/main">
+  <p:cSld>
+    <p:spTree>
+      <p:nvGrpSpPr>
+        <p:cNvPr id="1" name=""/>
+        <p:cNvGrpSpPr/>
+        <p:nvPr/>
+      </p:nvGrpSpPr>
+      <p:grpSpPr>
+        <a:xfrm>
+          <a:off x="0" y="0"/>
+          <a:ext cx="0" cy="0"/>
+          <a:chOff x="0" y="0"/>
+          <a:chExt cx="0" cy="0"/>
+        </a:xfrm>
+      </p:grpSpPr>
+      <p:sp>
+        <p:nvSpPr>
+          <p:cNvPr id="2" name="Title 1">
+            <a:extLst>
+              <a:ext uri="{FF2B5EF4-FFF2-40B4-BE49-F238E27FC236}">
+                <a16:creationId xmlns:a16="http://schemas.microsoft.com/office/drawing/2014/main" id="{46A5C0CA-F7E3-F309-E4FC-AAFCC6C45A5A}"/>
+              </a:ext>
+            </a:extLst>
+          </p:cNvPr>
+          <p:cNvSpPr>
+            <a:spLocks noGrp="1"/>
+          </p:cNvSpPr>
+          <p:nvPr>
+            <p:ph type="title"/>
+          </p:nvPr>
+        </p:nvSpPr>
+        <p:spPr/>
+        <p:txBody>
+          <a:bodyPr/>
+          <a:lstStyle/>
+          <a:p>
+            <a:r>
+              <a:rPr lang="pt-BR" dirty="0"/>
+              <a:t>Aula 6</a:t>
+            </a:r>
+          </a:p>
+        </p:txBody>
+      </p:sp>
+      <p:sp>
+        <p:nvSpPr>
+          <p:cNvPr id="3" name="Content Placeholder 2">
+            <a:extLst>
+              <a:ext uri="{FF2B5EF4-FFF2-40B4-BE49-F238E27FC236}">
+                <a16:creationId xmlns:a16="http://schemas.microsoft.com/office/drawing/2014/main" id="{782F2F82-9830-2975-7C4B-5F4596539B72}"/>
+              </a:ext>
+            </a:extLst>
+          </p:cNvPr>
+          <p:cNvSpPr>
+            <a:spLocks noGrp="1"/>
+          </p:cNvSpPr>
+          <p:nvPr>
+            <p:ph idx="1"/>
+          </p:nvPr>
+        </p:nvSpPr>
+        <p:spPr/>
+        <p:txBody>
+          <a:bodyPr/>
+          <a:lstStyle/>
+          <a:p>
+            <a:r>
+              <a:rPr lang="pt-BR" dirty="0"/>
+              <a:t>SQL </a:t>
+            </a:r>
+            <a:r>
+              <a:rPr lang="pt-BR" dirty="0" err="1"/>
+              <a:t>execution</a:t>
+            </a:r>
+            <a:endParaRPr lang="pt-BR" dirty="0"/>
+          </a:p>
+          <a:p>
+            <a:r>
+              <a:rPr lang="pt-BR" dirty="0" err="1"/>
+              <a:t>Joins</a:t>
+            </a:r>
+            <a:endParaRPr lang="pt-BR" dirty="0"/>
+          </a:p>
+          <a:p>
+            <a:r>
+              <a:rPr lang="pt-BR" dirty="0" err="1"/>
+              <a:t>Group</a:t>
+            </a:r>
+            <a:r>
+              <a:rPr lang="pt-BR" dirty="0"/>
+              <a:t> </a:t>
+            </a:r>
+            <a:r>
+              <a:rPr lang="pt-BR" dirty="0" err="1"/>
+              <a:t>By</a:t>
+            </a:r>
+            <a:endParaRPr lang="pt-BR" dirty="0"/>
+          </a:p>
+          <a:p>
+            <a:r>
+              <a:rPr lang="pt-BR" dirty="0"/>
+              <a:t>Top / </a:t>
+            </a:r>
+            <a:r>
+              <a:rPr lang="pt-BR" dirty="0" err="1"/>
+              <a:t>Limit</a:t>
+            </a:r>
+            <a:endParaRPr lang="pt-BR" dirty="0"/>
+          </a:p>
+          <a:p>
+            <a:r>
+              <a:rPr lang="pt-BR" dirty="0" err="1"/>
+              <a:t>Order</a:t>
+            </a:r>
+            <a:r>
+              <a:rPr lang="pt-BR" dirty="0"/>
+              <a:t> </a:t>
+            </a:r>
+            <a:r>
+              <a:rPr lang="pt-BR" dirty="0" err="1"/>
+              <a:t>By</a:t>
+            </a:r>
+            <a:endParaRPr lang="pt-BR" dirty="0"/>
+          </a:p>
+        </p:txBody>
+      </p:sp>
+    </p:spTree>
+    <p:extLst>
+      <p:ext uri="{BB962C8B-B14F-4D97-AF65-F5344CB8AC3E}">
+        <p14:creationId xmlns:p14="http://schemas.microsoft.com/office/powerpoint/2010/main" val="3432829656"/>
+      </p:ext>
+    </p:extLst>
+  </p:cSld>
+  <p:clrMapOvr>
+    <a:masterClrMapping/>
+  </p:clrMapOvr>
+</p:sld>
+</file>
+
+<file path=ppt/slides/slide41.xml><?xml version="1.0" encoding="utf-8"?>
+<p:sld xmlns:a="http://schemas.openxmlformats.org/drawingml/2006/main" xmlns:r="http://schemas.openxmlformats.org/officeDocument/2006/relationships" xmlns:p="http://schemas.openxmlformats.org/presentationml/2006/main">
+  <p:cSld>
+    <p:spTree>
+      <p:nvGrpSpPr>
+        <p:cNvPr id="1" name=""/>
+        <p:cNvGrpSpPr/>
+        <p:nvPr/>
+      </p:nvGrpSpPr>
+      <p:grpSpPr>
+        <a:xfrm>
+          <a:off x="0" y="0"/>
+          <a:ext cx="0" cy="0"/>
+          <a:chOff x="0" y="0"/>
+          <a:chExt cx="0" cy="0"/>
+        </a:xfrm>
+      </p:grpSpPr>
+      <p:sp>
+        <p:nvSpPr>
+          <p:cNvPr id="2" name="Title 1">
+            <a:extLst>
+              <a:ext uri="{FF2B5EF4-FFF2-40B4-BE49-F238E27FC236}">
+                <a16:creationId xmlns:a16="http://schemas.microsoft.com/office/drawing/2014/main" id="{13C5B3F6-D11E-E2B1-EFD6-58FF419C22F7}"/>
+              </a:ext>
+            </a:extLst>
+          </p:cNvPr>
+          <p:cNvSpPr>
+            <a:spLocks noGrp="1"/>
+          </p:cNvSpPr>
+          <p:nvPr>
+            <p:ph type="title"/>
+          </p:nvPr>
+        </p:nvSpPr>
+        <p:spPr/>
+        <p:txBody>
+          <a:bodyPr/>
+          <a:lstStyle/>
+          <a:p>
+            <a:r>
+              <a:rPr lang="pt-BR" dirty="0"/>
+              <a:t>SQL </a:t>
+            </a:r>
+            <a:r>
+              <a:rPr lang="pt-BR" dirty="0" err="1"/>
+              <a:t>execution</a:t>
+            </a:r>
+            <a:endParaRPr lang="pt-BR" dirty="0"/>
+          </a:p>
+        </p:txBody>
+      </p:sp>
+      <p:sp>
+        <p:nvSpPr>
+          <p:cNvPr id="3" name="Content Placeholder 2">
+            <a:extLst>
+              <a:ext uri="{FF2B5EF4-FFF2-40B4-BE49-F238E27FC236}">
+                <a16:creationId xmlns:a16="http://schemas.microsoft.com/office/drawing/2014/main" id="{BDBD58AB-673E-E4E3-0A4E-6B8728D604E9}"/>
+              </a:ext>
+            </a:extLst>
+          </p:cNvPr>
+          <p:cNvSpPr>
+            <a:spLocks noGrp="1"/>
+          </p:cNvSpPr>
+          <p:nvPr>
+            <p:ph idx="1"/>
+          </p:nvPr>
+        </p:nvSpPr>
+        <p:spPr/>
+        <p:txBody>
+          <a:bodyPr>
+            <a:normAutofit fontScale="55000" lnSpcReduction="20000"/>
+          </a:bodyPr>
+          <a:lstStyle/>
+          <a:p>
+            <a:pPr algn="l">
+              <a:buFont typeface="+mj-lt"/>
+              <a:buAutoNum type="arabicPeriod"/>
+            </a:pPr>
+            <a:r>
+              <a:rPr lang="en-US" b="1" i="0" dirty="0">
+                <a:solidFill>
+                  <a:srgbClr val="0D0D0D"/>
+                </a:solidFill>
+                <a:effectLst/>
+                <a:highlight>
+                  <a:srgbClr val="FFFFFF"/>
+                </a:highlight>
+                <a:latin typeface="Söhne"/>
+              </a:rPr>
+              <a:t>FROM</a:t>
+            </a:r>
+            <a:r>
+              <a:rPr lang="en-US" b="0" i="0" dirty="0">
+                <a:solidFill>
+                  <a:srgbClr val="0D0D0D"/>
+                </a:solidFill>
+                <a:effectLst/>
+                <a:highlight>
+                  <a:srgbClr val="FFFFFF"/>
+                </a:highlight>
+                <a:latin typeface="Söhne"/>
+              </a:rPr>
+              <a:t>: </a:t>
+            </a:r>
+            <a:r>
+              <a:rPr lang="en-US" b="0" i="0" dirty="0" err="1">
+                <a:solidFill>
+                  <a:srgbClr val="0D0D0D"/>
+                </a:solidFill>
+                <a:effectLst/>
+                <a:highlight>
+                  <a:srgbClr val="FFFFFF"/>
+                </a:highlight>
+                <a:latin typeface="Söhne"/>
+              </a:rPr>
+              <a:t>Identifica</a:t>
+            </a:r>
+            <a:r>
+              <a:rPr lang="en-US" b="0" i="0" dirty="0">
+                <a:solidFill>
+                  <a:srgbClr val="0D0D0D"/>
+                </a:solidFill>
+                <a:effectLst/>
+                <a:highlight>
+                  <a:srgbClr val="FFFFFF"/>
+                </a:highlight>
+                <a:latin typeface="Söhne"/>
+              </a:rPr>
+              <a:t> a </a:t>
+            </a:r>
+            <a:r>
+              <a:rPr lang="en-US" b="0" i="0" dirty="0" err="1">
+                <a:solidFill>
+                  <a:srgbClr val="0D0D0D"/>
+                </a:solidFill>
+                <a:effectLst/>
+                <a:highlight>
+                  <a:srgbClr val="FFFFFF"/>
+                </a:highlight>
+                <a:latin typeface="Söhne"/>
+              </a:rPr>
+              <a:t>fonte</a:t>
+            </a:r>
+            <a:r>
+              <a:rPr lang="en-US" b="0" i="0" dirty="0">
+                <a:solidFill>
+                  <a:srgbClr val="0D0D0D"/>
+                </a:solidFill>
+                <a:effectLst/>
+                <a:highlight>
+                  <a:srgbClr val="FFFFFF"/>
+                </a:highlight>
+                <a:latin typeface="Söhne"/>
+              </a:rPr>
+              <a:t> de dados da consulta, </a:t>
+            </a:r>
+            <a:r>
+              <a:rPr lang="en-US" b="0" i="0" dirty="0" err="1">
+                <a:solidFill>
+                  <a:srgbClr val="0D0D0D"/>
+                </a:solidFill>
+                <a:effectLst/>
+                <a:highlight>
+                  <a:srgbClr val="FFFFFF"/>
+                </a:highlight>
+                <a:latin typeface="Söhne"/>
+              </a:rPr>
+              <a:t>especificada</a:t>
+            </a:r>
+            <a:r>
+              <a:rPr lang="en-US" b="0" i="0" dirty="0">
+                <a:solidFill>
+                  <a:srgbClr val="0D0D0D"/>
+                </a:solidFill>
+                <a:effectLst/>
+                <a:highlight>
+                  <a:srgbClr val="FFFFFF"/>
+                </a:highlight>
+                <a:latin typeface="Söhne"/>
+              </a:rPr>
+              <a:t> pela </a:t>
+            </a:r>
+            <a:r>
+              <a:rPr lang="en-US" b="0" i="0" dirty="0" err="1">
+                <a:solidFill>
+                  <a:srgbClr val="0D0D0D"/>
+                </a:solidFill>
+                <a:effectLst/>
+                <a:highlight>
+                  <a:srgbClr val="FFFFFF"/>
+                </a:highlight>
+                <a:latin typeface="Söhne"/>
+              </a:rPr>
+              <a:t>cláusula</a:t>
+            </a:r>
+            <a:r>
+              <a:rPr lang="en-US" b="0" i="0" dirty="0">
+                <a:solidFill>
+                  <a:srgbClr val="0D0D0D"/>
+                </a:solidFill>
+                <a:effectLst/>
+                <a:highlight>
+                  <a:srgbClr val="FFFFFF"/>
+                </a:highlight>
+                <a:latin typeface="Söhne"/>
+              </a:rPr>
+              <a:t> FROM. </a:t>
+            </a:r>
+            <a:r>
+              <a:rPr lang="en-US" b="0" i="0" dirty="0" err="1">
+                <a:solidFill>
+                  <a:srgbClr val="0D0D0D"/>
+                </a:solidFill>
+                <a:effectLst/>
+                <a:highlight>
+                  <a:srgbClr val="FFFFFF"/>
+                </a:highlight>
+                <a:latin typeface="Söhne"/>
+              </a:rPr>
+              <a:t>Esta</a:t>
+            </a:r>
+            <a:r>
+              <a:rPr lang="en-US" b="0" i="0" dirty="0">
+                <a:solidFill>
+                  <a:srgbClr val="0D0D0D"/>
+                </a:solidFill>
+                <a:effectLst/>
+                <a:highlight>
+                  <a:srgbClr val="FFFFFF"/>
+                </a:highlight>
+                <a:latin typeface="Söhne"/>
+              </a:rPr>
+              <a:t> </a:t>
+            </a:r>
+            <a:r>
+              <a:rPr lang="en-US" b="0" i="0" dirty="0" err="1">
+                <a:solidFill>
+                  <a:srgbClr val="0D0D0D"/>
+                </a:solidFill>
+                <a:effectLst/>
+                <a:highlight>
+                  <a:srgbClr val="FFFFFF"/>
+                </a:highlight>
+                <a:latin typeface="Söhne"/>
+              </a:rPr>
+              <a:t>cláusula</a:t>
+            </a:r>
+            <a:r>
+              <a:rPr lang="en-US" b="0" i="0" dirty="0">
+                <a:solidFill>
+                  <a:srgbClr val="0D0D0D"/>
+                </a:solidFill>
+                <a:effectLst/>
+                <a:highlight>
+                  <a:srgbClr val="FFFFFF"/>
+                </a:highlight>
+                <a:latin typeface="Söhne"/>
+              </a:rPr>
+              <a:t> define a </a:t>
+            </a:r>
+            <a:r>
+              <a:rPr lang="en-US" b="0" i="0" dirty="0" err="1">
+                <a:solidFill>
+                  <a:srgbClr val="0D0D0D"/>
+                </a:solidFill>
+                <a:effectLst/>
+                <a:highlight>
+                  <a:srgbClr val="FFFFFF"/>
+                </a:highlight>
+                <a:latin typeface="Söhne"/>
+              </a:rPr>
+              <a:t>tabela</a:t>
+            </a:r>
+            <a:r>
+              <a:rPr lang="en-US" b="0" i="0" dirty="0">
+                <a:solidFill>
+                  <a:srgbClr val="0D0D0D"/>
+                </a:solidFill>
+                <a:effectLst/>
+                <a:highlight>
+                  <a:srgbClr val="FFFFFF"/>
+                </a:highlight>
+                <a:latin typeface="Söhne"/>
+              </a:rPr>
+              <a:t> </a:t>
+            </a:r>
+            <a:r>
+              <a:rPr lang="en-US" b="0" i="0" dirty="0" err="1">
+                <a:solidFill>
+                  <a:srgbClr val="0D0D0D"/>
+                </a:solidFill>
+                <a:effectLst/>
+                <a:highlight>
+                  <a:srgbClr val="FFFFFF"/>
+                </a:highlight>
+                <a:latin typeface="Söhne"/>
+              </a:rPr>
+              <a:t>ou</a:t>
+            </a:r>
+            <a:r>
+              <a:rPr lang="en-US" b="0" i="0" dirty="0">
+                <a:solidFill>
+                  <a:srgbClr val="0D0D0D"/>
+                </a:solidFill>
+                <a:effectLst/>
+                <a:highlight>
+                  <a:srgbClr val="FFFFFF"/>
+                </a:highlight>
+                <a:latin typeface="Söhne"/>
+              </a:rPr>
+              <a:t> as </a:t>
+            </a:r>
+            <a:r>
+              <a:rPr lang="en-US" b="0" i="0" dirty="0" err="1">
+                <a:solidFill>
+                  <a:srgbClr val="0D0D0D"/>
+                </a:solidFill>
+                <a:effectLst/>
+                <a:highlight>
+                  <a:srgbClr val="FFFFFF"/>
+                </a:highlight>
+                <a:latin typeface="Söhne"/>
+              </a:rPr>
+              <a:t>tabelas</a:t>
+            </a:r>
+            <a:r>
+              <a:rPr lang="en-US" b="0" i="0" dirty="0">
+                <a:solidFill>
+                  <a:srgbClr val="0D0D0D"/>
+                </a:solidFill>
+                <a:effectLst/>
+                <a:highlight>
+                  <a:srgbClr val="FFFFFF"/>
+                </a:highlight>
+                <a:latin typeface="Söhne"/>
+              </a:rPr>
+              <a:t> das </a:t>
+            </a:r>
+            <a:r>
+              <a:rPr lang="en-US" b="0" i="0" dirty="0" err="1">
+                <a:solidFill>
+                  <a:srgbClr val="0D0D0D"/>
+                </a:solidFill>
+                <a:effectLst/>
+                <a:highlight>
+                  <a:srgbClr val="FFFFFF"/>
+                </a:highlight>
+                <a:latin typeface="Söhne"/>
+              </a:rPr>
+              <a:t>quais</a:t>
+            </a:r>
+            <a:r>
+              <a:rPr lang="en-US" b="0" i="0" dirty="0">
+                <a:solidFill>
+                  <a:srgbClr val="0D0D0D"/>
+                </a:solidFill>
+                <a:effectLst/>
+                <a:highlight>
+                  <a:srgbClr val="FFFFFF"/>
+                </a:highlight>
+                <a:latin typeface="Söhne"/>
+              </a:rPr>
+              <a:t> </a:t>
+            </a:r>
+            <a:r>
+              <a:rPr lang="en-US" b="0" i="0" dirty="0" err="1">
+                <a:solidFill>
+                  <a:srgbClr val="0D0D0D"/>
+                </a:solidFill>
+                <a:effectLst/>
+                <a:highlight>
+                  <a:srgbClr val="FFFFFF"/>
+                </a:highlight>
+                <a:latin typeface="Söhne"/>
+              </a:rPr>
+              <a:t>os</a:t>
+            </a:r>
+            <a:r>
+              <a:rPr lang="en-US" b="0" i="0" dirty="0">
+                <a:solidFill>
+                  <a:srgbClr val="0D0D0D"/>
+                </a:solidFill>
+                <a:effectLst/>
+                <a:highlight>
+                  <a:srgbClr val="FFFFFF"/>
+                </a:highlight>
+                <a:latin typeface="Söhne"/>
+              </a:rPr>
+              <a:t> dados </a:t>
+            </a:r>
+            <a:r>
+              <a:rPr lang="en-US" b="0" i="0" dirty="0" err="1">
+                <a:solidFill>
+                  <a:srgbClr val="0D0D0D"/>
+                </a:solidFill>
+                <a:effectLst/>
+                <a:highlight>
+                  <a:srgbClr val="FFFFFF"/>
+                </a:highlight>
+                <a:latin typeface="Söhne"/>
+              </a:rPr>
+              <a:t>serão</a:t>
+            </a:r>
+            <a:r>
+              <a:rPr lang="en-US" b="0" i="0" dirty="0">
+                <a:solidFill>
+                  <a:srgbClr val="0D0D0D"/>
+                </a:solidFill>
+                <a:effectLst/>
+                <a:highlight>
+                  <a:srgbClr val="FFFFFF"/>
+                </a:highlight>
+                <a:latin typeface="Söhne"/>
+              </a:rPr>
+              <a:t> </a:t>
+            </a:r>
+            <a:r>
+              <a:rPr lang="en-US" b="0" i="0" dirty="0" err="1">
+                <a:solidFill>
+                  <a:srgbClr val="0D0D0D"/>
+                </a:solidFill>
+                <a:effectLst/>
+                <a:highlight>
+                  <a:srgbClr val="FFFFFF"/>
+                </a:highlight>
+                <a:latin typeface="Söhne"/>
+              </a:rPr>
+              <a:t>recuperados</a:t>
+            </a:r>
+            <a:r>
+              <a:rPr lang="en-US" b="0" i="0" dirty="0">
+                <a:solidFill>
+                  <a:srgbClr val="0D0D0D"/>
+                </a:solidFill>
+                <a:effectLst/>
+                <a:highlight>
+                  <a:srgbClr val="FFFFFF"/>
+                </a:highlight>
+                <a:latin typeface="Söhne"/>
+              </a:rPr>
+              <a:t>.</a:t>
+            </a:r>
+          </a:p>
+          <a:p>
+            <a:pPr algn="l">
+              <a:buFont typeface="+mj-lt"/>
+              <a:buAutoNum type="arabicPeriod"/>
+            </a:pPr>
+            <a:r>
+              <a:rPr lang="en-US" b="1" i="0" dirty="0">
+                <a:solidFill>
+                  <a:srgbClr val="0D0D0D"/>
+                </a:solidFill>
+                <a:effectLst/>
+                <a:highlight>
+                  <a:srgbClr val="FFFFFF"/>
+                </a:highlight>
+                <a:latin typeface="Söhne"/>
+              </a:rPr>
+              <a:t>WHERE</a:t>
+            </a:r>
+            <a:r>
+              <a:rPr lang="en-US" b="0" i="0" dirty="0">
+                <a:solidFill>
+                  <a:srgbClr val="0D0D0D"/>
+                </a:solidFill>
+                <a:effectLst/>
+                <a:highlight>
+                  <a:srgbClr val="FFFFFF"/>
+                </a:highlight>
+                <a:latin typeface="Söhne"/>
+              </a:rPr>
+              <a:t>: </a:t>
+            </a:r>
+            <a:r>
+              <a:rPr lang="en-US" b="0" i="0" dirty="0" err="1">
+                <a:solidFill>
+                  <a:srgbClr val="0D0D0D"/>
+                </a:solidFill>
+                <a:effectLst/>
+                <a:highlight>
+                  <a:srgbClr val="FFFFFF"/>
+                </a:highlight>
+                <a:latin typeface="Söhne"/>
+              </a:rPr>
+              <a:t>Aplica</a:t>
+            </a:r>
+            <a:r>
+              <a:rPr lang="en-US" b="0" i="0" dirty="0">
+                <a:solidFill>
+                  <a:srgbClr val="0D0D0D"/>
+                </a:solidFill>
+                <a:effectLst/>
+                <a:highlight>
+                  <a:srgbClr val="FFFFFF"/>
+                </a:highlight>
+                <a:latin typeface="Söhne"/>
+              </a:rPr>
+              <a:t> a </a:t>
+            </a:r>
+            <a:r>
+              <a:rPr lang="en-US" b="0" i="0" dirty="0" err="1">
+                <a:solidFill>
+                  <a:srgbClr val="0D0D0D"/>
+                </a:solidFill>
+                <a:effectLst/>
+                <a:highlight>
+                  <a:srgbClr val="FFFFFF"/>
+                </a:highlight>
+                <a:latin typeface="Söhne"/>
+              </a:rPr>
+              <a:t>cláusula</a:t>
+            </a:r>
+            <a:r>
+              <a:rPr lang="en-US" b="0" i="0" dirty="0">
+                <a:solidFill>
+                  <a:srgbClr val="0D0D0D"/>
+                </a:solidFill>
+                <a:effectLst/>
+                <a:highlight>
+                  <a:srgbClr val="FFFFFF"/>
+                </a:highlight>
+                <a:latin typeface="Söhne"/>
+              </a:rPr>
+              <a:t> WHERE para </a:t>
+            </a:r>
+            <a:r>
+              <a:rPr lang="en-US" b="0" i="0" dirty="0" err="1">
+                <a:solidFill>
+                  <a:srgbClr val="0D0D0D"/>
+                </a:solidFill>
+                <a:effectLst/>
+                <a:highlight>
+                  <a:srgbClr val="FFFFFF"/>
+                </a:highlight>
+                <a:latin typeface="Söhne"/>
+              </a:rPr>
+              <a:t>filtrar</a:t>
+            </a:r>
+            <a:r>
+              <a:rPr lang="en-US" b="0" i="0" dirty="0">
+                <a:solidFill>
+                  <a:srgbClr val="0D0D0D"/>
+                </a:solidFill>
+                <a:effectLst/>
+                <a:highlight>
+                  <a:srgbClr val="FFFFFF"/>
+                </a:highlight>
+                <a:latin typeface="Söhne"/>
+              </a:rPr>
+              <a:t> </a:t>
+            </a:r>
+            <a:r>
+              <a:rPr lang="en-US" b="0" i="0" dirty="0" err="1">
+                <a:solidFill>
+                  <a:srgbClr val="0D0D0D"/>
+                </a:solidFill>
+                <a:effectLst/>
+                <a:highlight>
+                  <a:srgbClr val="FFFFFF"/>
+                </a:highlight>
+                <a:latin typeface="Söhne"/>
+              </a:rPr>
+              <a:t>os</a:t>
+            </a:r>
+            <a:r>
+              <a:rPr lang="en-US" b="0" i="0" dirty="0">
+                <a:solidFill>
+                  <a:srgbClr val="0D0D0D"/>
+                </a:solidFill>
+                <a:effectLst/>
+                <a:highlight>
+                  <a:srgbClr val="FFFFFF"/>
+                </a:highlight>
+                <a:latin typeface="Söhne"/>
+              </a:rPr>
+              <a:t> </a:t>
+            </a:r>
+            <a:r>
+              <a:rPr lang="en-US" b="0" i="0" dirty="0" err="1">
+                <a:solidFill>
+                  <a:srgbClr val="0D0D0D"/>
+                </a:solidFill>
+                <a:effectLst/>
+                <a:highlight>
+                  <a:srgbClr val="FFFFFF"/>
+                </a:highlight>
+                <a:latin typeface="Söhne"/>
+              </a:rPr>
+              <a:t>registros</a:t>
+            </a:r>
+            <a:r>
+              <a:rPr lang="en-US" b="0" i="0" dirty="0">
+                <a:solidFill>
+                  <a:srgbClr val="0D0D0D"/>
+                </a:solidFill>
+                <a:effectLst/>
+                <a:highlight>
+                  <a:srgbClr val="FFFFFF"/>
+                </a:highlight>
+                <a:latin typeface="Söhne"/>
+              </a:rPr>
+              <a:t> com base </a:t>
+            </a:r>
+            <a:r>
+              <a:rPr lang="en-US" b="0" i="0" dirty="0" err="1">
+                <a:solidFill>
+                  <a:srgbClr val="0D0D0D"/>
+                </a:solidFill>
+                <a:effectLst/>
+                <a:highlight>
+                  <a:srgbClr val="FFFFFF"/>
+                </a:highlight>
+                <a:latin typeface="Söhne"/>
+              </a:rPr>
+              <a:t>em</a:t>
+            </a:r>
+            <a:r>
+              <a:rPr lang="en-US" b="0" i="0" dirty="0">
+                <a:solidFill>
+                  <a:srgbClr val="0D0D0D"/>
+                </a:solidFill>
+                <a:effectLst/>
+                <a:highlight>
+                  <a:srgbClr val="FFFFFF"/>
+                </a:highlight>
+                <a:latin typeface="Söhne"/>
+              </a:rPr>
+              <a:t> </a:t>
+            </a:r>
+            <a:r>
+              <a:rPr lang="en-US" b="0" i="0" dirty="0" err="1">
+                <a:solidFill>
+                  <a:srgbClr val="0D0D0D"/>
+                </a:solidFill>
+                <a:effectLst/>
+                <a:highlight>
+                  <a:srgbClr val="FFFFFF"/>
+                </a:highlight>
+                <a:latin typeface="Söhne"/>
+              </a:rPr>
+              <a:t>determinadas</a:t>
+            </a:r>
+            <a:r>
+              <a:rPr lang="en-US" b="0" i="0" dirty="0">
+                <a:solidFill>
+                  <a:srgbClr val="0D0D0D"/>
+                </a:solidFill>
+                <a:effectLst/>
+                <a:highlight>
+                  <a:srgbClr val="FFFFFF"/>
+                </a:highlight>
+                <a:latin typeface="Söhne"/>
+              </a:rPr>
+              <a:t> </a:t>
+            </a:r>
+            <a:r>
+              <a:rPr lang="en-US" b="0" i="0" dirty="0" err="1">
+                <a:solidFill>
+                  <a:srgbClr val="0D0D0D"/>
+                </a:solidFill>
+                <a:effectLst/>
+                <a:highlight>
+                  <a:srgbClr val="FFFFFF"/>
+                </a:highlight>
+                <a:latin typeface="Söhne"/>
+              </a:rPr>
+              <a:t>condições</a:t>
+            </a:r>
+            <a:r>
+              <a:rPr lang="en-US" b="0" i="0" dirty="0">
+                <a:solidFill>
+                  <a:srgbClr val="0D0D0D"/>
+                </a:solidFill>
+                <a:effectLst/>
+                <a:highlight>
+                  <a:srgbClr val="FFFFFF"/>
+                </a:highlight>
+                <a:latin typeface="Söhne"/>
+              </a:rPr>
+              <a:t>. A </a:t>
+            </a:r>
+            <a:r>
+              <a:rPr lang="en-US" b="0" i="0" dirty="0" err="1">
+                <a:solidFill>
+                  <a:srgbClr val="0D0D0D"/>
+                </a:solidFill>
+                <a:effectLst/>
+                <a:highlight>
+                  <a:srgbClr val="FFFFFF"/>
+                </a:highlight>
+                <a:latin typeface="Söhne"/>
+              </a:rPr>
+              <a:t>condição</a:t>
+            </a:r>
+            <a:r>
+              <a:rPr lang="en-US" b="0" i="0" dirty="0">
+                <a:solidFill>
+                  <a:srgbClr val="0D0D0D"/>
+                </a:solidFill>
+                <a:effectLst/>
+                <a:highlight>
+                  <a:srgbClr val="FFFFFF"/>
+                </a:highlight>
+                <a:latin typeface="Söhne"/>
+              </a:rPr>
+              <a:t> </a:t>
+            </a:r>
+            <a:r>
+              <a:rPr lang="en-US" b="0" i="0" dirty="0" err="1">
+                <a:solidFill>
+                  <a:srgbClr val="0D0D0D"/>
+                </a:solidFill>
+                <a:effectLst/>
+                <a:highlight>
+                  <a:srgbClr val="FFFFFF"/>
+                </a:highlight>
+                <a:latin typeface="Söhne"/>
+              </a:rPr>
+              <a:t>especificada</a:t>
+            </a:r>
+            <a:r>
+              <a:rPr lang="en-US" b="0" i="0" dirty="0">
+                <a:solidFill>
+                  <a:srgbClr val="0D0D0D"/>
+                </a:solidFill>
+                <a:effectLst/>
+                <a:highlight>
+                  <a:srgbClr val="FFFFFF"/>
+                </a:highlight>
+                <a:latin typeface="Söhne"/>
+              </a:rPr>
+              <a:t> no WHERE </a:t>
+            </a:r>
+            <a:r>
+              <a:rPr lang="en-US" b="0" i="0" dirty="0" err="1">
+                <a:solidFill>
+                  <a:srgbClr val="0D0D0D"/>
+                </a:solidFill>
+                <a:effectLst/>
+                <a:highlight>
+                  <a:srgbClr val="FFFFFF"/>
+                </a:highlight>
+                <a:latin typeface="Söhne"/>
+              </a:rPr>
+              <a:t>determina</a:t>
+            </a:r>
+            <a:r>
+              <a:rPr lang="en-US" b="0" i="0" dirty="0">
+                <a:solidFill>
+                  <a:srgbClr val="0D0D0D"/>
+                </a:solidFill>
+                <a:effectLst/>
+                <a:highlight>
+                  <a:srgbClr val="FFFFFF"/>
+                </a:highlight>
+                <a:latin typeface="Söhne"/>
+              </a:rPr>
+              <a:t> </a:t>
+            </a:r>
+            <a:r>
+              <a:rPr lang="en-US" b="0" i="0" dirty="0" err="1">
+                <a:solidFill>
+                  <a:srgbClr val="0D0D0D"/>
+                </a:solidFill>
+                <a:effectLst/>
+                <a:highlight>
+                  <a:srgbClr val="FFFFFF"/>
+                </a:highlight>
+                <a:latin typeface="Söhne"/>
+              </a:rPr>
+              <a:t>quais</a:t>
+            </a:r>
+            <a:r>
+              <a:rPr lang="en-US" b="0" i="0" dirty="0">
+                <a:solidFill>
+                  <a:srgbClr val="0D0D0D"/>
+                </a:solidFill>
+                <a:effectLst/>
+                <a:highlight>
+                  <a:srgbClr val="FFFFFF"/>
+                </a:highlight>
+                <a:latin typeface="Söhne"/>
+              </a:rPr>
+              <a:t> </a:t>
+            </a:r>
+            <a:r>
+              <a:rPr lang="en-US" b="0" i="0" dirty="0" err="1">
+                <a:solidFill>
+                  <a:srgbClr val="0D0D0D"/>
+                </a:solidFill>
+                <a:effectLst/>
+                <a:highlight>
+                  <a:srgbClr val="FFFFFF"/>
+                </a:highlight>
+                <a:latin typeface="Söhne"/>
+              </a:rPr>
+              <a:t>registros</a:t>
+            </a:r>
+            <a:r>
+              <a:rPr lang="en-US" b="0" i="0" dirty="0">
+                <a:solidFill>
+                  <a:srgbClr val="0D0D0D"/>
+                </a:solidFill>
+                <a:effectLst/>
+                <a:highlight>
+                  <a:srgbClr val="FFFFFF"/>
+                </a:highlight>
+                <a:latin typeface="Söhne"/>
+              </a:rPr>
+              <a:t> </a:t>
+            </a:r>
+            <a:r>
+              <a:rPr lang="en-US" b="0" i="0" dirty="0" err="1">
+                <a:solidFill>
+                  <a:srgbClr val="0D0D0D"/>
+                </a:solidFill>
+                <a:effectLst/>
+                <a:highlight>
+                  <a:srgbClr val="FFFFFF"/>
+                </a:highlight>
+                <a:latin typeface="Söhne"/>
+              </a:rPr>
+              <a:t>serão</a:t>
+            </a:r>
+            <a:r>
+              <a:rPr lang="en-US" b="0" i="0" dirty="0">
+                <a:solidFill>
+                  <a:srgbClr val="0D0D0D"/>
+                </a:solidFill>
+                <a:effectLst/>
+                <a:highlight>
+                  <a:srgbClr val="FFFFFF"/>
+                </a:highlight>
+                <a:latin typeface="Söhne"/>
+              </a:rPr>
+              <a:t> </a:t>
+            </a:r>
+            <a:r>
+              <a:rPr lang="en-US" b="0" i="0" dirty="0" err="1">
+                <a:solidFill>
+                  <a:srgbClr val="0D0D0D"/>
+                </a:solidFill>
+                <a:effectLst/>
+                <a:highlight>
+                  <a:srgbClr val="FFFFFF"/>
+                </a:highlight>
+                <a:latin typeface="Söhne"/>
+              </a:rPr>
+              <a:t>incluídos</a:t>
+            </a:r>
+            <a:r>
+              <a:rPr lang="en-US" b="0" i="0" dirty="0">
+                <a:solidFill>
+                  <a:srgbClr val="0D0D0D"/>
+                </a:solidFill>
+                <a:effectLst/>
+                <a:highlight>
+                  <a:srgbClr val="FFFFFF"/>
+                </a:highlight>
+                <a:latin typeface="Söhne"/>
+              </a:rPr>
+              <a:t> no </a:t>
+            </a:r>
+            <a:r>
+              <a:rPr lang="en-US" b="0" i="0" dirty="0" err="1">
+                <a:solidFill>
+                  <a:srgbClr val="0D0D0D"/>
+                </a:solidFill>
+                <a:effectLst/>
+                <a:highlight>
+                  <a:srgbClr val="FFFFFF"/>
+                </a:highlight>
+                <a:latin typeface="Söhne"/>
+              </a:rPr>
+              <a:t>resultado</a:t>
+            </a:r>
+            <a:r>
+              <a:rPr lang="en-US" b="0" i="0" dirty="0">
+                <a:solidFill>
+                  <a:srgbClr val="0D0D0D"/>
+                </a:solidFill>
+                <a:effectLst/>
+                <a:highlight>
+                  <a:srgbClr val="FFFFFF"/>
+                </a:highlight>
+                <a:latin typeface="Söhne"/>
+              </a:rPr>
+              <a:t> final.</a:t>
+            </a:r>
+          </a:p>
+          <a:p>
+            <a:pPr algn="l">
+              <a:buFont typeface="+mj-lt"/>
+              <a:buAutoNum type="arabicPeriod"/>
+            </a:pPr>
+            <a:r>
+              <a:rPr lang="en-US" b="1" i="0" dirty="0">
+                <a:solidFill>
+                  <a:srgbClr val="0D0D0D"/>
+                </a:solidFill>
+                <a:effectLst/>
+                <a:highlight>
+                  <a:srgbClr val="FFFFFF"/>
+                </a:highlight>
+                <a:latin typeface="Söhne"/>
+              </a:rPr>
+              <a:t>GROUP BY</a:t>
+            </a:r>
+            <a:r>
+              <a:rPr lang="en-US" b="0" i="0" dirty="0">
+                <a:solidFill>
+                  <a:srgbClr val="0D0D0D"/>
+                </a:solidFill>
+                <a:effectLst/>
+                <a:highlight>
+                  <a:srgbClr val="FFFFFF"/>
+                </a:highlight>
+                <a:latin typeface="Söhne"/>
+              </a:rPr>
+              <a:t>: Se a consulta </a:t>
+            </a:r>
+            <a:r>
+              <a:rPr lang="en-US" b="0" i="0" dirty="0" err="1">
+                <a:solidFill>
+                  <a:srgbClr val="0D0D0D"/>
+                </a:solidFill>
+                <a:effectLst/>
+                <a:highlight>
+                  <a:srgbClr val="FFFFFF"/>
+                </a:highlight>
+                <a:latin typeface="Söhne"/>
+              </a:rPr>
+              <a:t>requer</a:t>
+            </a:r>
+            <a:r>
+              <a:rPr lang="en-US" b="0" i="0" dirty="0">
+                <a:solidFill>
+                  <a:srgbClr val="0D0D0D"/>
+                </a:solidFill>
+                <a:effectLst/>
+                <a:highlight>
+                  <a:srgbClr val="FFFFFF"/>
+                </a:highlight>
+                <a:latin typeface="Söhne"/>
+              </a:rPr>
+              <a:t> </a:t>
+            </a:r>
+            <a:r>
+              <a:rPr lang="en-US" b="0" i="0" dirty="0" err="1">
+                <a:solidFill>
+                  <a:srgbClr val="0D0D0D"/>
+                </a:solidFill>
+                <a:effectLst/>
+                <a:highlight>
+                  <a:srgbClr val="FFFFFF"/>
+                </a:highlight>
+                <a:latin typeface="Söhne"/>
+              </a:rPr>
+              <a:t>agrupamento</a:t>
+            </a:r>
+            <a:r>
+              <a:rPr lang="en-US" b="0" i="0" dirty="0">
+                <a:solidFill>
+                  <a:srgbClr val="0D0D0D"/>
+                </a:solidFill>
+                <a:effectLst/>
+                <a:highlight>
+                  <a:srgbClr val="FFFFFF"/>
+                </a:highlight>
+                <a:latin typeface="Söhne"/>
+              </a:rPr>
+              <a:t> de dados, a </a:t>
+            </a:r>
+            <a:r>
+              <a:rPr lang="en-US" b="0" i="0" dirty="0" err="1">
+                <a:solidFill>
+                  <a:srgbClr val="0D0D0D"/>
+                </a:solidFill>
+                <a:effectLst/>
+                <a:highlight>
+                  <a:srgbClr val="FFFFFF"/>
+                </a:highlight>
+                <a:latin typeface="Söhne"/>
+              </a:rPr>
+              <a:t>cláusula</a:t>
+            </a:r>
+            <a:r>
+              <a:rPr lang="en-US" b="0" i="0" dirty="0">
+                <a:solidFill>
+                  <a:srgbClr val="0D0D0D"/>
+                </a:solidFill>
+                <a:effectLst/>
+                <a:highlight>
+                  <a:srgbClr val="FFFFFF"/>
+                </a:highlight>
+                <a:latin typeface="Söhne"/>
+              </a:rPr>
+              <a:t> GROUP BY </a:t>
+            </a:r>
+            <a:r>
+              <a:rPr lang="en-US" b="0" i="0" dirty="0" err="1">
+                <a:solidFill>
+                  <a:srgbClr val="0D0D0D"/>
+                </a:solidFill>
+                <a:effectLst/>
+                <a:highlight>
+                  <a:srgbClr val="FFFFFF"/>
+                </a:highlight>
+                <a:latin typeface="Söhne"/>
+              </a:rPr>
+              <a:t>é</a:t>
+            </a:r>
+            <a:r>
+              <a:rPr lang="en-US" b="0" i="0" dirty="0">
+                <a:solidFill>
+                  <a:srgbClr val="0D0D0D"/>
+                </a:solidFill>
+                <a:effectLst/>
+                <a:highlight>
+                  <a:srgbClr val="FFFFFF"/>
+                </a:highlight>
+                <a:latin typeface="Söhne"/>
+              </a:rPr>
+              <a:t> </a:t>
+            </a:r>
+            <a:r>
+              <a:rPr lang="en-US" b="0" i="0" dirty="0" err="1">
+                <a:solidFill>
+                  <a:srgbClr val="0D0D0D"/>
+                </a:solidFill>
+                <a:effectLst/>
+                <a:highlight>
+                  <a:srgbClr val="FFFFFF"/>
+                </a:highlight>
+                <a:latin typeface="Söhne"/>
+              </a:rPr>
+              <a:t>usada</a:t>
+            </a:r>
+            <a:r>
+              <a:rPr lang="en-US" b="0" i="0" dirty="0">
+                <a:solidFill>
+                  <a:srgbClr val="0D0D0D"/>
+                </a:solidFill>
+                <a:effectLst/>
+                <a:highlight>
+                  <a:srgbClr val="FFFFFF"/>
+                </a:highlight>
+                <a:latin typeface="Söhne"/>
+              </a:rPr>
+              <a:t> para </a:t>
+            </a:r>
+            <a:r>
+              <a:rPr lang="en-US" b="0" i="0" dirty="0" err="1">
+                <a:solidFill>
+                  <a:srgbClr val="0D0D0D"/>
+                </a:solidFill>
+                <a:effectLst/>
+                <a:highlight>
+                  <a:srgbClr val="FFFFFF"/>
+                </a:highlight>
+                <a:latin typeface="Söhne"/>
+              </a:rPr>
+              <a:t>agrupar</a:t>
+            </a:r>
+            <a:r>
+              <a:rPr lang="en-US" b="0" i="0" dirty="0">
+                <a:solidFill>
+                  <a:srgbClr val="0D0D0D"/>
+                </a:solidFill>
+                <a:effectLst/>
+                <a:highlight>
+                  <a:srgbClr val="FFFFFF"/>
+                </a:highlight>
+                <a:latin typeface="Söhne"/>
+              </a:rPr>
+              <a:t> </a:t>
+            </a:r>
+            <a:r>
+              <a:rPr lang="en-US" b="0" i="0" dirty="0" err="1">
+                <a:solidFill>
+                  <a:srgbClr val="0D0D0D"/>
+                </a:solidFill>
+                <a:effectLst/>
+                <a:highlight>
+                  <a:srgbClr val="FFFFFF"/>
+                </a:highlight>
+                <a:latin typeface="Söhne"/>
+              </a:rPr>
+              <a:t>os</a:t>
+            </a:r>
+            <a:r>
+              <a:rPr lang="en-US" b="0" i="0" dirty="0">
+                <a:solidFill>
+                  <a:srgbClr val="0D0D0D"/>
+                </a:solidFill>
+                <a:effectLst/>
+                <a:highlight>
+                  <a:srgbClr val="FFFFFF"/>
+                </a:highlight>
+                <a:latin typeface="Söhne"/>
+              </a:rPr>
+              <a:t> </a:t>
+            </a:r>
+            <a:r>
+              <a:rPr lang="en-US" b="0" i="0" dirty="0" err="1">
+                <a:solidFill>
+                  <a:srgbClr val="0D0D0D"/>
+                </a:solidFill>
+                <a:effectLst/>
+                <a:highlight>
+                  <a:srgbClr val="FFFFFF"/>
+                </a:highlight>
+                <a:latin typeface="Söhne"/>
+              </a:rPr>
+              <a:t>registros</a:t>
+            </a:r>
+            <a:r>
+              <a:rPr lang="en-US" b="0" i="0" dirty="0">
+                <a:solidFill>
+                  <a:srgbClr val="0D0D0D"/>
+                </a:solidFill>
+                <a:effectLst/>
+                <a:highlight>
+                  <a:srgbClr val="FFFFFF"/>
+                </a:highlight>
+                <a:latin typeface="Söhne"/>
+              </a:rPr>
+              <a:t> </a:t>
+            </a:r>
+            <a:r>
+              <a:rPr lang="en-US" b="0" i="0" dirty="0" err="1">
+                <a:solidFill>
+                  <a:srgbClr val="0D0D0D"/>
+                </a:solidFill>
+                <a:effectLst/>
+                <a:highlight>
+                  <a:srgbClr val="FFFFFF"/>
+                </a:highlight>
+                <a:latin typeface="Söhne"/>
+              </a:rPr>
+              <a:t>em</a:t>
+            </a:r>
+            <a:r>
+              <a:rPr lang="en-US" b="0" i="0" dirty="0">
+                <a:solidFill>
+                  <a:srgbClr val="0D0D0D"/>
+                </a:solidFill>
+                <a:effectLst/>
+                <a:highlight>
+                  <a:srgbClr val="FFFFFF"/>
+                </a:highlight>
+                <a:latin typeface="Söhne"/>
+              </a:rPr>
+              <a:t> conjunto com base </a:t>
+            </a:r>
+            <a:r>
+              <a:rPr lang="en-US" b="0" i="0" dirty="0" err="1">
+                <a:solidFill>
+                  <a:srgbClr val="0D0D0D"/>
+                </a:solidFill>
+                <a:effectLst/>
+                <a:highlight>
+                  <a:srgbClr val="FFFFFF"/>
+                </a:highlight>
+                <a:latin typeface="Söhne"/>
+              </a:rPr>
+              <a:t>em</a:t>
+            </a:r>
+            <a:r>
+              <a:rPr lang="en-US" b="0" i="0" dirty="0">
+                <a:solidFill>
+                  <a:srgbClr val="0D0D0D"/>
+                </a:solidFill>
+                <a:effectLst/>
+                <a:highlight>
+                  <a:srgbClr val="FFFFFF"/>
+                </a:highlight>
+                <a:latin typeface="Söhne"/>
+              </a:rPr>
+              <a:t> </a:t>
+            </a:r>
+            <a:r>
+              <a:rPr lang="en-US" b="0" i="0" dirty="0" err="1">
+                <a:solidFill>
+                  <a:srgbClr val="0D0D0D"/>
+                </a:solidFill>
+                <a:effectLst/>
+                <a:highlight>
+                  <a:srgbClr val="FFFFFF"/>
+                </a:highlight>
+                <a:latin typeface="Söhne"/>
+              </a:rPr>
+              <a:t>uma</a:t>
+            </a:r>
+            <a:r>
+              <a:rPr lang="en-US" b="0" i="0" dirty="0">
+                <a:solidFill>
+                  <a:srgbClr val="0D0D0D"/>
+                </a:solidFill>
+                <a:effectLst/>
+                <a:highlight>
+                  <a:srgbClr val="FFFFFF"/>
+                </a:highlight>
+                <a:latin typeface="Söhne"/>
+              </a:rPr>
+              <a:t> </a:t>
+            </a:r>
+            <a:r>
+              <a:rPr lang="en-US" b="0" i="0" dirty="0" err="1">
+                <a:solidFill>
+                  <a:srgbClr val="0D0D0D"/>
+                </a:solidFill>
+                <a:effectLst/>
+                <a:highlight>
+                  <a:srgbClr val="FFFFFF"/>
+                </a:highlight>
+                <a:latin typeface="Söhne"/>
+              </a:rPr>
+              <a:t>ou</a:t>
+            </a:r>
+            <a:r>
+              <a:rPr lang="en-US" b="0" i="0" dirty="0">
+                <a:solidFill>
+                  <a:srgbClr val="0D0D0D"/>
+                </a:solidFill>
+                <a:effectLst/>
+                <a:highlight>
+                  <a:srgbClr val="FFFFFF"/>
+                </a:highlight>
+                <a:latin typeface="Söhne"/>
+              </a:rPr>
+              <a:t> </a:t>
+            </a:r>
+            <a:r>
+              <a:rPr lang="en-US" b="0" i="0" dirty="0" err="1">
+                <a:solidFill>
+                  <a:srgbClr val="0D0D0D"/>
+                </a:solidFill>
+                <a:effectLst/>
+                <a:highlight>
+                  <a:srgbClr val="FFFFFF"/>
+                </a:highlight>
+                <a:latin typeface="Söhne"/>
+              </a:rPr>
+              <a:t>mais</a:t>
+            </a:r>
+            <a:r>
+              <a:rPr lang="en-US" b="0" i="0" dirty="0">
+                <a:solidFill>
+                  <a:srgbClr val="0D0D0D"/>
+                </a:solidFill>
+                <a:effectLst/>
+                <a:highlight>
+                  <a:srgbClr val="FFFFFF"/>
+                </a:highlight>
+                <a:latin typeface="Söhne"/>
+              </a:rPr>
+              <a:t> </a:t>
+            </a:r>
+            <a:r>
+              <a:rPr lang="en-US" b="0" i="0" dirty="0" err="1">
+                <a:solidFill>
+                  <a:srgbClr val="0D0D0D"/>
+                </a:solidFill>
+                <a:effectLst/>
+                <a:highlight>
+                  <a:srgbClr val="FFFFFF"/>
+                </a:highlight>
+                <a:latin typeface="Söhne"/>
+              </a:rPr>
+              <a:t>colunas</a:t>
+            </a:r>
+            <a:r>
+              <a:rPr lang="en-US" b="0" i="0" dirty="0">
+                <a:solidFill>
+                  <a:srgbClr val="0D0D0D"/>
+                </a:solidFill>
+                <a:effectLst/>
+                <a:highlight>
+                  <a:srgbClr val="FFFFFF"/>
+                </a:highlight>
+                <a:latin typeface="Söhne"/>
+              </a:rPr>
+              <a:t>. </a:t>
+            </a:r>
+            <a:r>
+              <a:rPr lang="en-US" b="0" i="0" dirty="0" err="1">
+                <a:solidFill>
+                  <a:srgbClr val="0D0D0D"/>
+                </a:solidFill>
+                <a:effectLst/>
+                <a:highlight>
+                  <a:srgbClr val="FFFFFF"/>
+                </a:highlight>
+                <a:latin typeface="Söhne"/>
+              </a:rPr>
+              <a:t>Isso</a:t>
+            </a:r>
+            <a:r>
+              <a:rPr lang="en-US" b="0" i="0" dirty="0">
+                <a:solidFill>
+                  <a:srgbClr val="0D0D0D"/>
+                </a:solidFill>
+                <a:effectLst/>
+                <a:highlight>
+                  <a:srgbClr val="FFFFFF"/>
+                </a:highlight>
+                <a:latin typeface="Söhne"/>
+              </a:rPr>
+              <a:t> </a:t>
+            </a:r>
+            <a:r>
+              <a:rPr lang="en-US" b="0" i="0" dirty="0" err="1">
+                <a:solidFill>
+                  <a:srgbClr val="0D0D0D"/>
+                </a:solidFill>
+                <a:effectLst/>
+                <a:highlight>
+                  <a:srgbClr val="FFFFFF"/>
+                </a:highlight>
+                <a:latin typeface="Söhne"/>
+              </a:rPr>
+              <a:t>cria</a:t>
+            </a:r>
+            <a:r>
+              <a:rPr lang="en-US" b="0" i="0" dirty="0">
+                <a:solidFill>
+                  <a:srgbClr val="0D0D0D"/>
+                </a:solidFill>
+                <a:effectLst/>
+                <a:highlight>
+                  <a:srgbClr val="FFFFFF"/>
+                </a:highlight>
+                <a:latin typeface="Söhne"/>
+              </a:rPr>
+              <a:t> </a:t>
+            </a:r>
+            <a:r>
+              <a:rPr lang="en-US" b="0" i="0" dirty="0" err="1">
+                <a:solidFill>
+                  <a:srgbClr val="0D0D0D"/>
+                </a:solidFill>
+                <a:effectLst/>
+                <a:highlight>
+                  <a:srgbClr val="FFFFFF"/>
+                </a:highlight>
+                <a:latin typeface="Söhne"/>
+              </a:rPr>
+              <a:t>grupos</a:t>
+            </a:r>
+            <a:r>
+              <a:rPr lang="en-US" b="0" i="0" dirty="0">
+                <a:solidFill>
+                  <a:srgbClr val="0D0D0D"/>
+                </a:solidFill>
+                <a:effectLst/>
+                <a:highlight>
+                  <a:srgbClr val="FFFFFF"/>
+                </a:highlight>
+                <a:latin typeface="Söhne"/>
+              </a:rPr>
+              <a:t> de </a:t>
+            </a:r>
+            <a:r>
+              <a:rPr lang="en-US" b="0" i="0" dirty="0" err="1">
+                <a:solidFill>
+                  <a:srgbClr val="0D0D0D"/>
+                </a:solidFill>
+                <a:effectLst/>
+                <a:highlight>
+                  <a:srgbClr val="FFFFFF"/>
+                </a:highlight>
+                <a:latin typeface="Söhne"/>
+              </a:rPr>
+              <a:t>registros</a:t>
+            </a:r>
+            <a:r>
+              <a:rPr lang="en-US" b="0" i="0" dirty="0">
+                <a:solidFill>
+                  <a:srgbClr val="0D0D0D"/>
+                </a:solidFill>
+                <a:effectLst/>
+                <a:highlight>
+                  <a:srgbClr val="FFFFFF"/>
+                </a:highlight>
+                <a:latin typeface="Söhne"/>
+              </a:rPr>
+              <a:t> com </a:t>
+            </a:r>
+            <a:r>
+              <a:rPr lang="en-US" b="0" i="0" dirty="0" err="1">
+                <a:solidFill>
+                  <a:srgbClr val="0D0D0D"/>
+                </a:solidFill>
+                <a:effectLst/>
+                <a:highlight>
+                  <a:srgbClr val="FFFFFF"/>
+                </a:highlight>
+                <a:latin typeface="Söhne"/>
+              </a:rPr>
+              <a:t>valores</a:t>
+            </a:r>
+            <a:r>
+              <a:rPr lang="en-US" b="0" i="0" dirty="0">
+                <a:solidFill>
+                  <a:srgbClr val="0D0D0D"/>
+                </a:solidFill>
+                <a:effectLst/>
+                <a:highlight>
+                  <a:srgbClr val="FFFFFF"/>
+                </a:highlight>
+                <a:latin typeface="Söhne"/>
+              </a:rPr>
+              <a:t> </a:t>
+            </a:r>
+            <a:r>
+              <a:rPr lang="en-US" b="0" i="0" dirty="0" err="1">
+                <a:solidFill>
+                  <a:srgbClr val="0D0D0D"/>
+                </a:solidFill>
+                <a:effectLst/>
+                <a:highlight>
+                  <a:srgbClr val="FFFFFF"/>
+                </a:highlight>
+                <a:latin typeface="Söhne"/>
+              </a:rPr>
+              <a:t>semelhantes</a:t>
+            </a:r>
+            <a:r>
+              <a:rPr lang="en-US" b="0" i="0" dirty="0">
+                <a:solidFill>
+                  <a:srgbClr val="0D0D0D"/>
+                </a:solidFill>
+                <a:effectLst/>
+                <a:highlight>
+                  <a:srgbClr val="FFFFFF"/>
+                </a:highlight>
+                <a:latin typeface="Söhne"/>
+              </a:rPr>
+              <a:t> </a:t>
+            </a:r>
+            <a:r>
+              <a:rPr lang="en-US" b="0" i="0" dirty="0" err="1">
+                <a:solidFill>
+                  <a:srgbClr val="0D0D0D"/>
+                </a:solidFill>
+                <a:effectLst/>
+                <a:highlight>
+                  <a:srgbClr val="FFFFFF"/>
+                </a:highlight>
+                <a:latin typeface="Söhne"/>
+              </a:rPr>
+              <a:t>em</a:t>
+            </a:r>
+            <a:r>
+              <a:rPr lang="en-US" b="0" i="0" dirty="0">
+                <a:solidFill>
+                  <a:srgbClr val="0D0D0D"/>
+                </a:solidFill>
+                <a:effectLst/>
+                <a:highlight>
+                  <a:srgbClr val="FFFFFF"/>
+                </a:highlight>
+                <a:latin typeface="Söhne"/>
+              </a:rPr>
+              <a:t> </a:t>
+            </a:r>
+            <a:r>
+              <a:rPr lang="en-US" b="0" i="0" dirty="0" err="1">
+                <a:solidFill>
+                  <a:srgbClr val="0D0D0D"/>
+                </a:solidFill>
+                <a:effectLst/>
+                <a:highlight>
+                  <a:srgbClr val="FFFFFF"/>
+                </a:highlight>
+                <a:latin typeface="Söhne"/>
+              </a:rPr>
+              <a:t>colunas</a:t>
+            </a:r>
+            <a:r>
+              <a:rPr lang="en-US" b="0" i="0" dirty="0">
+                <a:solidFill>
+                  <a:srgbClr val="0D0D0D"/>
+                </a:solidFill>
+                <a:effectLst/>
+                <a:highlight>
+                  <a:srgbClr val="FFFFFF"/>
+                </a:highlight>
+                <a:latin typeface="Söhne"/>
+              </a:rPr>
+              <a:t> </a:t>
+            </a:r>
+            <a:r>
+              <a:rPr lang="en-US" b="0" i="0" dirty="0" err="1">
+                <a:solidFill>
+                  <a:srgbClr val="0D0D0D"/>
+                </a:solidFill>
+                <a:effectLst/>
+                <a:highlight>
+                  <a:srgbClr val="FFFFFF"/>
+                </a:highlight>
+                <a:latin typeface="Söhne"/>
+              </a:rPr>
+              <a:t>específicas</a:t>
+            </a:r>
+            <a:r>
+              <a:rPr lang="en-US" b="0" i="0" dirty="0">
+                <a:solidFill>
+                  <a:srgbClr val="0D0D0D"/>
+                </a:solidFill>
+                <a:effectLst/>
+                <a:highlight>
+                  <a:srgbClr val="FFFFFF"/>
+                </a:highlight>
+                <a:latin typeface="Söhne"/>
+              </a:rPr>
+              <a:t>.</a:t>
+            </a:r>
+          </a:p>
+          <a:p>
+            <a:pPr algn="l">
+              <a:buFont typeface="+mj-lt"/>
+              <a:buAutoNum type="arabicPeriod"/>
+            </a:pPr>
+            <a:r>
+              <a:rPr lang="en-US" b="1" i="0" dirty="0">
+                <a:solidFill>
+                  <a:srgbClr val="0D0D0D"/>
+                </a:solidFill>
+                <a:effectLst/>
+                <a:highlight>
+                  <a:srgbClr val="FFFFFF"/>
+                </a:highlight>
+                <a:latin typeface="Söhne"/>
+              </a:rPr>
+              <a:t>HAVING</a:t>
+            </a:r>
+            <a:r>
+              <a:rPr lang="en-US" b="0" i="0" dirty="0">
+                <a:solidFill>
+                  <a:srgbClr val="0D0D0D"/>
+                </a:solidFill>
+                <a:effectLst/>
+                <a:highlight>
+                  <a:srgbClr val="FFFFFF"/>
+                </a:highlight>
+                <a:latin typeface="Söhne"/>
+              </a:rPr>
+              <a:t>: Similar </a:t>
+            </a:r>
+            <a:r>
+              <a:rPr lang="en-US" b="0" i="0" dirty="0" err="1">
+                <a:solidFill>
+                  <a:srgbClr val="0D0D0D"/>
+                </a:solidFill>
+                <a:effectLst/>
+                <a:highlight>
+                  <a:srgbClr val="FFFFFF"/>
+                </a:highlight>
+                <a:latin typeface="Söhne"/>
+              </a:rPr>
+              <a:t>à</a:t>
+            </a:r>
+            <a:r>
+              <a:rPr lang="en-US" b="0" i="0" dirty="0">
+                <a:solidFill>
+                  <a:srgbClr val="0D0D0D"/>
+                </a:solidFill>
+                <a:effectLst/>
+                <a:highlight>
+                  <a:srgbClr val="FFFFFF"/>
+                </a:highlight>
+                <a:latin typeface="Söhne"/>
+              </a:rPr>
+              <a:t> </a:t>
+            </a:r>
+            <a:r>
+              <a:rPr lang="en-US" b="0" i="0" dirty="0" err="1">
+                <a:solidFill>
+                  <a:srgbClr val="0D0D0D"/>
+                </a:solidFill>
+                <a:effectLst/>
+                <a:highlight>
+                  <a:srgbClr val="FFFFFF"/>
+                </a:highlight>
+                <a:latin typeface="Söhne"/>
+              </a:rPr>
+              <a:t>cláusula</a:t>
+            </a:r>
+            <a:r>
+              <a:rPr lang="en-US" b="0" i="0" dirty="0">
+                <a:solidFill>
+                  <a:srgbClr val="0D0D0D"/>
+                </a:solidFill>
+                <a:effectLst/>
+                <a:highlight>
+                  <a:srgbClr val="FFFFFF"/>
+                </a:highlight>
+                <a:latin typeface="Söhne"/>
+              </a:rPr>
+              <a:t> WHERE, a </a:t>
+            </a:r>
+            <a:r>
+              <a:rPr lang="en-US" b="0" i="0" dirty="0" err="1">
+                <a:solidFill>
+                  <a:srgbClr val="0D0D0D"/>
+                </a:solidFill>
+                <a:effectLst/>
+                <a:highlight>
+                  <a:srgbClr val="FFFFFF"/>
+                </a:highlight>
+                <a:latin typeface="Söhne"/>
+              </a:rPr>
+              <a:t>cláusula</a:t>
+            </a:r>
+            <a:r>
+              <a:rPr lang="en-US" b="0" i="0" dirty="0">
+                <a:solidFill>
+                  <a:srgbClr val="0D0D0D"/>
+                </a:solidFill>
+                <a:effectLst/>
+                <a:highlight>
+                  <a:srgbClr val="FFFFFF"/>
+                </a:highlight>
+                <a:latin typeface="Söhne"/>
+              </a:rPr>
+              <a:t> HAVING </a:t>
+            </a:r>
+            <a:r>
+              <a:rPr lang="en-US" b="0" i="0" dirty="0" err="1">
+                <a:solidFill>
+                  <a:srgbClr val="0D0D0D"/>
+                </a:solidFill>
+                <a:effectLst/>
+                <a:highlight>
+                  <a:srgbClr val="FFFFFF"/>
+                </a:highlight>
+                <a:latin typeface="Söhne"/>
+              </a:rPr>
+              <a:t>é</a:t>
+            </a:r>
+            <a:r>
+              <a:rPr lang="en-US" b="0" i="0" dirty="0">
+                <a:solidFill>
+                  <a:srgbClr val="0D0D0D"/>
+                </a:solidFill>
+                <a:effectLst/>
+                <a:highlight>
+                  <a:srgbClr val="FFFFFF"/>
+                </a:highlight>
+                <a:latin typeface="Söhne"/>
+              </a:rPr>
+              <a:t> </a:t>
+            </a:r>
+            <a:r>
+              <a:rPr lang="en-US" b="0" i="0" dirty="0" err="1">
+                <a:solidFill>
+                  <a:srgbClr val="0D0D0D"/>
+                </a:solidFill>
+                <a:effectLst/>
+                <a:highlight>
+                  <a:srgbClr val="FFFFFF"/>
+                </a:highlight>
+                <a:latin typeface="Söhne"/>
+              </a:rPr>
+              <a:t>usada</a:t>
+            </a:r>
+            <a:r>
+              <a:rPr lang="en-US" b="0" i="0" dirty="0">
+                <a:solidFill>
+                  <a:srgbClr val="0D0D0D"/>
+                </a:solidFill>
+                <a:effectLst/>
+                <a:highlight>
+                  <a:srgbClr val="FFFFFF"/>
+                </a:highlight>
+                <a:latin typeface="Söhne"/>
+              </a:rPr>
+              <a:t> para </a:t>
+            </a:r>
+            <a:r>
+              <a:rPr lang="en-US" b="0" i="0" dirty="0" err="1">
+                <a:solidFill>
+                  <a:srgbClr val="0D0D0D"/>
+                </a:solidFill>
+                <a:effectLst/>
+                <a:highlight>
+                  <a:srgbClr val="FFFFFF"/>
+                </a:highlight>
+                <a:latin typeface="Söhne"/>
+              </a:rPr>
+              <a:t>filtrar</a:t>
+            </a:r>
+            <a:r>
+              <a:rPr lang="en-US" b="0" i="0" dirty="0">
+                <a:solidFill>
+                  <a:srgbClr val="0D0D0D"/>
+                </a:solidFill>
+                <a:effectLst/>
+                <a:highlight>
+                  <a:srgbClr val="FFFFFF"/>
+                </a:highlight>
+                <a:latin typeface="Söhne"/>
+              </a:rPr>
+              <a:t> </a:t>
+            </a:r>
+            <a:r>
+              <a:rPr lang="en-US" b="0" i="0" dirty="0" err="1">
+                <a:solidFill>
+                  <a:srgbClr val="0D0D0D"/>
+                </a:solidFill>
+                <a:effectLst/>
+                <a:highlight>
+                  <a:srgbClr val="FFFFFF"/>
+                </a:highlight>
+                <a:latin typeface="Söhne"/>
+              </a:rPr>
+              <a:t>registros</a:t>
+            </a:r>
+            <a:r>
+              <a:rPr lang="en-US" b="0" i="0" dirty="0">
+                <a:solidFill>
+                  <a:srgbClr val="0D0D0D"/>
+                </a:solidFill>
+                <a:effectLst/>
+                <a:highlight>
+                  <a:srgbClr val="FFFFFF"/>
+                </a:highlight>
+                <a:latin typeface="Söhne"/>
+              </a:rPr>
+              <a:t> </a:t>
+            </a:r>
+            <a:r>
+              <a:rPr lang="en-US" b="0" i="0" dirty="0" err="1">
+                <a:solidFill>
+                  <a:srgbClr val="0D0D0D"/>
+                </a:solidFill>
+                <a:effectLst/>
+                <a:highlight>
+                  <a:srgbClr val="FFFFFF"/>
+                </a:highlight>
+                <a:latin typeface="Söhne"/>
+              </a:rPr>
+              <a:t>após</a:t>
+            </a:r>
+            <a:r>
+              <a:rPr lang="en-US" b="0" i="0" dirty="0">
+                <a:solidFill>
+                  <a:srgbClr val="0D0D0D"/>
+                </a:solidFill>
+                <a:effectLst/>
+                <a:highlight>
+                  <a:srgbClr val="FFFFFF"/>
+                </a:highlight>
+                <a:latin typeface="Söhne"/>
+              </a:rPr>
+              <a:t> o </a:t>
+            </a:r>
+            <a:r>
+              <a:rPr lang="en-US" b="0" i="0" dirty="0" err="1">
+                <a:solidFill>
+                  <a:srgbClr val="0D0D0D"/>
+                </a:solidFill>
+                <a:effectLst/>
+                <a:highlight>
+                  <a:srgbClr val="FFFFFF"/>
+                </a:highlight>
+                <a:latin typeface="Söhne"/>
+              </a:rPr>
+              <a:t>agrupamento</a:t>
+            </a:r>
+            <a:r>
+              <a:rPr lang="en-US" b="0" i="0" dirty="0">
+                <a:solidFill>
+                  <a:srgbClr val="0D0D0D"/>
+                </a:solidFill>
+                <a:effectLst/>
+                <a:highlight>
+                  <a:srgbClr val="FFFFFF"/>
+                </a:highlight>
+                <a:latin typeface="Söhne"/>
+              </a:rPr>
+              <a:t> </a:t>
+            </a:r>
+            <a:r>
+              <a:rPr lang="en-US" b="0" i="0" dirty="0" err="1">
+                <a:solidFill>
+                  <a:srgbClr val="0D0D0D"/>
+                </a:solidFill>
+                <a:effectLst/>
+                <a:highlight>
+                  <a:srgbClr val="FFFFFF"/>
+                </a:highlight>
+                <a:latin typeface="Söhne"/>
+              </a:rPr>
+              <a:t>ter</a:t>
+            </a:r>
+            <a:r>
+              <a:rPr lang="en-US" b="0" i="0" dirty="0">
+                <a:solidFill>
+                  <a:srgbClr val="0D0D0D"/>
+                </a:solidFill>
+                <a:effectLst/>
+                <a:highlight>
+                  <a:srgbClr val="FFFFFF"/>
+                </a:highlight>
+                <a:latin typeface="Söhne"/>
+              </a:rPr>
+              <a:t> </a:t>
+            </a:r>
+            <a:r>
+              <a:rPr lang="en-US" b="0" i="0" dirty="0" err="1">
+                <a:solidFill>
+                  <a:srgbClr val="0D0D0D"/>
+                </a:solidFill>
+                <a:effectLst/>
+                <a:highlight>
+                  <a:srgbClr val="FFFFFF"/>
+                </a:highlight>
+                <a:latin typeface="Söhne"/>
+              </a:rPr>
+              <a:t>sido</a:t>
+            </a:r>
+            <a:r>
+              <a:rPr lang="en-US" b="0" i="0" dirty="0">
+                <a:solidFill>
+                  <a:srgbClr val="0D0D0D"/>
+                </a:solidFill>
+                <a:effectLst/>
+                <a:highlight>
+                  <a:srgbClr val="FFFFFF"/>
+                </a:highlight>
+                <a:latin typeface="Söhne"/>
+              </a:rPr>
+              <a:t> </a:t>
+            </a:r>
+            <a:r>
+              <a:rPr lang="en-US" b="0" i="0" dirty="0" err="1">
+                <a:solidFill>
+                  <a:srgbClr val="0D0D0D"/>
+                </a:solidFill>
+                <a:effectLst/>
+                <a:highlight>
+                  <a:srgbClr val="FFFFFF"/>
+                </a:highlight>
+                <a:latin typeface="Söhne"/>
+              </a:rPr>
+              <a:t>aplicado</a:t>
+            </a:r>
+            <a:r>
+              <a:rPr lang="en-US" b="0" i="0" dirty="0">
+                <a:solidFill>
+                  <a:srgbClr val="0D0D0D"/>
+                </a:solidFill>
+                <a:effectLst/>
+                <a:highlight>
+                  <a:srgbClr val="FFFFFF"/>
+                </a:highlight>
+                <a:latin typeface="Söhne"/>
+              </a:rPr>
+              <a:t> </a:t>
+            </a:r>
+            <a:r>
+              <a:rPr lang="en-US" b="0" i="0" dirty="0" err="1">
+                <a:solidFill>
+                  <a:srgbClr val="0D0D0D"/>
+                </a:solidFill>
+                <a:effectLst/>
+                <a:highlight>
+                  <a:srgbClr val="FFFFFF"/>
+                </a:highlight>
+                <a:latin typeface="Söhne"/>
+              </a:rPr>
+              <a:t>usando</a:t>
+            </a:r>
+            <a:r>
+              <a:rPr lang="en-US" b="0" i="0" dirty="0">
+                <a:solidFill>
+                  <a:srgbClr val="0D0D0D"/>
+                </a:solidFill>
+                <a:effectLst/>
+                <a:highlight>
+                  <a:srgbClr val="FFFFFF"/>
+                </a:highlight>
+                <a:latin typeface="Söhne"/>
+              </a:rPr>
+              <a:t> a </a:t>
+            </a:r>
+            <a:r>
+              <a:rPr lang="en-US" b="0" i="0" dirty="0" err="1">
+                <a:solidFill>
+                  <a:srgbClr val="0D0D0D"/>
+                </a:solidFill>
+                <a:effectLst/>
+                <a:highlight>
+                  <a:srgbClr val="FFFFFF"/>
+                </a:highlight>
+                <a:latin typeface="Söhne"/>
+              </a:rPr>
+              <a:t>cláusula</a:t>
+            </a:r>
+            <a:r>
+              <a:rPr lang="en-US" b="0" i="0" dirty="0">
+                <a:solidFill>
+                  <a:srgbClr val="0D0D0D"/>
+                </a:solidFill>
+                <a:effectLst/>
+                <a:highlight>
+                  <a:srgbClr val="FFFFFF"/>
+                </a:highlight>
+                <a:latin typeface="Söhne"/>
+              </a:rPr>
+              <a:t> GROUP BY. A </a:t>
+            </a:r>
+            <a:r>
+              <a:rPr lang="en-US" b="0" i="0" dirty="0" err="1">
+                <a:solidFill>
+                  <a:srgbClr val="0D0D0D"/>
+                </a:solidFill>
+                <a:effectLst/>
+                <a:highlight>
+                  <a:srgbClr val="FFFFFF"/>
+                </a:highlight>
+                <a:latin typeface="Söhne"/>
+              </a:rPr>
+              <a:t>diferença</a:t>
+            </a:r>
+            <a:r>
+              <a:rPr lang="en-US" b="0" i="0" dirty="0">
+                <a:solidFill>
+                  <a:srgbClr val="0D0D0D"/>
+                </a:solidFill>
+                <a:effectLst/>
+                <a:highlight>
+                  <a:srgbClr val="FFFFFF"/>
+                </a:highlight>
+                <a:latin typeface="Söhne"/>
+              </a:rPr>
+              <a:t> </a:t>
+            </a:r>
+            <a:r>
+              <a:rPr lang="en-US" b="0" i="0" dirty="0" err="1">
+                <a:solidFill>
+                  <a:srgbClr val="0D0D0D"/>
+                </a:solidFill>
+                <a:effectLst/>
+                <a:highlight>
+                  <a:srgbClr val="FFFFFF"/>
+                </a:highlight>
+                <a:latin typeface="Söhne"/>
+              </a:rPr>
+              <a:t>é</a:t>
+            </a:r>
+            <a:r>
+              <a:rPr lang="en-US" b="0" i="0" dirty="0">
+                <a:solidFill>
+                  <a:srgbClr val="0D0D0D"/>
+                </a:solidFill>
+                <a:effectLst/>
+                <a:highlight>
+                  <a:srgbClr val="FFFFFF"/>
+                </a:highlight>
+                <a:latin typeface="Söhne"/>
+              </a:rPr>
+              <a:t> que a </a:t>
+            </a:r>
+            <a:r>
+              <a:rPr lang="en-US" b="0" i="0" dirty="0" err="1">
+                <a:solidFill>
+                  <a:srgbClr val="0D0D0D"/>
+                </a:solidFill>
+                <a:effectLst/>
+                <a:highlight>
+                  <a:srgbClr val="FFFFFF"/>
+                </a:highlight>
+                <a:latin typeface="Söhne"/>
+              </a:rPr>
+              <a:t>cláusula</a:t>
+            </a:r>
+            <a:r>
+              <a:rPr lang="en-US" b="0" i="0" dirty="0">
+                <a:solidFill>
+                  <a:srgbClr val="0D0D0D"/>
+                </a:solidFill>
+                <a:effectLst/>
+                <a:highlight>
+                  <a:srgbClr val="FFFFFF"/>
+                </a:highlight>
+                <a:latin typeface="Söhne"/>
+              </a:rPr>
+              <a:t> HAVING </a:t>
+            </a:r>
+            <a:r>
+              <a:rPr lang="en-US" b="0" i="0" dirty="0" err="1">
+                <a:solidFill>
+                  <a:srgbClr val="0D0D0D"/>
+                </a:solidFill>
+                <a:effectLst/>
+                <a:highlight>
+                  <a:srgbClr val="FFFFFF"/>
+                </a:highlight>
+                <a:latin typeface="Söhne"/>
+              </a:rPr>
+              <a:t>é</a:t>
+            </a:r>
+            <a:r>
+              <a:rPr lang="en-US" b="0" i="0" dirty="0">
+                <a:solidFill>
+                  <a:srgbClr val="0D0D0D"/>
+                </a:solidFill>
+                <a:effectLst/>
+                <a:highlight>
+                  <a:srgbClr val="FFFFFF"/>
+                </a:highlight>
+                <a:latin typeface="Söhne"/>
+              </a:rPr>
+              <a:t> </a:t>
+            </a:r>
+            <a:r>
+              <a:rPr lang="en-US" b="0" i="0" dirty="0" err="1">
+                <a:solidFill>
+                  <a:srgbClr val="0D0D0D"/>
+                </a:solidFill>
+                <a:effectLst/>
+                <a:highlight>
+                  <a:srgbClr val="FFFFFF"/>
+                </a:highlight>
+                <a:latin typeface="Söhne"/>
+              </a:rPr>
+              <a:t>aplicada</a:t>
+            </a:r>
+            <a:r>
+              <a:rPr lang="en-US" b="0" i="0" dirty="0">
+                <a:solidFill>
+                  <a:srgbClr val="0D0D0D"/>
+                </a:solidFill>
+                <a:effectLst/>
+                <a:highlight>
+                  <a:srgbClr val="FFFFFF"/>
+                </a:highlight>
+                <a:latin typeface="Söhne"/>
+              </a:rPr>
+              <a:t> a </a:t>
+            </a:r>
+            <a:r>
+              <a:rPr lang="en-US" b="0" i="0" dirty="0" err="1">
+                <a:solidFill>
+                  <a:srgbClr val="0D0D0D"/>
+                </a:solidFill>
+                <a:effectLst/>
+                <a:highlight>
+                  <a:srgbClr val="FFFFFF"/>
+                </a:highlight>
+                <a:latin typeface="Söhne"/>
+              </a:rPr>
+              <a:t>grupos</a:t>
+            </a:r>
+            <a:r>
+              <a:rPr lang="en-US" b="0" i="0" dirty="0">
+                <a:solidFill>
+                  <a:srgbClr val="0D0D0D"/>
+                </a:solidFill>
+                <a:effectLst/>
+                <a:highlight>
+                  <a:srgbClr val="FFFFFF"/>
+                </a:highlight>
+                <a:latin typeface="Söhne"/>
+              </a:rPr>
+              <a:t> de </a:t>
+            </a:r>
+            <a:r>
+              <a:rPr lang="en-US" b="0" i="0" dirty="0" err="1">
+                <a:solidFill>
+                  <a:srgbClr val="0D0D0D"/>
+                </a:solidFill>
+                <a:effectLst/>
+                <a:highlight>
+                  <a:srgbClr val="FFFFFF"/>
+                </a:highlight>
+                <a:latin typeface="Söhne"/>
+              </a:rPr>
+              <a:t>registros</a:t>
+            </a:r>
+            <a:r>
+              <a:rPr lang="en-US" b="0" i="0" dirty="0">
+                <a:solidFill>
+                  <a:srgbClr val="0D0D0D"/>
+                </a:solidFill>
+                <a:effectLst/>
+                <a:highlight>
+                  <a:srgbClr val="FFFFFF"/>
+                </a:highlight>
+                <a:latin typeface="Söhne"/>
+              </a:rPr>
+              <a:t>, </a:t>
+            </a:r>
+            <a:r>
+              <a:rPr lang="en-US" b="0" i="0" dirty="0" err="1">
+                <a:solidFill>
+                  <a:srgbClr val="0D0D0D"/>
+                </a:solidFill>
+                <a:effectLst/>
+                <a:highlight>
+                  <a:srgbClr val="FFFFFF"/>
+                </a:highlight>
+                <a:latin typeface="Söhne"/>
+              </a:rPr>
+              <a:t>enquanto</a:t>
+            </a:r>
+            <a:r>
+              <a:rPr lang="en-US" b="0" i="0" dirty="0">
+                <a:solidFill>
+                  <a:srgbClr val="0D0D0D"/>
+                </a:solidFill>
+                <a:effectLst/>
+                <a:highlight>
+                  <a:srgbClr val="FFFFFF"/>
+                </a:highlight>
+                <a:latin typeface="Söhne"/>
+              </a:rPr>
+              <a:t> a </a:t>
+            </a:r>
+            <a:r>
+              <a:rPr lang="en-US" b="0" i="0" dirty="0" err="1">
+                <a:solidFill>
+                  <a:srgbClr val="0D0D0D"/>
+                </a:solidFill>
+                <a:effectLst/>
+                <a:highlight>
+                  <a:srgbClr val="FFFFFF"/>
+                </a:highlight>
+                <a:latin typeface="Söhne"/>
+              </a:rPr>
+              <a:t>cláusula</a:t>
+            </a:r>
+            <a:r>
+              <a:rPr lang="en-US" b="0" i="0" dirty="0">
+                <a:solidFill>
+                  <a:srgbClr val="0D0D0D"/>
+                </a:solidFill>
+                <a:effectLst/>
+                <a:highlight>
+                  <a:srgbClr val="FFFFFF"/>
+                </a:highlight>
+                <a:latin typeface="Söhne"/>
+              </a:rPr>
+              <a:t> WHERE </a:t>
+            </a:r>
+            <a:r>
+              <a:rPr lang="en-US" b="0" i="0" dirty="0" err="1">
+                <a:solidFill>
+                  <a:srgbClr val="0D0D0D"/>
+                </a:solidFill>
+                <a:effectLst/>
+                <a:highlight>
+                  <a:srgbClr val="FFFFFF"/>
+                </a:highlight>
+                <a:latin typeface="Söhne"/>
+              </a:rPr>
+              <a:t>é</a:t>
+            </a:r>
+            <a:r>
+              <a:rPr lang="en-US" b="0" i="0" dirty="0">
+                <a:solidFill>
+                  <a:srgbClr val="0D0D0D"/>
+                </a:solidFill>
+                <a:effectLst/>
+                <a:highlight>
+                  <a:srgbClr val="FFFFFF"/>
+                </a:highlight>
+                <a:latin typeface="Söhne"/>
+              </a:rPr>
+              <a:t> </a:t>
+            </a:r>
+            <a:r>
+              <a:rPr lang="en-US" b="0" i="0" dirty="0" err="1">
+                <a:solidFill>
+                  <a:srgbClr val="0D0D0D"/>
+                </a:solidFill>
+                <a:effectLst/>
+                <a:highlight>
+                  <a:srgbClr val="FFFFFF"/>
+                </a:highlight>
+                <a:latin typeface="Söhne"/>
+              </a:rPr>
+              <a:t>aplicada</a:t>
+            </a:r>
+            <a:r>
+              <a:rPr lang="en-US" b="0" i="0" dirty="0">
+                <a:solidFill>
+                  <a:srgbClr val="0D0D0D"/>
+                </a:solidFill>
+                <a:effectLst/>
+                <a:highlight>
+                  <a:srgbClr val="FFFFFF"/>
+                </a:highlight>
+                <a:latin typeface="Söhne"/>
+              </a:rPr>
+              <a:t> a </a:t>
+            </a:r>
+            <a:r>
+              <a:rPr lang="en-US" b="0" i="0" dirty="0" err="1">
+                <a:solidFill>
+                  <a:srgbClr val="0D0D0D"/>
+                </a:solidFill>
+                <a:effectLst/>
+                <a:highlight>
+                  <a:srgbClr val="FFFFFF"/>
+                </a:highlight>
+                <a:latin typeface="Söhne"/>
+              </a:rPr>
+              <a:t>registros</a:t>
+            </a:r>
+            <a:r>
+              <a:rPr lang="en-US" b="0" i="0" dirty="0">
+                <a:solidFill>
+                  <a:srgbClr val="0D0D0D"/>
+                </a:solidFill>
+                <a:effectLst/>
+                <a:highlight>
+                  <a:srgbClr val="FFFFFF"/>
+                </a:highlight>
+                <a:latin typeface="Söhne"/>
+              </a:rPr>
+              <a:t> </a:t>
+            </a:r>
+            <a:r>
+              <a:rPr lang="en-US" b="0" i="0" dirty="0" err="1">
+                <a:solidFill>
+                  <a:srgbClr val="0D0D0D"/>
+                </a:solidFill>
+                <a:effectLst/>
+                <a:highlight>
+                  <a:srgbClr val="FFFFFF"/>
+                </a:highlight>
+                <a:latin typeface="Söhne"/>
+              </a:rPr>
+              <a:t>individuais</a:t>
+            </a:r>
+            <a:r>
+              <a:rPr lang="en-US" b="0" i="0" dirty="0">
+                <a:solidFill>
+                  <a:srgbClr val="0D0D0D"/>
+                </a:solidFill>
+                <a:effectLst/>
+                <a:highlight>
+                  <a:srgbClr val="FFFFFF"/>
+                </a:highlight>
+                <a:latin typeface="Söhne"/>
+              </a:rPr>
+              <a:t> antes do </a:t>
+            </a:r>
+            <a:r>
+              <a:rPr lang="en-US" b="0" i="0" dirty="0" err="1">
+                <a:solidFill>
+                  <a:srgbClr val="0D0D0D"/>
+                </a:solidFill>
+                <a:effectLst/>
+                <a:highlight>
+                  <a:srgbClr val="FFFFFF"/>
+                </a:highlight>
+                <a:latin typeface="Söhne"/>
+              </a:rPr>
+              <a:t>agrupamento</a:t>
+            </a:r>
+            <a:r>
+              <a:rPr lang="en-US" b="0" i="0" dirty="0">
+                <a:solidFill>
+                  <a:srgbClr val="0D0D0D"/>
+                </a:solidFill>
+                <a:effectLst/>
+                <a:highlight>
+                  <a:srgbClr val="FFFFFF"/>
+                </a:highlight>
+                <a:latin typeface="Söhne"/>
+              </a:rPr>
+              <a:t>.</a:t>
+            </a:r>
+          </a:p>
+          <a:p>
+            <a:pPr algn="l">
+              <a:buFont typeface="+mj-lt"/>
+              <a:buAutoNum type="arabicPeriod"/>
+            </a:pPr>
+            <a:r>
+              <a:rPr lang="en-US" b="1" i="0" dirty="0">
+                <a:solidFill>
+                  <a:srgbClr val="0D0D0D"/>
+                </a:solidFill>
+                <a:effectLst/>
+                <a:highlight>
+                  <a:srgbClr val="FFFFFF"/>
+                </a:highlight>
+                <a:latin typeface="Söhne"/>
+              </a:rPr>
+              <a:t>SELECT</a:t>
+            </a:r>
+            <a:r>
+              <a:rPr lang="en-US" b="0" i="0" dirty="0">
+                <a:solidFill>
+                  <a:srgbClr val="0D0D0D"/>
+                </a:solidFill>
+                <a:effectLst/>
+                <a:highlight>
+                  <a:srgbClr val="FFFFFF"/>
+                </a:highlight>
+                <a:latin typeface="Söhne"/>
+              </a:rPr>
+              <a:t>: </a:t>
+            </a:r>
+            <a:r>
+              <a:rPr lang="en-US" b="0" i="0" dirty="0" err="1">
+                <a:solidFill>
+                  <a:srgbClr val="0D0D0D"/>
+                </a:solidFill>
+                <a:effectLst/>
+                <a:highlight>
+                  <a:srgbClr val="FFFFFF"/>
+                </a:highlight>
+                <a:latin typeface="Söhne"/>
+              </a:rPr>
+              <a:t>Após</a:t>
+            </a:r>
+            <a:r>
+              <a:rPr lang="en-US" b="0" i="0" dirty="0">
+                <a:solidFill>
+                  <a:srgbClr val="0D0D0D"/>
+                </a:solidFill>
+                <a:effectLst/>
+                <a:highlight>
+                  <a:srgbClr val="FFFFFF"/>
+                </a:highlight>
+                <a:latin typeface="Söhne"/>
+              </a:rPr>
+              <a:t> a </a:t>
+            </a:r>
+            <a:r>
+              <a:rPr lang="en-US" b="0" i="0" dirty="0" err="1">
+                <a:solidFill>
+                  <a:srgbClr val="0D0D0D"/>
+                </a:solidFill>
+                <a:effectLst/>
+                <a:highlight>
+                  <a:srgbClr val="FFFFFF"/>
+                </a:highlight>
+                <a:latin typeface="Söhne"/>
+              </a:rPr>
+              <a:t>aplicação</a:t>
+            </a:r>
+            <a:r>
+              <a:rPr lang="en-US" b="0" i="0" dirty="0">
+                <a:solidFill>
+                  <a:srgbClr val="0D0D0D"/>
+                </a:solidFill>
+                <a:effectLst/>
+                <a:highlight>
+                  <a:srgbClr val="FFFFFF"/>
+                </a:highlight>
+                <a:latin typeface="Söhne"/>
+              </a:rPr>
+              <a:t> das </a:t>
+            </a:r>
+            <a:r>
+              <a:rPr lang="en-US" b="0" i="0" dirty="0" err="1">
+                <a:solidFill>
+                  <a:srgbClr val="0D0D0D"/>
+                </a:solidFill>
+                <a:effectLst/>
+                <a:highlight>
+                  <a:srgbClr val="FFFFFF"/>
+                </a:highlight>
+                <a:latin typeface="Söhne"/>
+              </a:rPr>
+              <a:t>cláusulas</a:t>
+            </a:r>
+            <a:r>
+              <a:rPr lang="en-US" b="0" i="0" dirty="0">
+                <a:solidFill>
+                  <a:srgbClr val="0D0D0D"/>
+                </a:solidFill>
+                <a:effectLst/>
+                <a:highlight>
+                  <a:srgbClr val="FFFFFF"/>
+                </a:highlight>
+                <a:latin typeface="Söhne"/>
+              </a:rPr>
+              <a:t> </a:t>
+            </a:r>
+            <a:r>
+              <a:rPr lang="en-US" b="0" i="0" dirty="0" err="1">
+                <a:solidFill>
+                  <a:srgbClr val="0D0D0D"/>
+                </a:solidFill>
+                <a:effectLst/>
+                <a:highlight>
+                  <a:srgbClr val="FFFFFF"/>
+                </a:highlight>
+                <a:latin typeface="Söhne"/>
+              </a:rPr>
+              <a:t>anteriores</a:t>
+            </a:r>
+            <a:r>
+              <a:rPr lang="en-US" b="0" i="0" dirty="0">
+                <a:solidFill>
+                  <a:srgbClr val="0D0D0D"/>
+                </a:solidFill>
+                <a:effectLst/>
+                <a:highlight>
+                  <a:srgbClr val="FFFFFF"/>
+                </a:highlight>
+                <a:latin typeface="Söhne"/>
+              </a:rPr>
+              <a:t>, a </a:t>
+            </a:r>
+            <a:r>
+              <a:rPr lang="en-US" b="0" i="0" dirty="0" err="1">
+                <a:solidFill>
+                  <a:srgbClr val="0D0D0D"/>
+                </a:solidFill>
+                <a:effectLst/>
+                <a:highlight>
+                  <a:srgbClr val="FFFFFF"/>
+                </a:highlight>
+                <a:latin typeface="Söhne"/>
+              </a:rPr>
+              <a:t>cláusula</a:t>
+            </a:r>
+            <a:r>
+              <a:rPr lang="en-US" b="0" i="0" dirty="0">
+                <a:solidFill>
+                  <a:srgbClr val="0D0D0D"/>
+                </a:solidFill>
+                <a:effectLst/>
+                <a:highlight>
+                  <a:srgbClr val="FFFFFF"/>
+                </a:highlight>
+                <a:latin typeface="Söhne"/>
+              </a:rPr>
+              <a:t> SELECT </a:t>
+            </a:r>
+            <a:r>
+              <a:rPr lang="en-US" b="0" i="0" dirty="0" err="1">
+                <a:solidFill>
+                  <a:srgbClr val="0D0D0D"/>
+                </a:solidFill>
+                <a:effectLst/>
+                <a:highlight>
+                  <a:srgbClr val="FFFFFF"/>
+                </a:highlight>
+                <a:latin typeface="Söhne"/>
+              </a:rPr>
+              <a:t>é</a:t>
+            </a:r>
+            <a:r>
+              <a:rPr lang="en-US" b="0" i="0" dirty="0">
+                <a:solidFill>
+                  <a:srgbClr val="0D0D0D"/>
+                </a:solidFill>
+                <a:effectLst/>
+                <a:highlight>
+                  <a:srgbClr val="FFFFFF"/>
+                </a:highlight>
+                <a:latin typeface="Söhne"/>
+              </a:rPr>
+              <a:t> </a:t>
+            </a:r>
+            <a:r>
+              <a:rPr lang="en-US" b="0" i="0" dirty="0" err="1">
+                <a:solidFill>
+                  <a:srgbClr val="0D0D0D"/>
+                </a:solidFill>
+                <a:effectLst/>
+                <a:highlight>
+                  <a:srgbClr val="FFFFFF"/>
+                </a:highlight>
+                <a:latin typeface="Söhne"/>
+              </a:rPr>
+              <a:t>usada</a:t>
+            </a:r>
+            <a:r>
+              <a:rPr lang="en-US" b="0" i="0" dirty="0">
+                <a:solidFill>
+                  <a:srgbClr val="0D0D0D"/>
+                </a:solidFill>
+                <a:effectLst/>
+                <a:highlight>
+                  <a:srgbClr val="FFFFFF"/>
+                </a:highlight>
+                <a:latin typeface="Söhne"/>
+              </a:rPr>
+              <a:t> para </a:t>
+            </a:r>
+            <a:r>
+              <a:rPr lang="en-US" b="0" i="0" dirty="0" err="1">
+                <a:solidFill>
+                  <a:srgbClr val="0D0D0D"/>
+                </a:solidFill>
+                <a:effectLst/>
+                <a:highlight>
+                  <a:srgbClr val="FFFFFF"/>
+                </a:highlight>
+                <a:latin typeface="Söhne"/>
+              </a:rPr>
+              <a:t>selecionar</a:t>
+            </a:r>
+            <a:r>
+              <a:rPr lang="en-US" b="0" i="0" dirty="0">
+                <a:solidFill>
+                  <a:srgbClr val="0D0D0D"/>
+                </a:solidFill>
+                <a:effectLst/>
+                <a:highlight>
+                  <a:srgbClr val="FFFFFF"/>
+                </a:highlight>
+                <a:latin typeface="Söhne"/>
+              </a:rPr>
+              <a:t> as </a:t>
+            </a:r>
+            <a:r>
+              <a:rPr lang="en-US" b="0" i="0" dirty="0" err="1">
+                <a:solidFill>
+                  <a:srgbClr val="0D0D0D"/>
+                </a:solidFill>
+                <a:effectLst/>
+                <a:highlight>
+                  <a:srgbClr val="FFFFFF"/>
+                </a:highlight>
+                <a:latin typeface="Söhne"/>
+              </a:rPr>
+              <a:t>colunas</a:t>
+            </a:r>
+            <a:r>
+              <a:rPr lang="en-US" b="0" i="0" dirty="0">
+                <a:solidFill>
+                  <a:srgbClr val="0D0D0D"/>
+                </a:solidFill>
+                <a:effectLst/>
+                <a:highlight>
+                  <a:srgbClr val="FFFFFF"/>
+                </a:highlight>
+                <a:latin typeface="Söhne"/>
+              </a:rPr>
+              <a:t> </a:t>
+            </a:r>
+            <a:r>
+              <a:rPr lang="en-US" b="0" i="0" dirty="0" err="1">
+                <a:solidFill>
+                  <a:srgbClr val="0D0D0D"/>
+                </a:solidFill>
+                <a:effectLst/>
+                <a:highlight>
+                  <a:srgbClr val="FFFFFF"/>
+                </a:highlight>
+                <a:latin typeface="Söhne"/>
+              </a:rPr>
+              <a:t>específicas</a:t>
+            </a:r>
+            <a:r>
+              <a:rPr lang="en-US" b="0" i="0" dirty="0">
+                <a:solidFill>
+                  <a:srgbClr val="0D0D0D"/>
+                </a:solidFill>
+                <a:effectLst/>
+                <a:highlight>
+                  <a:srgbClr val="FFFFFF"/>
+                </a:highlight>
+                <a:latin typeface="Söhne"/>
+              </a:rPr>
+              <a:t> que </a:t>
+            </a:r>
+            <a:r>
+              <a:rPr lang="en-US" b="0" i="0" dirty="0" err="1">
+                <a:solidFill>
+                  <a:srgbClr val="0D0D0D"/>
+                </a:solidFill>
+                <a:effectLst/>
+                <a:highlight>
+                  <a:srgbClr val="FFFFFF"/>
+                </a:highlight>
+                <a:latin typeface="Söhne"/>
+              </a:rPr>
+              <a:t>serão</a:t>
+            </a:r>
+            <a:r>
+              <a:rPr lang="en-US" b="0" i="0" dirty="0">
+                <a:solidFill>
+                  <a:srgbClr val="0D0D0D"/>
+                </a:solidFill>
+                <a:effectLst/>
+                <a:highlight>
+                  <a:srgbClr val="FFFFFF"/>
+                </a:highlight>
+                <a:latin typeface="Söhne"/>
+              </a:rPr>
+              <a:t> </a:t>
+            </a:r>
+            <a:r>
+              <a:rPr lang="en-US" b="0" i="0" dirty="0" err="1">
+                <a:solidFill>
+                  <a:srgbClr val="0D0D0D"/>
+                </a:solidFill>
+                <a:effectLst/>
+                <a:highlight>
+                  <a:srgbClr val="FFFFFF"/>
+                </a:highlight>
+                <a:latin typeface="Söhne"/>
+              </a:rPr>
+              <a:t>retornadas</a:t>
+            </a:r>
+            <a:r>
+              <a:rPr lang="en-US" b="0" i="0" dirty="0">
+                <a:solidFill>
+                  <a:srgbClr val="0D0D0D"/>
+                </a:solidFill>
+                <a:effectLst/>
+                <a:highlight>
+                  <a:srgbClr val="FFFFFF"/>
+                </a:highlight>
+                <a:latin typeface="Söhne"/>
+              </a:rPr>
+              <a:t> no conjunto de </a:t>
+            </a:r>
+            <a:r>
+              <a:rPr lang="en-US" b="0" i="0" dirty="0" err="1">
+                <a:solidFill>
+                  <a:srgbClr val="0D0D0D"/>
+                </a:solidFill>
+                <a:effectLst/>
+                <a:highlight>
+                  <a:srgbClr val="FFFFFF"/>
+                </a:highlight>
+                <a:latin typeface="Söhne"/>
+              </a:rPr>
+              <a:t>resultados</a:t>
+            </a:r>
+            <a:r>
+              <a:rPr lang="en-US" b="0" i="0" dirty="0">
+                <a:solidFill>
+                  <a:srgbClr val="0D0D0D"/>
+                </a:solidFill>
+                <a:effectLst/>
+                <a:highlight>
+                  <a:srgbClr val="FFFFFF"/>
+                </a:highlight>
+                <a:latin typeface="Söhne"/>
+              </a:rPr>
+              <a:t>. </a:t>
+            </a:r>
+            <a:r>
+              <a:rPr lang="en-US" b="0" i="0" dirty="0" err="1">
+                <a:solidFill>
+                  <a:srgbClr val="0D0D0D"/>
+                </a:solidFill>
+                <a:effectLst/>
+                <a:highlight>
+                  <a:srgbClr val="FFFFFF"/>
+                </a:highlight>
+                <a:latin typeface="Söhne"/>
+              </a:rPr>
+              <a:t>Você</a:t>
+            </a:r>
+            <a:r>
+              <a:rPr lang="en-US" b="0" i="0" dirty="0">
+                <a:solidFill>
+                  <a:srgbClr val="0D0D0D"/>
+                </a:solidFill>
+                <a:effectLst/>
+                <a:highlight>
+                  <a:srgbClr val="FFFFFF"/>
+                </a:highlight>
+                <a:latin typeface="Söhne"/>
+              </a:rPr>
+              <a:t> </a:t>
+            </a:r>
+            <a:r>
+              <a:rPr lang="en-US" b="0" i="0" dirty="0" err="1">
+                <a:solidFill>
+                  <a:srgbClr val="0D0D0D"/>
+                </a:solidFill>
+                <a:effectLst/>
+                <a:highlight>
+                  <a:srgbClr val="FFFFFF"/>
+                </a:highlight>
+                <a:latin typeface="Söhne"/>
+              </a:rPr>
+              <a:t>pode</a:t>
+            </a:r>
+            <a:r>
+              <a:rPr lang="en-US" b="0" i="0" dirty="0">
+                <a:solidFill>
+                  <a:srgbClr val="0D0D0D"/>
+                </a:solidFill>
+                <a:effectLst/>
+                <a:highlight>
+                  <a:srgbClr val="FFFFFF"/>
+                </a:highlight>
+                <a:latin typeface="Söhne"/>
+              </a:rPr>
+              <a:t> </a:t>
+            </a:r>
+            <a:r>
+              <a:rPr lang="en-US" b="0" i="0" dirty="0" err="1">
+                <a:solidFill>
+                  <a:srgbClr val="0D0D0D"/>
+                </a:solidFill>
+                <a:effectLst/>
+                <a:highlight>
+                  <a:srgbClr val="FFFFFF"/>
+                </a:highlight>
+                <a:latin typeface="Söhne"/>
+              </a:rPr>
+              <a:t>selecionar</a:t>
+            </a:r>
+            <a:r>
+              <a:rPr lang="en-US" b="0" i="0" dirty="0">
+                <a:solidFill>
+                  <a:srgbClr val="0D0D0D"/>
+                </a:solidFill>
+                <a:effectLst/>
+                <a:highlight>
+                  <a:srgbClr val="FFFFFF"/>
+                </a:highlight>
+                <a:latin typeface="Söhne"/>
+              </a:rPr>
+              <a:t> </a:t>
+            </a:r>
+            <a:r>
+              <a:rPr lang="en-US" b="0" i="0" dirty="0" err="1">
+                <a:solidFill>
+                  <a:srgbClr val="0D0D0D"/>
+                </a:solidFill>
+                <a:effectLst/>
+                <a:highlight>
+                  <a:srgbClr val="FFFFFF"/>
+                </a:highlight>
+                <a:latin typeface="Söhne"/>
+              </a:rPr>
+              <a:t>todas</a:t>
+            </a:r>
+            <a:r>
+              <a:rPr lang="en-US" b="0" i="0" dirty="0">
+                <a:solidFill>
+                  <a:srgbClr val="0D0D0D"/>
+                </a:solidFill>
+                <a:effectLst/>
+                <a:highlight>
+                  <a:srgbClr val="FFFFFF"/>
+                </a:highlight>
+                <a:latin typeface="Söhne"/>
+              </a:rPr>
+              <a:t> as </a:t>
+            </a:r>
+            <a:r>
+              <a:rPr lang="en-US" b="0" i="0" dirty="0" err="1">
+                <a:solidFill>
+                  <a:srgbClr val="0D0D0D"/>
+                </a:solidFill>
+                <a:effectLst/>
+                <a:highlight>
+                  <a:srgbClr val="FFFFFF"/>
+                </a:highlight>
+                <a:latin typeface="Söhne"/>
+              </a:rPr>
+              <a:t>colunas</a:t>
+            </a:r>
+            <a:r>
+              <a:rPr lang="en-US" b="0" i="0" dirty="0">
+                <a:solidFill>
+                  <a:srgbClr val="0D0D0D"/>
+                </a:solidFill>
+                <a:effectLst/>
+                <a:highlight>
+                  <a:srgbClr val="FFFFFF"/>
+                </a:highlight>
+                <a:latin typeface="Söhne"/>
+              </a:rPr>
+              <a:t> </a:t>
+            </a:r>
+            <a:r>
+              <a:rPr lang="en-US" b="0" i="0" dirty="0" err="1">
+                <a:solidFill>
+                  <a:srgbClr val="0D0D0D"/>
+                </a:solidFill>
+                <a:effectLst/>
+                <a:highlight>
+                  <a:srgbClr val="FFFFFF"/>
+                </a:highlight>
+                <a:latin typeface="Söhne"/>
+              </a:rPr>
+              <a:t>usando</a:t>
+            </a:r>
+            <a:r>
+              <a:rPr lang="en-US" b="0" i="0" dirty="0">
+                <a:solidFill>
+                  <a:srgbClr val="0D0D0D"/>
+                </a:solidFill>
+                <a:effectLst/>
+                <a:highlight>
+                  <a:srgbClr val="FFFFFF"/>
+                </a:highlight>
+                <a:latin typeface="Söhne"/>
+              </a:rPr>
+              <a:t> "*", </a:t>
+            </a:r>
+            <a:r>
+              <a:rPr lang="en-US" b="0" i="0" dirty="0" err="1">
+                <a:solidFill>
+                  <a:srgbClr val="0D0D0D"/>
+                </a:solidFill>
+                <a:effectLst/>
+                <a:highlight>
+                  <a:srgbClr val="FFFFFF"/>
+                </a:highlight>
+                <a:latin typeface="Söhne"/>
+              </a:rPr>
+              <a:t>ou</a:t>
+            </a:r>
+            <a:r>
+              <a:rPr lang="en-US" b="0" i="0" dirty="0">
+                <a:solidFill>
+                  <a:srgbClr val="0D0D0D"/>
+                </a:solidFill>
+                <a:effectLst/>
+                <a:highlight>
+                  <a:srgbClr val="FFFFFF"/>
+                </a:highlight>
+                <a:latin typeface="Söhne"/>
+              </a:rPr>
+              <a:t> </a:t>
+            </a:r>
+            <a:r>
+              <a:rPr lang="en-US" b="0" i="0" dirty="0" err="1">
+                <a:solidFill>
+                  <a:srgbClr val="0D0D0D"/>
+                </a:solidFill>
+                <a:effectLst/>
+                <a:highlight>
+                  <a:srgbClr val="FFFFFF"/>
+                </a:highlight>
+                <a:latin typeface="Söhne"/>
+              </a:rPr>
+              <a:t>especificar</a:t>
+            </a:r>
+            <a:r>
+              <a:rPr lang="en-US" b="0" i="0" dirty="0">
+                <a:solidFill>
+                  <a:srgbClr val="0D0D0D"/>
+                </a:solidFill>
+                <a:effectLst/>
+                <a:highlight>
+                  <a:srgbClr val="FFFFFF"/>
+                </a:highlight>
+                <a:latin typeface="Söhne"/>
+              </a:rPr>
+              <a:t> </a:t>
+            </a:r>
+            <a:r>
+              <a:rPr lang="en-US" b="0" i="0" dirty="0" err="1">
+                <a:solidFill>
+                  <a:srgbClr val="0D0D0D"/>
+                </a:solidFill>
+                <a:effectLst/>
+                <a:highlight>
+                  <a:srgbClr val="FFFFFF"/>
+                </a:highlight>
+                <a:latin typeface="Söhne"/>
+              </a:rPr>
+              <a:t>colunas</a:t>
+            </a:r>
+            <a:r>
+              <a:rPr lang="en-US" b="0" i="0" dirty="0">
+                <a:solidFill>
+                  <a:srgbClr val="0D0D0D"/>
+                </a:solidFill>
+                <a:effectLst/>
+                <a:highlight>
+                  <a:srgbClr val="FFFFFF"/>
+                </a:highlight>
+                <a:latin typeface="Söhne"/>
+              </a:rPr>
+              <a:t> </a:t>
+            </a:r>
+            <a:r>
+              <a:rPr lang="en-US" b="0" i="0" dirty="0" err="1">
+                <a:solidFill>
+                  <a:srgbClr val="0D0D0D"/>
+                </a:solidFill>
+                <a:effectLst/>
+                <a:highlight>
+                  <a:srgbClr val="FFFFFF"/>
+                </a:highlight>
+                <a:latin typeface="Söhne"/>
+              </a:rPr>
+              <a:t>individuais</a:t>
+            </a:r>
+            <a:r>
+              <a:rPr lang="en-US" b="0" i="0" dirty="0">
+                <a:solidFill>
+                  <a:srgbClr val="0D0D0D"/>
+                </a:solidFill>
+                <a:effectLst/>
+                <a:highlight>
+                  <a:srgbClr val="FFFFFF"/>
+                </a:highlight>
+                <a:latin typeface="Söhne"/>
+              </a:rPr>
+              <a:t> que </a:t>
+            </a:r>
+            <a:r>
+              <a:rPr lang="en-US" b="0" i="0" dirty="0" err="1">
+                <a:solidFill>
+                  <a:srgbClr val="0D0D0D"/>
+                </a:solidFill>
+                <a:effectLst/>
+                <a:highlight>
+                  <a:srgbClr val="FFFFFF"/>
+                </a:highlight>
+                <a:latin typeface="Söhne"/>
+              </a:rPr>
+              <a:t>deseja</a:t>
+            </a:r>
+            <a:r>
+              <a:rPr lang="en-US" b="0" i="0" dirty="0">
+                <a:solidFill>
+                  <a:srgbClr val="0D0D0D"/>
+                </a:solidFill>
+                <a:effectLst/>
+                <a:highlight>
+                  <a:srgbClr val="FFFFFF"/>
+                </a:highlight>
+                <a:latin typeface="Söhne"/>
+              </a:rPr>
+              <a:t> </a:t>
+            </a:r>
+            <a:r>
+              <a:rPr lang="en-US" b="0" i="0" dirty="0" err="1">
+                <a:solidFill>
+                  <a:srgbClr val="0D0D0D"/>
+                </a:solidFill>
+                <a:effectLst/>
+                <a:highlight>
+                  <a:srgbClr val="FFFFFF"/>
+                </a:highlight>
+                <a:latin typeface="Söhne"/>
+              </a:rPr>
+              <a:t>incluir</a:t>
+            </a:r>
+            <a:r>
+              <a:rPr lang="en-US" b="0" i="0" dirty="0">
+                <a:solidFill>
+                  <a:srgbClr val="0D0D0D"/>
+                </a:solidFill>
+                <a:effectLst/>
+                <a:highlight>
+                  <a:srgbClr val="FFFFFF"/>
+                </a:highlight>
+                <a:latin typeface="Söhne"/>
+              </a:rPr>
+              <a:t> no </a:t>
+            </a:r>
+            <a:r>
+              <a:rPr lang="en-US" b="0" i="0" dirty="0" err="1">
+                <a:solidFill>
+                  <a:srgbClr val="0D0D0D"/>
+                </a:solidFill>
+                <a:effectLst/>
+                <a:highlight>
+                  <a:srgbClr val="FFFFFF"/>
+                </a:highlight>
+                <a:latin typeface="Söhne"/>
+              </a:rPr>
+              <a:t>resultado</a:t>
+            </a:r>
+            <a:r>
+              <a:rPr lang="en-US" b="0" i="0" dirty="0">
+                <a:solidFill>
+                  <a:srgbClr val="0D0D0D"/>
+                </a:solidFill>
+                <a:effectLst/>
+                <a:highlight>
+                  <a:srgbClr val="FFFFFF"/>
+                </a:highlight>
+                <a:latin typeface="Söhne"/>
+              </a:rPr>
+              <a:t>.</a:t>
+            </a:r>
+          </a:p>
+          <a:p>
+            <a:pPr algn="l">
+              <a:buFont typeface="+mj-lt"/>
+              <a:buAutoNum type="arabicPeriod"/>
+            </a:pPr>
+            <a:r>
+              <a:rPr lang="en-US" b="1" i="0" dirty="0">
+                <a:solidFill>
+                  <a:srgbClr val="0D0D0D"/>
+                </a:solidFill>
+                <a:effectLst/>
+                <a:highlight>
+                  <a:srgbClr val="FFFFFF"/>
+                </a:highlight>
+                <a:latin typeface="Söhne"/>
+              </a:rPr>
+              <a:t>ORDER BY</a:t>
+            </a:r>
+            <a:r>
+              <a:rPr lang="en-US" b="0" i="0" dirty="0">
+                <a:solidFill>
+                  <a:srgbClr val="0D0D0D"/>
+                </a:solidFill>
+                <a:effectLst/>
+                <a:highlight>
+                  <a:srgbClr val="FFFFFF"/>
+                </a:highlight>
+                <a:latin typeface="Söhne"/>
+              </a:rPr>
+              <a:t>: </a:t>
+            </a:r>
+            <a:r>
+              <a:rPr lang="en-US" b="0" i="0" dirty="0" err="1">
+                <a:solidFill>
+                  <a:srgbClr val="0D0D0D"/>
+                </a:solidFill>
+                <a:effectLst/>
+                <a:highlight>
+                  <a:srgbClr val="FFFFFF"/>
+                </a:highlight>
+                <a:latin typeface="Söhne"/>
+              </a:rPr>
+              <a:t>Opcionalmente</a:t>
+            </a:r>
+            <a:r>
+              <a:rPr lang="en-US" b="0" i="0" dirty="0">
+                <a:solidFill>
+                  <a:srgbClr val="0D0D0D"/>
+                </a:solidFill>
+                <a:effectLst/>
+                <a:highlight>
+                  <a:srgbClr val="FFFFFF"/>
+                </a:highlight>
+                <a:latin typeface="Söhne"/>
+              </a:rPr>
+              <a:t>, a </a:t>
+            </a:r>
+            <a:r>
+              <a:rPr lang="en-US" b="0" i="0" dirty="0" err="1">
+                <a:solidFill>
+                  <a:srgbClr val="0D0D0D"/>
+                </a:solidFill>
+                <a:effectLst/>
+                <a:highlight>
+                  <a:srgbClr val="FFFFFF"/>
+                </a:highlight>
+                <a:latin typeface="Söhne"/>
+              </a:rPr>
+              <a:t>cláusula</a:t>
+            </a:r>
+            <a:r>
+              <a:rPr lang="en-US" b="0" i="0" dirty="0">
+                <a:solidFill>
+                  <a:srgbClr val="0D0D0D"/>
+                </a:solidFill>
+                <a:effectLst/>
+                <a:highlight>
+                  <a:srgbClr val="FFFFFF"/>
+                </a:highlight>
+                <a:latin typeface="Söhne"/>
+              </a:rPr>
+              <a:t> ORDER BY </a:t>
+            </a:r>
+            <a:r>
+              <a:rPr lang="en-US" b="0" i="0" dirty="0" err="1">
+                <a:solidFill>
+                  <a:srgbClr val="0D0D0D"/>
+                </a:solidFill>
+                <a:effectLst/>
+                <a:highlight>
+                  <a:srgbClr val="FFFFFF"/>
+                </a:highlight>
+                <a:latin typeface="Söhne"/>
+              </a:rPr>
+              <a:t>é</a:t>
+            </a:r>
+            <a:r>
+              <a:rPr lang="en-US" b="0" i="0" dirty="0">
+                <a:solidFill>
+                  <a:srgbClr val="0D0D0D"/>
+                </a:solidFill>
+                <a:effectLst/>
+                <a:highlight>
+                  <a:srgbClr val="FFFFFF"/>
+                </a:highlight>
+                <a:latin typeface="Söhne"/>
+              </a:rPr>
+              <a:t> </a:t>
+            </a:r>
+            <a:r>
+              <a:rPr lang="en-US" b="0" i="0" dirty="0" err="1">
+                <a:solidFill>
+                  <a:srgbClr val="0D0D0D"/>
+                </a:solidFill>
+                <a:effectLst/>
+                <a:highlight>
+                  <a:srgbClr val="FFFFFF"/>
+                </a:highlight>
+                <a:latin typeface="Söhne"/>
+              </a:rPr>
+              <a:t>usada</a:t>
+            </a:r>
+            <a:r>
+              <a:rPr lang="en-US" b="0" i="0" dirty="0">
+                <a:solidFill>
+                  <a:srgbClr val="0D0D0D"/>
+                </a:solidFill>
+                <a:effectLst/>
+                <a:highlight>
+                  <a:srgbClr val="FFFFFF"/>
+                </a:highlight>
+                <a:latin typeface="Söhne"/>
+              </a:rPr>
+              <a:t> para </a:t>
+            </a:r>
+            <a:r>
+              <a:rPr lang="en-US" b="0" i="0" dirty="0" err="1">
+                <a:solidFill>
+                  <a:srgbClr val="0D0D0D"/>
+                </a:solidFill>
+                <a:effectLst/>
+                <a:highlight>
+                  <a:srgbClr val="FFFFFF"/>
+                </a:highlight>
+                <a:latin typeface="Söhne"/>
+              </a:rPr>
+              <a:t>classificar</a:t>
+            </a:r>
+            <a:r>
+              <a:rPr lang="en-US" b="0" i="0" dirty="0">
+                <a:solidFill>
+                  <a:srgbClr val="0D0D0D"/>
+                </a:solidFill>
+                <a:effectLst/>
+                <a:highlight>
+                  <a:srgbClr val="FFFFFF"/>
+                </a:highlight>
+                <a:latin typeface="Söhne"/>
+              </a:rPr>
+              <a:t> </a:t>
+            </a:r>
+            <a:r>
+              <a:rPr lang="en-US" b="0" i="0" dirty="0" err="1">
+                <a:solidFill>
+                  <a:srgbClr val="0D0D0D"/>
+                </a:solidFill>
+                <a:effectLst/>
+                <a:highlight>
+                  <a:srgbClr val="FFFFFF"/>
+                </a:highlight>
+                <a:latin typeface="Söhne"/>
+              </a:rPr>
+              <a:t>os</a:t>
+            </a:r>
+            <a:r>
+              <a:rPr lang="en-US" b="0" i="0" dirty="0">
+                <a:solidFill>
+                  <a:srgbClr val="0D0D0D"/>
+                </a:solidFill>
+                <a:effectLst/>
+                <a:highlight>
+                  <a:srgbClr val="FFFFFF"/>
+                </a:highlight>
+                <a:latin typeface="Söhne"/>
+              </a:rPr>
+              <a:t> </a:t>
+            </a:r>
+            <a:r>
+              <a:rPr lang="en-US" b="0" i="0" dirty="0" err="1">
+                <a:solidFill>
+                  <a:srgbClr val="0D0D0D"/>
+                </a:solidFill>
+                <a:effectLst/>
+                <a:highlight>
+                  <a:srgbClr val="FFFFFF"/>
+                </a:highlight>
+                <a:latin typeface="Söhne"/>
+              </a:rPr>
+              <a:t>resultados</a:t>
+            </a:r>
+            <a:r>
+              <a:rPr lang="en-US" b="0" i="0" dirty="0">
+                <a:solidFill>
+                  <a:srgbClr val="0D0D0D"/>
+                </a:solidFill>
+                <a:effectLst/>
+                <a:highlight>
+                  <a:srgbClr val="FFFFFF"/>
+                </a:highlight>
+                <a:latin typeface="Söhne"/>
+              </a:rPr>
+              <a:t> do conjunto de dados de </a:t>
+            </a:r>
+            <a:r>
+              <a:rPr lang="en-US" b="0" i="0" dirty="0" err="1">
+                <a:solidFill>
+                  <a:srgbClr val="0D0D0D"/>
+                </a:solidFill>
+                <a:effectLst/>
+                <a:highlight>
+                  <a:srgbClr val="FFFFFF"/>
+                </a:highlight>
+                <a:latin typeface="Söhne"/>
+              </a:rPr>
+              <a:t>acordo</a:t>
+            </a:r>
+            <a:r>
+              <a:rPr lang="en-US" b="0" i="0" dirty="0">
+                <a:solidFill>
+                  <a:srgbClr val="0D0D0D"/>
+                </a:solidFill>
+                <a:effectLst/>
+                <a:highlight>
+                  <a:srgbClr val="FFFFFF"/>
+                </a:highlight>
+                <a:latin typeface="Söhne"/>
+              </a:rPr>
+              <a:t> com </a:t>
+            </a:r>
+            <a:r>
+              <a:rPr lang="en-US" b="0" i="0" dirty="0" err="1">
+                <a:solidFill>
+                  <a:srgbClr val="0D0D0D"/>
+                </a:solidFill>
+                <a:effectLst/>
+                <a:highlight>
+                  <a:srgbClr val="FFFFFF"/>
+                </a:highlight>
+                <a:latin typeface="Söhne"/>
+              </a:rPr>
+              <a:t>uma</a:t>
+            </a:r>
+            <a:r>
+              <a:rPr lang="en-US" b="0" i="0" dirty="0">
+                <a:solidFill>
+                  <a:srgbClr val="0D0D0D"/>
+                </a:solidFill>
+                <a:effectLst/>
+                <a:highlight>
+                  <a:srgbClr val="FFFFFF"/>
+                </a:highlight>
+                <a:latin typeface="Söhne"/>
+              </a:rPr>
+              <a:t> </a:t>
+            </a:r>
+            <a:r>
+              <a:rPr lang="en-US" b="0" i="0" dirty="0" err="1">
+                <a:solidFill>
+                  <a:srgbClr val="0D0D0D"/>
+                </a:solidFill>
+                <a:effectLst/>
+                <a:highlight>
+                  <a:srgbClr val="FFFFFF"/>
+                </a:highlight>
+                <a:latin typeface="Söhne"/>
+              </a:rPr>
+              <a:t>ou</a:t>
+            </a:r>
+            <a:r>
+              <a:rPr lang="en-US" b="0" i="0" dirty="0">
+                <a:solidFill>
+                  <a:srgbClr val="0D0D0D"/>
+                </a:solidFill>
+                <a:effectLst/>
+                <a:highlight>
+                  <a:srgbClr val="FFFFFF"/>
+                </a:highlight>
+                <a:latin typeface="Söhne"/>
+              </a:rPr>
+              <a:t> </a:t>
+            </a:r>
+            <a:r>
+              <a:rPr lang="en-US" b="0" i="0" dirty="0" err="1">
+                <a:solidFill>
+                  <a:srgbClr val="0D0D0D"/>
+                </a:solidFill>
+                <a:effectLst/>
+                <a:highlight>
+                  <a:srgbClr val="FFFFFF"/>
+                </a:highlight>
+                <a:latin typeface="Söhne"/>
+              </a:rPr>
+              <a:t>mais</a:t>
+            </a:r>
+            <a:r>
+              <a:rPr lang="en-US" b="0" i="0" dirty="0">
+                <a:solidFill>
+                  <a:srgbClr val="0D0D0D"/>
+                </a:solidFill>
+                <a:effectLst/>
+                <a:highlight>
+                  <a:srgbClr val="FFFFFF"/>
+                </a:highlight>
+                <a:latin typeface="Söhne"/>
+              </a:rPr>
+              <a:t> </a:t>
+            </a:r>
+            <a:r>
+              <a:rPr lang="en-US" b="0" i="0" dirty="0" err="1">
+                <a:solidFill>
+                  <a:srgbClr val="0D0D0D"/>
+                </a:solidFill>
+                <a:effectLst/>
+                <a:highlight>
+                  <a:srgbClr val="FFFFFF"/>
+                </a:highlight>
+                <a:latin typeface="Söhne"/>
+              </a:rPr>
+              <a:t>colunas</a:t>
+            </a:r>
+            <a:r>
+              <a:rPr lang="en-US" b="0" i="0" dirty="0">
+                <a:solidFill>
+                  <a:srgbClr val="0D0D0D"/>
+                </a:solidFill>
+                <a:effectLst/>
+                <a:highlight>
+                  <a:srgbClr val="FFFFFF"/>
+                </a:highlight>
+                <a:latin typeface="Söhne"/>
+              </a:rPr>
+              <a:t>. </a:t>
+            </a:r>
+            <a:r>
+              <a:rPr lang="en-US" b="0" i="0" dirty="0" err="1">
+                <a:solidFill>
+                  <a:srgbClr val="0D0D0D"/>
+                </a:solidFill>
+                <a:effectLst/>
+                <a:highlight>
+                  <a:srgbClr val="FFFFFF"/>
+                </a:highlight>
+                <a:latin typeface="Söhne"/>
+              </a:rPr>
+              <a:t>Isso</a:t>
+            </a:r>
+            <a:r>
+              <a:rPr lang="en-US" b="0" i="0" dirty="0">
+                <a:solidFill>
+                  <a:srgbClr val="0D0D0D"/>
+                </a:solidFill>
+                <a:effectLst/>
+                <a:highlight>
+                  <a:srgbClr val="FFFFFF"/>
+                </a:highlight>
+                <a:latin typeface="Söhne"/>
+              </a:rPr>
+              <a:t> </a:t>
+            </a:r>
+            <a:r>
+              <a:rPr lang="en-US" b="0" i="0" dirty="0" err="1">
+                <a:solidFill>
+                  <a:srgbClr val="0D0D0D"/>
+                </a:solidFill>
+                <a:effectLst/>
+                <a:highlight>
+                  <a:srgbClr val="FFFFFF"/>
+                </a:highlight>
+                <a:latin typeface="Söhne"/>
+              </a:rPr>
+              <a:t>permite</a:t>
+            </a:r>
+            <a:r>
+              <a:rPr lang="en-US" b="0" i="0" dirty="0">
+                <a:solidFill>
+                  <a:srgbClr val="0D0D0D"/>
+                </a:solidFill>
+                <a:effectLst/>
+                <a:highlight>
+                  <a:srgbClr val="FFFFFF"/>
+                </a:highlight>
+                <a:latin typeface="Söhne"/>
+              </a:rPr>
+              <a:t> que </a:t>
+            </a:r>
+            <a:r>
+              <a:rPr lang="en-US" b="0" i="0" dirty="0" err="1">
+                <a:solidFill>
+                  <a:srgbClr val="0D0D0D"/>
+                </a:solidFill>
+                <a:effectLst/>
+                <a:highlight>
+                  <a:srgbClr val="FFFFFF"/>
+                </a:highlight>
+                <a:latin typeface="Söhne"/>
+              </a:rPr>
+              <a:t>os</a:t>
+            </a:r>
+            <a:r>
+              <a:rPr lang="en-US" b="0" i="0" dirty="0">
+                <a:solidFill>
+                  <a:srgbClr val="0D0D0D"/>
+                </a:solidFill>
+                <a:effectLst/>
+                <a:highlight>
+                  <a:srgbClr val="FFFFFF"/>
+                </a:highlight>
+                <a:latin typeface="Söhne"/>
+              </a:rPr>
+              <a:t> </a:t>
+            </a:r>
+            <a:r>
+              <a:rPr lang="en-US" b="0" i="0" dirty="0" err="1">
+                <a:solidFill>
+                  <a:srgbClr val="0D0D0D"/>
+                </a:solidFill>
+                <a:effectLst/>
+                <a:highlight>
+                  <a:srgbClr val="FFFFFF"/>
+                </a:highlight>
+                <a:latin typeface="Söhne"/>
+              </a:rPr>
+              <a:t>resultados</a:t>
+            </a:r>
+            <a:r>
+              <a:rPr lang="en-US" b="0" i="0" dirty="0">
+                <a:solidFill>
+                  <a:srgbClr val="0D0D0D"/>
+                </a:solidFill>
+                <a:effectLst/>
+                <a:highlight>
+                  <a:srgbClr val="FFFFFF"/>
+                </a:highlight>
+                <a:latin typeface="Söhne"/>
+              </a:rPr>
+              <a:t> </a:t>
+            </a:r>
+            <a:r>
+              <a:rPr lang="en-US" b="0" i="0" dirty="0" err="1">
+                <a:solidFill>
+                  <a:srgbClr val="0D0D0D"/>
+                </a:solidFill>
+                <a:effectLst/>
+                <a:highlight>
+                  <a:srgbClr val="FFFFFF"/>
+                </a:highlight>
+                <a:latin typeface="Söhne"/>
+              </a:rPr>
+              <a:t>sejam</a:t>
+            </a:r>
+            <a:r>
+              <a:rPr lang="en-US" b="0" i="0" dirty="0">
+                <a:solidFill>
+                  <a:srgbClr val="0D0D0D"/>
+                </a:solidFill>
+                <a:effectLst/>
+                <a:highlight>
+                  <a:srgbClr val="FFFFFF"/>
+                </a:highlight>
+                <a:latin typeface="Söhne"/>
+              </a:rPr>
+              <a:t> </a:t>
+            </a:r>
+            <a:r>
+              <a:rPr lang="en-US" b="0" i="0" dirty="0" err="1">
+                <a:solidFill>
+                  <a:srgbClr val="0D0D0D"/>
+                </a:solidFill>
+                <a:effectLst/>
+                <a:highlight>
+                  <a:srgbClr val="FFFFFF"/>
+                </a:highlight>
+                <a:latin typeface="Söhne"/>
+              </a:rPr>
+              <a:t>apresentados</a:t>
+            </a:r>
+            <a:r>
+              <a:rPr lang="en-US" b="0" i="0" dirty="0">
+                <a:solidFill>
+                  <a:srgbClr val="0D0D0D"/>
+                </a:solidFill>
+                <a:effectLst/>
+                <a:highlight>
+                  <a:srgbClr val="FFFFFF"/>
+                </a:highlight>
+                <a:latin typeface="Söhne"/>
+              </a:rPr>
+              <a:t> </a:t>
+            </a:r>
+            <a:r>
+              <a:rPr lang="en-US" b="0" i="0" dirty="0" err="1">
+                <a:solidFill>
+                  <a:srgbClr val="0D0D0D"/>
+                </a:solidFill>
+                <a:effectLst/>
+                <a:highlight>
+                  <a:srgbClr val="FFFFFF"/>
+                </a:highlight>
+                <a:latin typeface="Söhne"/>
+              </a:rPr>
+              <a:t>em</a:t>
+            </a:r>
+            <a:r>
+              <a:rPr lang="en-US" b="0" i="0" dirty="0">
+                <a:solidFill>
+                  <a:srgbClr val="0D0D0D"/>
+                </a:solidFill>
+                <a:effectLst/>
+                <a:highlight>
+                  <a:srgbClr val="FFFFFF"/>
+                </a:highlight>
+                <a:latin typeface="Söhne"/>
+              </a:rPr>
+              <a:t> </a:t>
+            </a:r>
+            <a:r>
+              <a:rPr lang="en-US" b="0" i="0" dirty="0" err="1">
+                <a:solidFill>
+                  <a:srgbClr val="0D0D0D"/>
+                </a:solidFill>
+                <a:effectLst/>
+                <a:highlight>
+                  <a:srgbClr val="FFFFFF"/>
+                </a:highlight>
+                <a:latin typeface="Söhne"/>
+              </a:rPr>
+              <a:t>uma</a:t>
+            </a:r>
+            <a:r>
+              <a:rPr lang="en-US" b="0" i="0" dirty="0">
+                <a:solidFill>
+                  <a:srgbClr val="0D0D0D"/>
+                </a:solidFill>
+                <a:effectLst/>
+                <a:highlight>
+                  <a:srgbClr val="FFFFFF"/>
+                </a:highlight>
+                <a:latin typeface="Söhne"/>
+              </a:rPr>
+              <a:t> </a:t>
+            </a:r>
+            <a:r>
+              <a:rPr lang="en-US" b="0" i="0" dirty="0" err="1">
+                <a:solidFill>
+                  <a:srgbClr val="0D0D0D"/>
+                </a:solidFill>
+                <a:effectLst/>
+                <a:highlight>
+                  <a:srgbClr val="FFFFFF"/>
+                </a:highlight>
+                <a:latin typeface="Söhne"/>
+              </a:rPr>
+              <a:t>ordem</a:t>
+            </a:r>
+            <a:r>
+              <a:rPr lang="en-US" b="0" i="0" dirty="0">
+                <a:solidFill>
+                  <a:srgbClr val="0D0D0D"/>
+                </a:solidFill>
+                <a:effectLst/>
+                <a:highlight>
+                  <a:srgbClr val="FFFFFF"/>
+                </a:highlight>
+                <a:latin typeface="Söhne"/>
+              </a:rPr>
+              <a:t> </a:t>
+            </a:r>
+            <a:r>
+              <a:rPr lang="en-US" b="0" i="0" dirty="0" err="1">
+                <a:solidFill>
+                  <a:srgbClr val="0D0D0D"/>
+                </a:solidFill>
+                <a:effectLst/>
+                <a:highlight>
+                  <a:srgbClr val="FFFFFF"/>
+                </a:highlight>
+                <a:latin typeface="Söhne"/>
+              </a:rPr>
+              <a:t>específica</a:t>
+            </a:r>
+            <a:r>
+              <a:rPr lang="en-US" b="0" i="0" dirty="0">
+                <a:solidFill>
+                  <a:srgbClr val="0D0D0D"/>
+                </a:solidFill>
+                <a:effectLst/>
+                <a:highlight>
+                  <a:srgbClr val="FFFFFF"/>
+                </a:highlight>
+                <a:latin typeface="Söhne"/>
+              </a:rPr>
+              <a:t>, </a:t>
+            </a:r>
+            <a:r>
+              <a:rPr lang="en-US" b="0" i="0" dirty="0" err="1">
+                <a:solidFill>
+                  <a:srgbClr val="0D0D0D"/>
+                </a:solidFill>
+                <a:effectLst/>
+                <a:highlight>
+                  <a:srgbClr val="FFFFFF"/>
+                </a:highlight>
+                <a:latin typeface="Söhne"/>
+              </a:rPr>
+              <a:t>como</a:t>
+            </a:r>
+            <a:r>
+              <a:rPr lang="en-US" b="0" i="0" dirty="0">
+                <a:solidFill>
+                  <a:srgbClr val="0D0D0D"/>
+                </a:solidFill>
+                <a:effectLst/>
+                <a:highlight>
+                  <a:srgbClr val="FFFFFF"/>
+                </a:highlight>
+                <a:latin typeface="Söhne"/>
+              </a:rPr>
+              <a:t> </a:t>
+            </a:r>
+            <a:r>
+              <a:rPr lang="en-US" b="0" i="0" dirty="0" err="1">
+                <a:solidFill>
+                  <a:srgbClr val="0D0D0D"/>
+                </a:solidFill>
+                <a:effectLst/>
+                <a:highlight>
+                  <a:srgbClr val="FFFFFF"/>
+                </a:highlight>
+                <a:latin typeface="Söhne"/>
+              </a:rPr>
+              <a:t>ascendente</a:t>
+            </a:r>
+            <a:r>
+              <a:rPr lang="en-US" b="0" i="0" dirty="0">
+                <a:solidFill>
+                  <a:srgbClr val="0D0D0D"/>
+                </a:solidFill>
+                <a:effectLst/>
+                <a:highlight>
+                  <a:srgbClr val="FFFFFF"/>
+                </a:highlight>
+                <a:latin typeface="Söhne"/>
+              </a:rPr>
+              <a:t> </a:t>
+            </a:r>
+            <a:r>
+              <a:rPr lang="en-US" b="0" i="0" dirty="0" err="1">
+                <a:solidFill>
+                  <a:srgbClr val="0D0D0D"/>
+                </a:solidFill>
+                <a:effectLst/>
+                <a:highlight>
+                  <a:srgbClr val="FFFFFF"/>
+                </a:highlight>
+                <a:latin typeface="Söhne"/>
+              </a:rPr>
+              <a:t>ou</a:t>
+            </a:r>
+            <a:r>
+              <a:rPr lang="en-US" b="0" i="0" dirty="0">
+                <a:solidFill>
+                  <a:srgbClr val="0D0D0D"/>
+                </a:solidFill>
+                <a:effectLst/>
+                <a:highlight>
+                  <a:srgbClr val="FFFFFF"/>
+                </a:highlight>
+                <a:latin typeface="Söhne"/>
+              </a:rPr>
+              <a:t> </a:t>
+            </a:r>
+            <a:r>
+              <a:rPr lang="en-US" b="0" i="0" dirty="0" err="1">
+                <a:solidFill>
+                  <a:srgbClr val="0D0D0D"/>
+                </a:solidFill>
+                <a:effectLst/>
+                <a:highlight>
+                  <a:srgbClr val="FFFFFF"/>
+                </a:highlight>
+                <a:latin typeface="Söhne"/>
+              </a:rPr>
+              <a:t>descendente</a:t>
+            </a:r>
+            <a:r>
+              <a:rPr lang="en-US" b="0" i="0" dirty="0">
+                <a:solidFill>
+                  <a:srgbClr val="0D0D0D"/>
+                </a:solidFill>
+                <a:effectLst/>
+                <a:highlight>
+                  <a:srgbClr val="FFFFFF"/>
+                </a:highlight>
+                <a:latin typeface="Söhne"/>
+              </a:rPr>
+              <a:t>.</a:t>
+            </a:r>
+          </a:p>
+          <a:p>
+            <a:pPr algn="l">
+              <a:buFont typeface="+mj-lt"/>
+              <a:buAutoNum type="arabicPeriod"/>
+            </a:pPr>
+            <a:r>
+              <a:rPr lang="en-US" b="1" i="0" dirty="0">
+                <a:solidFill>
+                  <a:srgbClr val="0D0D0D"/>
+                </a:solidFill>
+                <a:effectLst/>
+                <a:highlight>
+                  <a:srgbClr val="FFFFFF"/>
+                </a:highlight>
+                <a:latin typeface="Söhne"/>
+              </a:rPr>
+              <a:t>LIMIT</a:t>
+            </a:r>
+            <a:r>
+              <a:rPr lang="en-US" b="0" i="0" dirty="0">
+                <a:solidFill>
+                  <a:srgbClr val="0D0D0D"/>
+                </a:solidFill>
+                <a:effectLst/>
+                <a:highlight>
+                  <a:srgbClr val="FFFFFF"/>
+                </a:highlight>
+                <a:latin typeface="Söhne"/>
+              </a:rPr>
+              <a:t>: </a:t>
+            </a:r>
+            <a:r>
+              <a:rPr lang="en-US" b="0" i="0" dirty="0" err="1">
+                <a:solidFill>
+                  <a:srgbClr val="0D0D0D"/>
+                </a:solidFill>
+                <a:effectLst/>
+                <a:highlight>
+                  <a:srgbClr val="FFFFFF"/>
+                </a:highlight>
+                <a:latin typeface="Söhne"/>
+              </a:rPr>
+              <a:t>Finalmente</a:t>
+            </a:r>
+            <a:r>
+              <a:rPr lang="en-US" b="0" i="0" dirty="0">
+                <a:solidFill>
+                  <a:srgbClr val="0D0D0D"/>
+                </a:solidFill>
+                <a:effectLst/>
+                <a:highlight>
+                  <a:srgbClr val="FFFFFF"/>
+                </a:highlight>
+                <a:latin typeface="Söhne"/>
+              </a:rPr>
+              <a:t>, a </a:t>
+            </a:r>
+            <a:r>
+              <a:rPr lang="en-US" b="0" i="0" dirty="0" err="1">
+                <a:solidFill>
+                  <a:srgbClr val="0D0D0D"/>
+                </a:solidFill>
+                <a:effectLst/>
+                <a:highlight>
+                  <a:srgbClr val="FFFFFF"/>
+                </a:highlight>
+                <a:latin typeface="Söhne"/>
+              </a:rPr>
+              <a:t>cláusula</a:t>
+            </a:r>
+            <a:r>
+              <a:rPr lang="en-US" b="0" i="0" dirty="0">
+                <a:solidFill>
+                  <a:srgbClr val="0D0D0D"/>
+                </a:solidFill>
+                <a:effectLst/>
+                <a:highlight>
+                  <a:srgbClr val="FFFFFF"/>
+                </a:highlight>
+                <a:latin typeface="Söhne"/>
+              </a:rPr>
+              <a:t> LIMIT (</a:t>
+            </a:r>
+            <a:r>
+              <a:rPr lang="en-US" b="0" i="0" dirty="0" err="1">
+                <a:solidFill>
+                  <a:srgbClr val="0D0D0D"/>
+                </a:solidFill>
+                <a:effectLst/>
+                <a:highlight>
+                  <a:srgbClr val="FFFFFF"/>
+                </a:highlight>
+                <a:latin typeface="Söhne"/>
+              </a:rPr>
+              <a:t>opcional</a:t>
+            </a:r>
+            <a:r>
+              <a:rPr lang="en-US" b="0" i="0" dirty="0">
+                <a:solidFill>
+                  <a:srgbClr val="0D0D0D"/>
+                </a:solidFill>
+                <a:effectLst/>
+                <a:highlight>
+                  <a:srgbClr val="FFFFFF"/>
+                </a:highlight>
+                <a:latin typeface="Söhne"/>
+              </a:rPr>
+              <a:t>) </a:t>
+            </a:r>
+            <a:r>
+              <a:rPr lang="en-US" b="0" i="0" dirty="0" err="1">
+                <a:solidFill>
+                  <a:srgbClr val="0D0D0D"/>
+                </a:solidFill>
+                <a:effectLst/>
+                <a:highlight>
+                  <a:srgbClr val="FFFFFF"/>
+                </a:highlight>
+                <a:latin typeface="Söhne"/>
+              </a:rPr>
+              <a:t>é</a:t>
+            </a:r>
+            <a:r>
+              <a:rPr lang="en-US" b="0" i="0" dirty="0">
+                <a:solidFill>
+                  <a:srgbClr val="0D0D0D"/>
+                </a:solidFill>
+                <a:effectLst/>
+                <a:highlight>
+                  <a:srgbClr val="FFFFFF"/>
+                </a:highlight>
+                <a:latin typeface="Söhne"/>
+              </a:rPr>
+              <a:t> </a:t>
+            </a:r>
+            <a:r>
+              <a:rPr lang="en-US" b="0" i="0" dirty="0" err="1">
+                <a:solidFill>
+                  <a:srgbClr val="0D0D0D"/>
+                </a:solidFill>
+                <a:effectLst/>
+                <a:highlight>
+                  <a:srgbClr val="FFFFFF"/>
+                </a:highlight>
+                <a:latin typeface="Söhne"/>
+              </a:rPr>
+              <a:t>usada</a:t>
+            </a:r>
+            <a:r>
+              <a:rPr lang="en-US" b="0" i="0" dirty="0">
+                <a:solidFill>
+                  <a:srgbClr val="0D0D0D"/>
+                </a:solidFill>
+                <a:effectLst/>
+                <a:highlight>
+                  <a:srgbClr val="FFFFFF"/>
+                </a:highlight>
+                <a:latin typeface="Söhne"/>
+              </a:rPr>
+              <a:t> para </a:t>
+            </a:r>
+            <a:r>
+              <a:rPr lang="en-US" b="0" i="0" dirty="0" err="1">
+                <a:solidFill>
+                  <a:srgbClr val="0D0D0D"/>
+                </a:solidFill>
+                <a:effectLst/>
+                <a:highlight>
+                  <a:srgbClr val="FFFFFF"/>
+                </a:highlight>
+                <a:latin typeface="Söhne"/>
+              </a:rPr>
+              <a:t>limitar</a:t>
+            </a:r>
+            <a:r>
+              <a:rPr lang="en-US" b="0" i="0" dirty="0">
+                <a:solidFill>
+                  <a:srgbClr val="0D0D0D"/>
+                </a:solidFill>
+                <a:effectLst/>
+                <a:highlight>
+                  <a:srgbClr val="FFFFFF"/>
+                </a:highlight>
+                <a:latin typeface="Söhne"/>
+              </a:rPr>
+              <a:t> o </a:t>
+            </a:r>
+            <a:r>
+              <a:rPr lang="en-US" b="0" i="0" dirty="0" err="1">
+                <a:solidFill>
+                  <a:srgbClr val="0D0D0D"/>
+                </a:solidFill>
+                <a:effectLst/>
+                <a:highlight>
+                  <a:srgbClr val="FFFFFF"/>
+                </a:highlight>
+                <a:latin typeface="Söhne"/>
+              </a:rPr>
+              <a:t>número</a:t>
+            </a:r>
+            <a:r>
+              <a:rPr lang="en-US" b="0" i="0" dirty="0">
+                <a:solidFill>
+                  <a:srgbClr val="0D0D0D"/>
+                </a:solidFill>
+                <a:effectLst/>
+                <a:highlight>
+                  <a:srgbClr val="FFFFFF"/>
+                </a:highlight>
+                <a:latin typeface="Söhne"/>
+              </a:rPr>
+              <a:t> de </a:t>
+            </a:r>
+            <a:r>
+              <a:rPr lang="en-US" b="0" i="0" dirty="0" err="1">
+                <a:solidFill>
+                  <a:srgbClr val="0D0D0D"/>
+                </a:solidFill>
+                <a:effectLst/>
+                <a:highlight>
+                  <a:srgbClr val="FFFFFF"/>
+                </a:highlight>
+                <a:latin typeface="Söhne"/>
+              </a:rPr>
+              <a:t>registros</a:t>
+            </a:r>
+            <a:r>
+              <a:rPr lang="en-US" b="0" i="0" dirty="0">
+                <a:solidFill>
+                  <a:srgbClr val="0D0D0D"/>
+                </a:solidFill>
+                <a:effectLst/>
+                <a:highlight>
+                  <a:srgbClr val="FFFFFF"/>
+                </a:highlight>
+                <a:latin typeface="Söhne"/>
+              </a:rPr>
+              <a:t> </a:t>
+            </a:r>
+            <a:r>
+              <a:rPr lang="en-US" b="0" i="0" dirty="0" err="1">
+                <a:solidFill>
+                  <a:srgbClr val="0D0D0D"/>
+                </a:solidFill>
+                <a:effectLst/>
+                <a:highlight>
+                  <a:srgbClr val="FFFFFF"/>
+                </a:highlight>
+                <a:latin typeface="Söhne"/>
+              </a:rPr>
+              <a:t>retornados</a:t>
+            </a:r>
+            <a:r>
+              <a:rPr lang="en-US" b="0" i="0" dirty="0">
+                <a:solidFill>
+                  <a:srgbClr val="0D0D0D"/>
+                </a:solidFill>
+                <a:effectLst/>
+                <a:highlight>
+                  <a:srgbClr val="FFFFFF"/>
+                </a:highlight>
+                <a:latin typeface="Söhne"/>
+              </a:rPr>
+              <a:t> no conjunto de </a:t>
+            </a:r>
+            <a:r>
+              <a:rPr lang="en-US" b="0" i="0" dirty="0" err="1">
+                <a:solidFill>
+                  <a:srgbClr val="0D0D0D"/>
+                </a:solidFill>
+                <a:effectLst/>
+                <a:highlight>
+                  <a:srgbClr val="FFFFFF"/>
+                </a:highlight>
+                <a:latin typeface="Söhne"/>
+              </a:rPr>
+              <a:t>resultados</a:t>
+            </a:r>
+            <a:r>
+              <a:rPr lang="en-US" b="0" i="0" dirty="0">
+                <a:solidFill>
+                  <a:srgbClr val="0D0D0D"/>
+                </a:solidFill>
+                <a:effectLst/>
+                <a:highlight>
+                  <a:srgbClr val="FFFFFF"/>
+                </a:highlight>
+                <a:latin typeface="Söhne"/>
+              </a:rPr>
+              <a:t>. </a:t>
+            </a:r>
+            <a:r>
+              <a:rPr lang="en-US" b="0" i="0" dirty="0" err="1">
+                <a:solidFill>
+                  <a:srgbClr val="0D0D0D"/>
+                </a:solidFill>
+                <a:effectLst/>
+                <a:highlight>
+                  <a:srgbClr val="FFFFFF"/>
+                </a:highlight>
+                <a:latin typeface="Söhne"/>
+              </a:rPr>
+              <a:t>Isso</a:t>
+            </a:r>
+            <a:r>
+              <a:rPr lang="en-US" b="0" i="0" dirty="0">
+                <a:solidFill>
+                  <a:srgbClr val="0D0D0D"/>
+                </a:solidFill>
+                <a:effectLst/>
+                <a:highlight>
+                  <a:srgbClr val="FFFFFF"/>
+                </a:highlight>
+                <a:latin typeface="Söhne"/>
+              </a:rPr>
+              <a:t> </a:t>
+            </a:r>
+            <a:r>
+              <a:rPr lang="en-US" b="0" i="0" dirty="0" err="1">
+                <a:solidFill>
+                  <a:srgbClr val="0D0D0D"/>
+                </a:solidFill>
+                <a:effectLst/>
+                <a:highlight>
+                  <a:srgbClr val="FFFFFF"/>
+                </a:highlight>
+                <a:latin typeface="Söhne"/>
+              </a:rPr>
+              <a:t>é</a:t>
+            </a:r>
+            <a:r>
+              <a:rPr lang="en-US" b="0" i="0" dirty="0">
+                <a:solidFill>
+                  <a:srgbClr val="0D0D0D"/>
+                </a:solidFill>
+                <a:effectLst/>
+                <a:highlight>
+                  <a:srgbClr val="FFFFFF"/>
+                </a:highlight>
+                <a:latin typeface="Söhne"/>
+              </a:rPr>
+              <a:t> </a:t>
+            </a:r>
+            <a:r>
+              <a:rPr lang="en-US" b="0" i="0" dirty="0" err="1">
+                <a:solidFill>
+                  <a:srgbClr val="0D0D0D"/>
+                </a:solidFill>
+                <a:effectLst/>
+                <a:highlight>
+                  <a:srgbClr val="FFFFFF"/>
+                </a:highlight>
+                <a:latin typeface="Söhne"/>
+              </a:rPr>
+              <a:t>útil</a:t>
+            </a:r>
+            <a:r>
+              <a:rPr lang="en-US" b="0" i="0" dirty="0">
+                <a:solidFill>
+                  <a:srgbClr val="0D0D0D"/>
+                </a:solidFill>
+                <a:effectLst/>
+                <a:highlight>
+                  <a:srgbClr val="FFFFFF"/>
+                </a:highlight>
+                <a:latin typeface="Söhne"/>
+              </a:rPr>
+              <a:t> para </a:t>
+            </a:r>
+            <a:r>
+              <a:rPr lang="en-US" b="0" i="0" dirty="0" err="1">
+                <a:solidFill>
+                  <a:srgbClr val="0D0D0D"/>
+                </a:solidFill>
+                <a:effectLst/>
+                <a:highlight>
+                  <a:srgbClr val="FFFFFF"/>
+                </a:highlight>
+                <a:latin typeface="Söhne"/>
+              </a:rPr>
+              <a:t>controlar</a:t>
+            </a:r>
+            <a:r>
+              <a:rPr lang="en-US" b="0" i="0" dirty="0">
+                <a:solidFill>
+                  <a:srgbClr val="0D0D0D"/>
+                </a:solidFill>
+                <a:effectLst/>
+                <a:highlight>
+                  <a:srgbClr val="FFFFFF"/>
+                </a:highlight>
+                <a:latin typeface="Söhne"/>
+              </a:rPr>
+              <a:t> o </a:t>
+            </a:r>
+            <a:r>
+              <a:rPr lang="en-US" b="0" i="0" dirty="0" err="1">
+                <a:solidFill>
+                  <a:srgbClr val="0D0D0D"/>
+                </a:solidFill>
+                <a:effectLst/>
+                <a:highlight>
+                  <a:srgbClr val="FFFFFF"/>
+                </a:highlight>
+                <a:latin typeface="Söhne"/>
+              </a:rPr>
+              <a:t>tamanho</a:t>
+            </a:r>
+            <a:r>
+              <a:rPr lang="en-US" b="0" i="0" dirty="0">
+                <a:solidFill>
+                  <a:srgbClr val="0D0D0D"/>
+                </a:solidFill>
+                <a:effectLst/>
+                <a:highlight>
+                  <a:srgbClr val="FFFFFF"/>
+                </a:highlight>
+                <a:latin typeface="Söhne"/>
+              </a:rPr>
+              <a:t> do conjunto de </a:t>
+            </a:r>
+            <a:r>
+              <a:rPr lang="en-US" b="0" i="0" dirty="0" err="1">
+                <a:solidFill>
+                  <a:srgbClr val="0D0D0D"/>
+                </a:solidFill>
+                <a:effectLst/>
+                <a:highlight>
+                  <a:srgbClr val="FFFFFF"/>
+                </a:highlight>
+                <a:latin typeface="Söhne"/>
+              </a:rPr>
+              <a:t>resultados</a:t>
+            </a:r>
+            <a:r>
+              <a:rPr lang="en-US" b="0" i="0" dirty="0">
+                <a:solidFill>
+                  <a:srgbClr val="0D0D0D"/>
+                </a:solidFill>
+                <a:effectLst/>
+                <a:highlight>
+                  <a:srgbClr val="FFFFFF"/>
+                </a:highlight>
+                <a:latin typeface="Söhne"/>
+              </a:rPr>
+              <a:t> e </a:t>
+            </a:r>
+            <a:r>
+              <a:rPr lang="en-US" b="0" i="0" dirty="0" err="1">
+                <a:solidFill>
+                  <a:srgbClr val="0D0D0D"/>
+                </a:solidFill>
+                <a:effectLst/>
+                <a:highlight>
+                  <a:srgbClr val="FFFFFF"/>
+                </a:highlight>
+                <a:latin typeface="Söhne"/>
+              </a:rPr>
+              <a:t>melhorar</a:t>
+            </a:r>
+            <a:r>
+              <a:rPr lang="en-US" b="0" i="0" dirty="0">
+                <a:solidFill>
+                  <a:srgbClr val="0D0D0D"/>
+                </a:solidFill>
+                <a:effectLst/>
+                <a:highlight>
+                  <a:srgbClr val="FFFFFF"/>
+                </a:highlight>
+                <a:latin typeface="Söhne"/>
+              </a:rPr>
+              <a:t> o </a:t>
+            </a:r>
+            <a:r>
+              <a:rPr lang="en-US" b="0" i="0" dirty="0" err="1">
+                <a:solidFill>
+                  <a:srgbClr val="0D0D0D"/>
+                </a:solidFill>
+                <a:effectLst/>
+                <a:highlight>
+                  <a:srgbClr val="FFFFFF"/>
+                </a:highlight>
+                <a:latin typeface="Söhne"/>
+              </a:rPr>
+              <a:t>desempenho</a:t>
+            </a:r>
+            <a:r>
+              <a:rPr lang="en-US" b="0" i="0" dirty="0">
+                <a:solidFill>
+                  <a:srgbClr val="0D0D0D"/>
+                </a:solidFill>
+                <a:effectLst/>
+                <a:highlight>
+                  <a:srgbClr val="FFFFFF"/>
+                </a:highlight>
+                <a:latin typeface="Söhne"/>
+              </a:rPr>
+              <a:t> da consulta, </a:t>
+            </a:r>
+            <a:r>
+              <a:rPr lang="en-US" b="0" i="0" dirty="0" err="1">
+                <a:solidFill>
+                  <a:srgbClr val="0D0D0D"/>
+                </a:solidFill>
+                <a:effectLst/>
+                <a:highlight>
+                  <a:srgbClr val="FFFFFF"/>
+                </a:highlight>
+                <a:latin typeface="Söhne"/>
+              </a:rPr>
+              <a:t>especialmente</a:t>
+            </a:r>
+            <a:r>
+              <a:rPr lang="en-US" b="0" i="0" dirty="0">
+                <a:solidFill>
+                  <a:srgbClr val="0D0D0D"/>
+                </a:solidFill>
+                <a:effectLst/>
+                <a:highlight>
+                  <a:srgbClr val="FFFFFF"/>
+                </a:highlight>
+                <a:latin typeface="Söhne"/>
+              </a:rPr>
+              <a:t> </a:t>
+            </a:r>
+            <a:r>
+              <a:rPr lang="en-US" b="0" i="0" dirty="0" err="1">
+                <a:solidFill>
+                  <a:srgbClr val="0D0D0D"/>
+                </a:solidFill>
+                <a:effectLst/>
+                <a:highlight>
+                  <a:srgbClr val="FFFFFF"/>
+                </a:highlight>
+                <a:latin typeface="Söhne"/>
+              </a:rPr>
+              <a:t>quando</a:t>
+            </a:r>
+            <a:r>
+              <a:rPr lang="en-US" b="0" i="0" dirty="0">
+                <a:solidFill>
+                  <a:srgbClr val="0D0D0D"/>
+                </a:solidFill>
+                <a:effectLst/>
+                <a:highlight>
+                  <a:srgbClr val="FFFFFF"/>
+                </a:highlight>
+                <a:latin typeface="Söhne"/>
+              </a:rPr>
+              <a:t> se </a:t>
+            </a:r>
+            <a:r>
+              <a:rPr lang="en-US" b="0" i="0" dirty="0" err="1">
+                <a:solidFill>
+                  <a:srgbClr val="0D0D0D"/>
+                </a:solidFill>
+                <a:effectLst/>
+                <a:highlight>
+                  <a:srgbClr val="FFFFFF"/>
+                </a:highlight>
+                <a:latin typeface="Söhne"/>
+              </a:rPr>
+              <a:t>trabalha</a:t>
+            </a:r>
+            <a:r>
+              <a:rPr lang="en-US" b="0" i="0" dirty="0">
+                <a:solidFill>
+                  <a:srgbClr val="0D0D0D"/>
+                </a:solidFill>
+                <a:effectLst/>
+                <a:highlight>
+                  <a:srgbClr val="FFFFFF"/>
+                </a:highlight>
+                <a:latin typeface="Söhne"/>
+              </a:rPr>
+              <a:t> com </a:t>
+            </a:r>
+            <a:r>
+              <a:rPr lang="en-US" b="0" i="0" dirty="0" err="1">
+                <a:solidFill>
+                  <a:srgbClr val="0D0D0D"/>
+                </a:solidFill>
+                <a:effectLst/>
+                <a:highlight>
+                  <a:srgbClr val="FFFFFF"/>
+                </a:highlight>
+                <a:latin typeface="Söhne"/>
+              </a:rPr>
+              <a:t>grandes</a:t>
+            </a:r>
+            <a:r>
+              <a:rPr lang="en-US" b="0" i="0" dirty="0">
+                <a:solidFill>
+                  <a:srgbClr val="0D0D0D"/>
+                </a:solidFill>
+                <a:effectLst/>
+                <a:highlight>
+                  <a:srgbClr val="FFFFFF"/>
+                </a:highlight>
+                <a:latin typeface="Söhne"/>
+              </a:rPr>
+              <a:t> conjuntos de dados.</a:t>
+            </a:r>
+          </a:p>
+          <a:p>
+            <a:endParaRPr lang="pt-BR" dirty="0"/>
+          </a:p>
+        </p:txBody>
+      </p:sp>
+    </p:spTree>
+    <p:extLst>
+      <p:ext uri="{BB962C8B-B14F-4D97-AF65-F5344CB8AC3E}">
+        <p14:creationId xmlns:p14="http://schemas.microsoft.com/office/powerpoint/2010/main" val="1539892170"/>
+      </p:ext>
+    </p:extLst>
+  </p:cSld>
+  <p:clrMapOvr>
+    <a:masterClrMapping/>
+  </p:clrMapOvr>
+</p:sld>
+</file>
+
+<file path=ppt/slides/slide42.xml><?xml version="1.0" encoding="utf-8"?>
+<p:sld xmlns:a="http://schemas.openxmlformats.org/drawingml/2006/main" xmlns:r="http://schemas.openxmlformats.org/officeDocument/2006/relationships" xmlns:p="http://schemas.openxmlformats.org/presentationml/2006/main">
+  <p:cSld>
+    <p:spTree>
+      <p:nvGrpSpPr>
+        <p:cNvPr id="1" name=""/>
+        <p:cNvGrpSpPr/>
+        <p:nvPr/>
+      </p:nvGrpSpPr>
+      <p:grpSpPr>
+        <a:xfrm>
+          <a:off x="0" y="0"/>
+          <a:ext cx="0" cy="0"/>
+          <a:chOff x="0" y="0"/>
+          <a:chExt cx="0" cy="0"/>
+        </a:xfrm>
+      </p:grpSpPr>
+      <p:sp>
+        <p:nvSpPr>
+          <p:cNvPr id="2" name="Title 1">
+            <a:extLst>
+              <a:ext uri="{FF2B5EF4-FFF2-40B4-BE49-F238E27FC236}">
+                <a16:creationId xmlns:a16="http://schemas.microsoft.com/office/drawing/2014/main" id="{7FD17529-6545-895A-60D7-D61726BD02CB}"/>
+              </a:ext>
+            </a:extLst>
+          </p:cNvPr>
+          <p:cNvSpPr>
+            <a:spLocks noGrp="1"/>
+          </p:cNvSpPr>
+          <p:nvPr>
+            <p:ph type="title"/>
+          </p:nvPr>
+        </p:nvSpPr>
+        <p:spPr/>
+        <p:txBody>
+          <a:bodyPr/>
+          <a:lstStyle/>
+          <a:p>
+            <a:r>
+              <a:rPr lang="pt-BR" dirty="0"/>
+              <a:t>SQL </a:t>
+            </a:r>
+            <a:r>
+              <a:rPr lang="pt-BR" dirty="0" err="1"/>
+              <a:t>execution</a:t>
+            </a:r>
+            <a:endParaRPr lang="pt-BR" dirty="0"/>
+          </a:p>
+        </p:txBody>
+      </p:sp>
+      <p:pic>
+        <p:nvPicPr>
+          <p:cNvPr id="1026" name="Picture 2">
+            <a:extLst>
+              <a:ext uri="{FF2B5EF4-FFF2-40B4-BE49-F238E27FC236}">
+                <a16:creationId xmlns:a16="http://schemas.microsoft.com/office/drawing/2014/main" id="{49806586-1390-2A7C-07BB-174BF6EC4C5D}"/>
+              </a:ext>
+            </a:extLst>
+          </p:cNvPr>
+          <p:cNvPicPr>
+            <a:picLocks noGrp="1" noChangeAspect="1" noChangeArrowheads="1"/>
+          </p:cNvPicPr>
+          <p:nvPr>
+            <p:ph idx="1"/>
+          </p:nvPr>
+        </p:nvPicPr>
+        <p:blipFill>
+          <a:blip r:embed="rId2">
+            <a:extLst>
+              <a:ext uri="{28A0092B-C50C-407E-A947-70E740481C1C}">
+                <a14:useLocalDpi xmlns:a14="http://schemas.microsoft.com/office/drawing/2010/main" val="0"/>
+              </a:ext>
+            </a:extLst>
+          </a:blip>
+          <a:srcRect/>
+          <a:stretch>
+            <a:fillRect/>
+          </a:stretch>
+        </p:blipFill>
+        <p:spPr bwMode="auto">
+          <a:xfrm>
+            <a:off x="3467100" y="2674144"/>
+            <a:ext cx="5257800" cy="2654300"/>
+          </a:xfrm>
+          <a:prstGeom prst="rect">
+            <a:avLst/>
+          </a:prstGeom>
+          <a:noFill/>
+          <a:extLst>
+            <a:ext uri="{909E8E84-426E-40DD-AFC4-6F175D3DCCD1}">
+              <a14:hiddenFill xmlns:a14="http://schemas.microsoft.com/office/drawing/2010/main">
+                <a:solidFill>
+                  <a:srgbClr val="FFFFFF"/>
+                </a:solidFill>
+              </a14:hiddenFill>
+            </a:ext>
+          </a:extLst>
+        </p:spPr>
+      </p:pic>
+    </p:spTree>
+    <p:extLst>
+      <p:ext uri="{BB962C8B-B14F-4D97-AF65-F5344CB8AC3E}">
+        <p14:creationId xmlns:p14="http://schemas.microsoft.com/office/powerpoint/2010/main" val="232106983"/>
+      </p:ext>
+    </p:extLst>
+  </p:cSld>
+  <p:clrMapOvr>
+    <a:masterClrMapping/>
+  </p:clrMapOvr>
+</p:sld>
+</file>
+
+<file path=ppt/slides/slide43.xml><?xml version="1.0" encoding="utf-8"?>
+<p:sld xmlns:a="http://schemas.openxmlformats.org/drawingml/2006/main" xmlns:r="http://schemas.openxmlformats.org/officeDocument/2006/relationships" xmlns:p="http://schemas.openxmlformats.org/presentationml/2006/main">
+  <p:cSld>
+    <p:spTree>
+      <p:nvGrpSpPr>
+        <p:cNvPr id="1" name=""/>
+        <p:cNvGrpSpPr/>
+        <p:nvPr/>
+      </p:nvGrpSpPr>
+      <p:grpSpPr>
+        <a:xfrm>
+          <a:off x="0" y="0"/>
+          <a:ext cx="0" cy="0"/>
+          <a:chOff x="0" y="0"/>
+          <a:chExt cx="0" cy="0"/>
+        </a:xfrm>
+      </p:grpSpPr>
+      <p:pic>
+        <p:nvPicPr>
+          <p:cNvPr id="2050" name="Picture 2" descr="Data Engineering Interview Series : SQL - Commands and Order of ...">
+            <a:extLst>
+              <a:ext uri="{FF2B5EF4-FFF2-40B4-BE49-F238E27FC236}">
+                <a16:creationId xmlns:a16="http://schemas.microsoft.com/office/drawing/2014/main" id="{D7CE5440-7642-137E-05E8-A5EC98ED3962}"/>
+              </a:ext>
+            </a:extLst>
+          </p:cNvPr>
+          <p:cNvPicPr>
+            <a:picLocks noChangeAspect="1" noChangeArrowheads="1"/>
+          </p:cNvPicPr>
+          <p:nvPr/>
+        </p:nvPicPr>
+        <p:blipFill>
+          <a:blip r:embed="rId2">
+            <a:extLst>
+              <a:ext uri="{28A0092B-C50C-407E-A947-70E740481C1C}">
+                <a14:useLocalDpi xmlns:a14="http://schemas.microsoft.com/office/drawing/2010/main" val="0"/>
+              </a:ext>
+            </a:extLst>
+          </a:blip>
+          <a:srcRect/>
+          <a:stretch>
+            <a:fillRect/>
+          </a:stretch>
+        </p:blipFill>
+        <p:spPr bwMode="auto">
+          <a:xfrm>
+            <a:off x="2633731" y="732425"/>
+            <a:ext cx="6461631" cy="6125575"/>
+          </a:xfrm>
+          <a:prstGeom prst="rect">
+            <a:avLst/>
+          </a:prstGeom>
+          <a:noFill/>
+          <a:extLst>
+            <a:ext uri="{909E8E84-426E-40DD-AFC4-6F175D3DCCD1}">
+              <a14:hiddenFill xmlns:a14="http://schemas.microsoft.com/office/drawing/2010/main">
+                <a:solidFill>
+                  <a:srgbClr val="FFFFFF"/>
+                </a:solidFill>
+              </a14:hiddenFill>
+            </a:ext>
+          </a:extLst>
+        </p:spPr>
+      </p:pic>
+    </p:spTree>
+    <p:extLst>
+      <p:ext uri="{BB962C8B-B14F-4D97-AF65-F5344CB8AC3E}">
+        <p14:creationId xmlns:p14="http://schemas.microsoft.com/office/powerpoint/2010/main" val="1050606641"/>
+      </p:ext>
+    </p:extLst>
+  </p:cSld>
+  <p:clrMapOvr>
+    <a:masterClrMapping/>
+  </p:clrMapOvr>
+</p:sld>
+</file>
+
+<file path=ppt/slides/slide44.xml><?xml version="1.0" encoding="utf-8"?>
+<p:sld xmlns:a="http://schemas.openxmlformats.org/drawingml/2006/main" xmlns:r="http://schemas.openxmlformats.org/officeDocument/2006/relationships" xmlns:p="http://schemas.openxmlformats.org/presentationml/2006/main">
+  <p:cSld>
+    <p:spTree>
+      <p:nvGrpSpPr>
+        <p:cNvPr id="1" name=""/>
+        <p:cNvGrpSpPr/>
+        <p:nvPr/>
+      </p:nvGrpSpPr>
+      <p:grpSpPr>
+        <a:xfrm>
+          <a:off x="0" y="0"/>
+          <a:ext cx="0" cy="0"/>
+          <a:chOff x="0" y="0"/>
+          <a:chExt cx="0" cy="0"/>
+        </a:xfrm>
+      </p:grpSpPr>
+      <p:sp>
+        <p:nvSpPr>
+          <p:cNvPr id="2" name="Title 1">
+            <a:extLst>
+              <a:ext uri="{FF2B5EF4-FFF2-40B4-BE49-F238E27FC236}">
+                <a16:creationId xmlns:a16="http://schemas.microsoft.com/office/drawing/2014/main" id="{367FE97D-4341-D7E4-50E3-8229FA4B2466}"/>
+              </a:ext>
+            </a:extLst>
+          </p:cNvPr>
+          <p:cNvSpPr>
+            <a:spLocks noGrp="1"/>
+          </p:cNvSpPr>
+          <p:nvPr>
+            <p:ph type="title"/>
+          </p:nvPr>
+        </p:nvSpPr>
+        <p:spPr/>
+        <p:txBody>
+          <a:bodyPr/>
+          <a:lstStyle/>
+          <a:p>
+            <a:endParaRPr lang="pt-BR" dirty="0"/>
+          </a:p>
+        </p:txBody>
+      </p:sp>
+      <p:pic>
+        <p:nvPicPr>
+          <p:cNvPr id="3074" name="Picture 2" descr="Understanding SQL Query Order of Execution | Built In">
+            <a:extLst>
+              <a:ext uri="{FF2B5EF4-FFF2-40B4-BE49-F238E27FC236}">
+                <a16:creationId xmlns:a16="http://schemas.microsoft.com/office/drawing/2014/main" id="{9BFA91D7-6A7A-4F65-C4BD-C6F203795522}"/>
+              </a:ext>
+            </a:extLst>
+          </p:cNvPr>
+          <p:cNvPicPr>
+            <a:picLocks noGrp="1" noChangeAspect="1" noChangeArrowheads="1"/>
+          </p:cNvPicPr>
+          <p:nvPr>
+            <p:ph idx="1"/>
+          </p:nvPr>
+        </p:nvPicPr>
+        <p:blipFill>
+          <a:blip r:embed="rId2">
+            <a:extLst>
+              <a:ext uri="{28A0092B-C50C-407E-A947-70E740481C1C}">
+                <a14:useLocalDpi xmlns:a14="http://schemas.microsoft.com/office/drawing/2010/main" val="0"/>
+              </a:ext>
+            </a:extLst>
+          </a:blip>
+          <a:srcRect/>
+          <a:stretch>
+            <a:fillRect/>
+          </a:stretch>
+        </p:blipFill>
+        <p:spPr bwMode="auto">
+          <a:xfrm>
+            <a:off x="2228144" y="1825625"/>
+            <a:ext cx="7735712" cy="4351338"/>
+          </a:xfrm>
+          <a:prstGeom prst="rect">
+            <a:avLst/>
+          </a:prstGeom>
+          <a:noFill/>
+          <a:extLst>
+            <a:ext uri="{909E8E84-426E-40DD-AFC4-6F175D3DCCD1}">
+              <a14:hiddenFill xmlns:a14="http://schemas.microsoft.com/office/drawing/2010/main">
+                <a:solidFill>
+                  <a:srgbClr val="FFFFFF"/>
+                </a:solidFill>
+              </a14:hiddenFill>
+            </a:ext>
+          </a:extLst>
+        </p:spPr>
+      </p:pic>
+    </p:spTree>
+    <p:extLst>
+      <p:ext uri="{BB962C8B-B14F-4D97-AF65-F5344CB8AC3E}">
+        <p14:creationId xmlns:p14="http://schemas.microsoft.com/office/powerpoint/2010/main" val="372160380"/>
+      </p:ext>
+    </p:extLst>
+  </p:cSld>
+  <p:clrMapOvr>
+    <a:masterClrMapping/>
+  </p:clrMapOvr>
+</p:sld>
+</file>
+
 <file path=ppt/slides/slide5.xml><?xml version="1.0" encoding="utf-8"?>
 <p:sld xmlns:a="http://schemas.openxmlformats.org/drawingml/2006/main" xmlns:r="http://schemas.openxmlformats.org/officeDocument/2006/relationships" xmlns:p="http://schemas.openxmlformats.org/presentationml/2006/main">
   <p:cSld>

--- a/slides/Curso BD.pptx
+++ b/slides/Curso BD.pptx
@@ -49,6 +49,7 @@
     <p:sldId id="296" r:id="rId43"/>
     <p:sldId id="297" r:id="rId44"/>
     <p:sldId id="298" r:id="rId45"/>
+    <p:sldId id="300" r:id="rId46"/>
   </p:sldIdLst>
   <p:sldSz cx="12192000" cy="6858000"/>
   <p:notesSz cx="6858000" cy="9144000"/>
@@ -30588,7 +30589,7 @@
           <a:p>
             <a:r>
               <a:rPr lang="pt-BR" dirty="0"/>
-              <a:t>Aula 6</a:t>
+              <a:t>Aula 7 _REP</a:t>
             </a:r>
           </a:p>
         </p:txBody>
@@ -30731,6 +30732,22 @@
             </a:r>
             <a:r>
               <a:rPr lang="pt-BR" dirty="0" err="1"/>
+              <a:t>order</a:t>
+            </a:r>
+            <a:r>
+              <a:rPr lang="pt-BR" dirty="0"/>
+              <a:t> </a:t>
+            </a:r>
+            <a:r>
+              <a:rPr lang="pt-BR" dirty="0" err="1"/>
+              <a:t>of</a:t>
+            </a:r>
+            <a:r>
+              <a:rPr lang="pt-BR" dirty="0"/>
+              <a:t> </a:t>
+            </a:r>
+            <a:r>
+              <a:rPr lang="pt-BR" dirty="0" err="1"/>
               <a:t>execution</a:t>
             </a:r>
             <a:endParaRPr lang="pt-BR" dirty="0"/>
@@ -30753,10 +30770,15 @@
             <p:ph idx="1"/>
           </p:nvPr>
         </p:nvSpPr>
-        <p:spPr/>
+        <p:spPr>
+          <a:xfrm>
+            <a:off x="343524" y="1308463"/>
+            <a:ext cx="11236378" cy="5184411"/>
+          </a:xfrm>
+        </p:spPr>
         <p:txBody>
           <a:bodyPr>
-            <a:normAutofit fontScale="55000" lnSpcReduction="20000"/>
+            <a:noAutofit/>
           </a:bodyPr>
           <a:lstStyle/>
           <a:p>
@@ -30765,7 +30787,7 @@
               <a:buAutoNum type="arabicPeriod"/>
             </a:pPr>
             <a:r>
-              <a:rPr lang="en-US" b="1" i="0" dirty="0">
+              <a:rPr lang="en-US" sz="1800" b="1" i="0" dirty="0">
                 <a:solidFill>
                   <a:srgbClr val="0D0D0D"/>
                 </a:solidFill>
@@ -30778,7 +30800,7 @@
               <a:t>FROM</a:t>
             </a:r>
             <a:r>
-              <a:rPr lang="en-US" b="0" i="0" dirty="0">
+              <a:rPr lang="en-US" sz="1800" b="0" i="0" dirty="0">
                 <a:solidFill>
                   <a:srgbClr val="0D0D0D"/>
                 </a:solidFill>
@@ -30791,7 +30813,7 @@
               <a:t>: </a:t>
             </a:r>
             <a:r>
-              <a:rPr lang="en-US" b="0" i="0" dirty="0" err="1">
+              <a:rPr lang="en-US" sz="1800" b="0" i="0" dirty="0" err="1">
                 <a:solidFill>
                   <a:srgbClr val="0D0D0D"/>
                 </a:solidFill>
@@ -30804,7 +30826,7 @@
               <a:t>Identifica</a:t>
             </a:r>
             <a:r>
-              <a:rPr lang="en-US" b="0" i="0" dirty="0">
+              <a:rPr lang="en-US" sz="1800" b="0" i="0" dirty="0">
                 <a:solidFill>
                   <a:srgbClr val="0D0D0D"/>
                 </a:solidFill>
@@ -30817,7 +30839,7 @@
               <a:t> a </a:t>
             </a:r>
             <a:r>
-              <a:rPr lang="en-US" b="0" i="0" dirty="0" err="1">
+              <a:rPr lang="en-US" sz="1800" b="0" i="0" dirty="0" err="1">
                 <a:solidFill>
                   <a:srgbClr val="0D0D0D"/>
                 </a:solidFill>
@@ -30830,7 +30852,7 @@
               <a:t>fonte</a:t>
             </a:r>
             <a:r>
-              <a:rPr lang="en-US" b="0" i="0" dirty="0">
+              <a:rPr lang="en-US" sz="1800" b="0" i="0" dirty="0">
                 <a:solidFill>
                   <a:srgbClr val="0D0D0D"/>
                 </a:solidFill>
@@ -30843,7 +30865,7 @@
               <a:t> de dados da consulta, </a:t>
             </a:r>
             <a:r>
-              <a:rPr lang="en-US" b="0" i="0" dirty="0" err="1">
+              <a:rPr lang="en-US" sz="1800" b="0" i="0" dirty="0" err="1">
                 <a:solidFill>
                   <a:srgbClr val="0D0D0D"/>
                 </a:solidFill>
@@ -30856,7 +30878,7 @@
               <a:t>especificada</a:t>
             </a:r>
             <a:r>
-              <a:rPr lang="en-US" b="0" i="0" dirty="0">
+              <a:rPr lang="en-US" sz="1800" b="0" i="0" dirty="0">
                 <a:solidFill>
                   <a:srgbClr val="0D0D0D"/>
                 </a:solidFill>
@@ -30869,7 +30891,7 @@
               <a:t> pela </a:t>
             </a:r>
             <a:r>
-              <a:rPr lang="en-US" b="0" i="0" dirty="0" err="1">
+              <a:rPr lang="en-US" sz="1800" b="0" i="0" dirty="0" err="1">
                 <a:solidFill>
                   <a:srgbClr val="0D0D0D"/>
                 </a:solidFill>
@@ -30882,7 +30904,7 @@
               <a:t>cláusula</a:t>
             </a:r>
             <a:r>
-              <a:rPr lang="en-US" b="0" i="0" dirty="0">
+              <a:rPr lang="en-US" sz="1800" b="0" i="0" dirty="0">
                 <a:solidFill>
                   <a:srgbClr val="0D0D0D"/>
                 </a:solidFill>
@@ -30895,7 +30917,7 @@
               <a:t> FROM. </a:t>
             </a:r>
             <a:r>
-              <a:rPr lang="en-US" b="0" i="0" dirty="0" err="1">
+              <a:rPr lang="en-US" sz="1800" b="0" i="0" dirty="0" err="1">
                 <a:solidFill>
                   <a:srgbClr val="0D0D0D"/>
                 </a:solidFill>
@@ -30908,7 +30930,7 @@
               <a:t>Esta</a:t>
             </a:r>
             <a:r>
-              <a:rPr lang="en-US" b="0" i="0" dirty="0">
+              <a:rPr lang="en-US" sz="1800" b="0" i="0" dirty="0">
                 <a:solidFill>
                   <a:srgbClr val="0D0D0D"/>
                 </a:solidFill>
@@ -30921,7 +30943,7 @@
               <a:t> </a:t>
             </a:r>
             <a:r>
-              <a:rPr lang="en-US" b="0" i="0" dirty="0" err="1">
+              <a:rPr lang="en-US" sz="1800" b="0" i="0" dirty="0" err="1">
                 <a:solidFill>
                   <a:srgbClr val="0D0D0D"/>
                 </a:solidFill>
@@ -30934,7 +30956,7 @@
               <a:t>cláusula</a:t>
             </a:r>
             <a:r>
-              <a:rPr lang="en-US" b="0" i="0" dirty="0">
+              <a:rPr lang="en-US" sz="1800" b="0" i="0" dirty="0">
                 <a:solidFill>
                   <a:srgbClr val="0D0D0D"/>
                 </a:solidFill>
@@ -30947,7 +30969,7 @@
               <a:t> define a </a:t>
             </a:r>
             <a:r>
-              <a:rPr lang="en-US" b="0" i="0" dirty="0" err="1">
+              <a:rPr lang="en-US" sz="1800" b="0" i="0" dirty="0" err="1">
                 <a:solidFill>
                   <a:srgbClr val="0D0D0D"/>
                 </a:solidFill>
@@ -30960,7 +30982,7 @@
               <a:t>tabela</a:t>
             </a:r>
             <a:r>
-              <a:rPr lang="en-US" b="0" i="0" dirty="0">
+              <a:rPr lang="en-US" sz="1800" b="0" i="0" dirty="0">
                 <a:solidFill>
                   <a:srgbClr val="0D0D0D"/>
                 </a:solidFill>
@@ -30973,7 +30995,7 @@
               <a:t> </a:t>
             </a:r>
             <a:r>
-              <a:rPr lang="en-US" b="0" i="0" dirty="0" err="1">
+              <a:rPr lang="en-US" sz="1800" b="0" i="0" dirty="0" err="1">
                 <a:solidFill>
                   <a:srgbClr val="0D0D0D"/>
                 </a:solidFill>
@@ -30986,7 +31008,7 @@
               <a:t>ou</a:t>
             </a:r>
             <a:r>
-              <a:rPr lang="en-US" b="0" i="0" dirty="0">
+              <a:rPr lang="en-US" sz="1800" b="0" i="0" dirty="0">
                 <a:solidFill>
                   <a:srgbClr val="0D0D0D"/>
                 </a:solidFill>
@@ -30999,7 +31021,7 @@
               <a:t> as </a:t>
             </a:r>
             <a:r>
-              <a:rPr lang="en-US" b="0" i="0" dirty="0" err="1">
+              <a:rPr lang="en-US" sz="1800" b="0" i="0" dirty="0" err="1">
                 <a:solidFill>
                   <a:srgbClr val="0D0D0D"/>
                 </a:solidFill>
@@ -31012,7 +31034,7 @@
               <a:t>tabelas</a:t>
             </a:r>
             <a:r>
-              <a:rPr lang="en-US" b="0" i="0" dirty="0">
+              <a:rPr lang="en-US" sz="1800" b="0" i="0" dirty="0">
                 <a:solidFill>
                   <a:srgbClr val="0D0D0D"/>
                 </a:solidFill>
@@ -31025,7 +31047,7 @@
               <a:t> das </a:t>
             </a:r>
             <a:r>
-              <a:rPr lang="en-US" b="0" i="0" dirty="0" err="1">
+              <a:rPr lang="en-US" sz="1800" b="0" i="0" dirty="0" err="1">
                 <a:solidFill>
                   <a:srgbClr val="0D0D0D"/>
                 </a:solidFill>
@@ -31038,7 +31060,7 @@
               <a:t>quais</a:t>
             </a:r>
             <a:r>
-              <a:rPr lang="en-US" b="0" i="0" dirty="0">
+              <a:rPr lang="en-US" sz="1800" b="0" i="0" dirty="0">
                 <a:solidFill>
                   <a:srgbClr val="0D0D0D"/>
                 </a:solidFill>
@@ -31051,7 +31073,7 @@
               <a:t> </a:t>
             </a:r>
             <a:r>
-              <a:rPr lang="en-US" b="0" i="0" dirty="0" err="1">
+              <a:rPr lang="en-US" sz="1800" b="0" i="0" dirty="0" err="1">
                 <a:solidFill>
                   <a:srgbClr val="0D0D0D"/>
                 </a:solidFill>
@@ -31064,7 +31086,7 @@
               <a:t>os</a:t>
             </a:r>
             <a:r>
-              <a:rPr lang="en-US" b="0" i="0" dirty="0">
+              <a:rPr lang="en-US" sz="1800" b="0" i="0" dirty="0">
                 <a:solidFill>
                   <a:srgbClr val="0D0D0D"/>
                 </a:solidFill>
@@ -31077,7 +31099,7 @@
               <a:t> dados </a:t>
             </a:r>
             <a:r>
-              <a:rPr lang="en-US" b="0" i="0" dirty="0" err="1">
+              <a:rPr lang="en-US" sz="1800" b="0" i="0" dirty="0" err="1">
                 <a:solidFill>
                   <a:srgbClr val="0D0D0D"/>
                 </a:solidFill>
@@ -31090,7 +31112,7 @@
               <a:t>serão</a:t>
             </a:r>
             <a:r>
-              <a:rPr lang="en-US" b="0" i="0" dirty="0">
+              <a:rPr lang="en-US" sz="1800" b="0" i="0" dirty="0">
                 <a:solidFill>
                   <a:srgbClr val="0D0D0D"/>
                 </a:solidFill>
@@ -31103,7 +31125,7 @@
               <a:t> </a:t>
             </a:r>
             <a:r>
-              <a:rPr lang="en-US" b="0" i="0" dirty="0" err="1">
+              <a:rPr lang="en-US" sz="1800" b="0" i="0" dirty="0" err="1">
                 <a:solidFill>
                   <a:srgbClr val="0D0D0D"/>
                 </a:solidFill>
@@ -31116,7 +31138,7 @@
               <a:t>recuperados</a:t>
             </a:r>
             <a:r>
-              <a:rPr lang="en-US" b="0" i="0" dirty="0">
+              <a:rPr lang="en-US" sz="1800" b="0" i="0" dirty="0">
                 <a:solidFill>
                   <a:srgbClr val="0D0D0D"/>
                 </a:solidFill>
@@ -31135,7 +31157,7 @@
               <a:buAutoNum type="arabicPeriod"/>
             </a:pPr>
             <a:r>
-              <a:rPr lang="en-US" b="1" i="0" dirty="0">
+              <a:rPr lang="en-US" sz="1800" b="1" i="0" dirty="0">
                 <a:solidFill>
                   <a:srgbClr val="0D0D0D"/>
                 </a:solidFill>
@@ -31148,7 +31170,7 @@
               <a:t>WHERE</a:t>
             </a:r>
             <a:r>
-              <a:rPr lang="en-US" b="0" i="0" dirty="0">
+              <a:rPr lang="en-US" sz="1800" b="0" i="0" dirty="0">
                 <a:solidFill>
                   <a:srgbClr val="0D0D0D"/>
                 </a:solidFill>
@@ -31161,7 +31183,7 @@
               <a:t>: </a:t>
             </a:r>
             <a:r>
-              <a:rPr lang="en-US" b="0" i="0" dirty="0" err="1">
+              <a:rPr lang="en-US" sz="1800" b="0" i="0" dirty="0" err="1">
                 <a:solidFill>
                   <a:srgbClr val="0D0D0D"/>
                 </a:solidFill>
@@ -31174,7 +31196,7 @@
               <a:t>Aplica</a:t>
             </a:r>
             <a:r>
-              <a:rPr lang="en-US" b="0" i="0" dirty="0">
+              <a:rPr lang="en-US" sz="1800" b="0" i="0" dirty="0">
                 <a:solidFill>
                   <a:srgbClr val="0D0D0D"/>
                 </a:solidFill>
@@ -31187,7 +31209,7 @@
               <a:t> a </a:t>
             </a:r>
             <a:r>
-              <a:rPr lang="en-US" b="0" i="0" dirty="0" err="1">
+              <a:rPr lang="en-US" sz="1800" b="0" i="0" dirty="0" err="1">
                 <a:solidFill>
                   <a:srgbClr val="0D0D0D"/>
                 </a:solidFill>
@@ -31200,7 +31222,7 @@
               <a:t>cláusula</a:t>
             </a:r>
             <a:r>
-              <a:rPr lang="en-US" b="0" i="0" dirty="0">
+              <a:rPr lang="en-US" sz="1800" b="0" i="0" dirty="0">
                 <a:solidFill>
                   <a:srgbClr val="0D0D0D"/>
                 </a:solidFill>
@@ -31213,7 +31235,7 @@
               <a:t> WHERE para </a:t>
             </a:r>
             <a:r>
-              <a:rPr lang="en-US" b="0" i="0" dirty="0" err="1">
+              <a:rPr lang="en-US" sz="1800" b="0" i="0" dirty="0" err="1">
                 <a:solidFill>
                   <a:srgbClr val="0D0D0D"/>
                 </a:solidFill>
@@ -31226,7 +31248,7 @@
               <a:t>filtrar</a:t>
             </a:r>
             <a:r>
-              <a:rPr lang="en-US" b="0" i="0" dirty="0">
+              <a:rPr lang="en-US" sz="1800" b="0" i="0" dirty="0">
                 <a:solidFill>
                   <a:srgbClr val="0D0D0D"/>
                 </a:solidFill>
@@ -31239,7 +31261,7 @@
               <a:t> </a:t>
             </a:r>
             <a:r>
-              <a:rPr lang="en-US" b="0" i="0" dirty="0" err="1">
+              <a:rPr lang="en-US" sz="1800" b="0" i="0" dirty="0" err="1">
                 <a:solidFill>
                   <a:srgbClr val="0D0D0D"/>
                 </a:solidFill>
@@ -31252,7 +31274,7 @@
               <a:t>os</a:t>
             </a:r>
             <a:r>
-              <a:rPr lang="en-US" b="0" i="0" dirty="0">
+              <a:rPr lang="en-US" sz="1800" b="0" i="0" dirty="0">
                 <a:solidFill>
                   <a:srgbClr val="0D0D0D"/>
                 </a:solidFill>
@@ -31265,7 +31287,7 @@
               <a:t> </a:t>
             </a:r>
             <a:r>
-              <a:rPr lang="en-US" b="0" i="0" dirty="0" err="1">
+              <a:rPr lang="en-US" sz="1800" b="0" i="0" dirty="0" err="1">
                 <a:solidFill>
                   <a:srgbClr val="0D0D0D"/>
                 </a:solidFill>
@@ -31278,7 +31300,7 @@
               <a:t>registros</a:t>
             </a:r>
             <a:r>
-              <a:rPr lang="en-US" b="0" i="0" dirty="0">
+              <a:rPr lang="en-US" sz="1800" b="0" i="0" dirty="0">
                 <a:solidFill>
                   <a:srgbClr val="0D0D0D"/>
                 </a:solidFill>
@@ -31291,7 +31313,7 @@
               <a:t> com base </a:t>
             </a:r>
             <a:r>
-              <a:rPr lang="en-US" b="0" i="0" dirty="0" err="1">
+              <a:rPr lang="en-US" sz="1800" b="0" i="0" dirty="0" err="1">
                 <a:solidFill>
                   <a:srgbClr val="0D0D0D"/>
                 </a:solidFill>
@@ -31304,7 +31326,7 @@
               <a:t>em</a:t>
             </a:r>
             <a:r>
-              <a:rPr lang="en-US" b="0" i="0" dirty="0">
+              <a:rPr lang="en-US" sz="1800" b="0" i="0" dirty="0">
                 <a:solidFill>
                   <a:srgbClr val="0D0D0D"/>
                 </a:solidFill>
@@ -31317,7 +31339,7 @@
               <a:t> </a:t>
             </a:r>
             <a:r>
-              <a:rPr lang="en-US" b="0" i="0" dirty="0" err="1">
+              <a:rPr lang="en-US" sz="1800" b="0" i="0" dirty="0" err="1">
                 <a:solidFill>
                   <a:srgbClr val="0D0D0D"/>
                 </a:solidFill>
@@ -31330,7 +31352,7 @@
               <a:t>determinadas</a:t>
             </a:r>
             <a:r>
-              <a:rPr lang="en-US" b="0" i="0" dirty="0">
+              <a:rPr lang="en-US" sz="1800" b="0" i="0" dirty="0">
                 <a:solidFill>
                   <a:srgbClr val="0D0D0D"/>
                 </a:solidFill>
@@ -31343,7 +31365,7 @@
               <a:t> </a:t>
             </a:r>
             <a:r>
-              <a:rPr lang="en-US" b="0" i="0" dirty="0" err="1">
+              <a:rPr lang="en-US" sz="1800" b="0" i="0" dirty="0" err="1">
                 <a:solidFill>
                   <a:srgbClr val="0D0D0D"/>
                 </a:solidFill>
@@ -31356,7 +31378,7 @@
               <a:t>condições</a:t>
             </a:r>
             <a:r>
-              <a:rPr lang="en-US" b="0" i="0" dirty="0">
+              <a:rPr lang="en-US" sz="1800" b="0" i="0" dirty="0">
                 <a:solidFill>
                   <a:srgbClr val="0D0D0D"/>
                 </a:solidFill>
@@ -31369,7 +31391,7 @@
               <a:t>. A </a:t>
             </a:r>
             <a:r>
-              <a:rPr lang="en-US" b="0" i="0" dirty="0" err="1">
+              <a:rPr lang="en-US" sz="1800" b="0" i="0" dirty="0" err="1">
                 <a:solidFill>
                   <a:srgbClr val="0D0D0D"/>
                 </a:solidFill>
@@ -31382,7 +31404,7 @@
               <a:t>condição</a:t>
             </a:r>
             <a:r>
-              <a:rPr lang="en-US" b="0" i="0" dirty="0">
+              <a:rPr lang="en-US" sz="1800" b="0" i="0" dirty="0">
                 <a:solidFill>
                   <a:srgbClr val="0D0D0D"/>
                 </a:solidFill>
@@ -31395,7 +31417,7 @@
               <a:t> </a:t>
             </a:r>
             <a:r>
-              <a:rPr lang="en-US" b="0" i="0" dirty="0" err="1">
+              <a:rPr lang="en-US" sz="1800" b="0" i="0" dirty="0" err="1">
                 <a:solidFill>
                   <a:srgbClr val="0D0D0D"/>
                 </a:solidFill>
@@ -31408,7 +31430,7 @@
               <a:t>especificada</a:t>
             </a:r>
             <a:r>
-              <a:rPr lang="en-US" b="0" i="0" dirty="0">
+              <a:rPr lang="en-US" sz="1800" b="0" i="0" dirty="0">
                 <a:solidFill>
                   <a:srgbClr val="0D0D0D"/>
                 </a:solidFill>
@@ -31421,7 +31443,7 @@
               <a:t> no WHERE </a:t>
             </a:r>
             <a:r>
-              <a:rPr lang="en-US" b="0" i="0" dirty="0" err="1">
+              <a:rPr lang="en-US" sz="1800" b="0" i="0" dirty="0" err="1">
                 <a:solidFill>
                   <a:srgbClr val="0D0D0D"/>
                 </a:solidFill>
@@ -31434,7 +31456,7 @@
               <a:t>determina</a:t>
             </a:r>
             <a:r>
-              <a:rPr lang="en-US" b="0" i="0" dirty="0">
+              <a:rPr lang="en-US" sz="1800" b="0" i="0" dirty="0">
                 <a:solidFill>
                   <a:srgbClr val="0D0D0D"/>
                 </a:solidFill>
@@ -31447,7 +31469,7 @@
               <a:t> </a:t>
             </a:r>
             <a:r>
-              <a:rPr lang="en-US" b="0" i="0" dirty="0" err="1">
+              <a:rPr lang="en-US" sz="1800" b="0" i="0" dirty="0" err="1">
                 <a:solidFill>
                   <a:srgbClr val="0D0D0D"/>
                 </a:solidFill>
@@ -31460,7 +31482,7 @@
               <a:t>quais</a:t>
             </a:r>
             <a:r>
-              <a:rPr lang="en-US" b="0" i="0" dirty="0">
+              <a:rPr lang="en-US" sz="1800" b="0" i="0" dirty="0">
                 <a:solidFill>
                   <a:srgbClr val="0D0D0D"/>
                 </a:solidFill>
@@ -31473,7 +31495,7 @@
               <a:t> </a:t>
             </a:r>
             <a:r>
-              <a:rPr lang="en-US" b="0" i="0" dirty="0" err="1">
+              <a:rPr lang="en-US" sz="1800" b="0" i="0" dirty="0" err="1">
                 <a:solidFill>
                   <a:srgbClr val="0D0D0D"/>
                 </a:solidFill>
@@ -31486,7 +31508,7 @@
               <a:t>registros</a:t>
             </a:r>
             <a:r>
-              <a:rPr lang="en-US" b="0" i="0" dirty="0">
+              <a:rPr lang="en-US" sz="1800" b="0" i="0" dirty="0">
                 <a:solidFill>
                   <a:srgbClr val="0D0D0D"/>
                 </a:solidFill>
@@ -31499,7 +31521,7 @@
               <a:t> </a:t>
             </a:r>
             <a:r>
-              <a:rPr lang="en-US" b="0" i="0" dirty="0" err="1">
+              <a:rPr lang="en-US" sz="1800" b="0" i="0" dirty="0" err="1">
                 <a:solidFill>
                   <a:srgbClr val="0D0D0D"/>
                 </a:solidFill>
@@ -31512,7 +31534,7 @@
               <a:t>serão</a:t>
             </a:r>
             <a:r>
-              <a:rPr lang="en-US" b="0" i="0" dirty="0">
+              <a:rPr lang="en-US" sz="1800" b="0" i="0" dirty="0">
                 <a:solidFill>
                   <a:srgbClr val="0D0D0D"/>
                 </a:solidFill>
@@ -31525,7 +31547,7 @@
               <a:t> </a:t>
             </a:r>
             <a:r>
-              <a:rPr lang="en-US" b="0" i="0" dirty="0" err="1">
+              <a:rPr lang="en-US" sz="1800" b="0" i="0" dirty="0" err="1">
                 <a:solidFill>
                   <a:srgbClr val="0D0D0D"/>
                 </a:solidFill>
@@ -31538,7 +31560,7 @@
               <a:t>incluídos</a:t>
             </a:r>
             <a:r>
-              <a:rPr lang="en-US" b="0" i="0" dirty="0">
+              <a:rPr lang="en-US" sz="1800" b="0" i="0" dirty="0">
                 <a:solidFill>
                   <a:srgbClr val="0D0D0D"/>
                 </a:solidFill>
@@ -31551,7 +31573,7 @@
               <a:t> no </a:t>
             </a:r>
             <a:r>
-              <a:rPr lang="en-US" b="0" i="0" dirty="0" err="1">
+              <a:rPr lang="en-US" sz="1800" b="0" i="0" dirty="0" err="1">
                 <a:solidFill>
                   <a:srgbClr val="0D0D0D"/>
                 </a:solidFill>
@@ -31564,7 +31586,7 @@
               <a:t>resultado</a:t>
             </a:r>
             <a:r>
-              <a:rPr lang="en-US" b="0" i="0" dirty="0">
+              <a:rPr lang="en-US" sz="1800" b="0" i="0" dirty="0">
                 <a:solidFill>
                   <a:srgbClr val="0D0D0D"/>
                 </a:solidFill>
@@ -31583,7 +31605,7 @@
               <a:buAutoNum type="arabicPeriod"/>
             </a:pPr>
             <a:r>
-              <a:rPr lang="en-US" b="1" i="0" dirty="0">
+              <a:rPr lang="en-US" sz="1800" b="1" i="0" dirty="0">
                 <a:solidFill>
                   <a:srgbClr val="0D0D0D"/>
                 </a:solidFill>
@@ -31596,7 +31618,7 @@
               <a:t>GROUP BY</a:t>
             </a:r>
             <a:r>
-              <a:rPr lang="en-US" b="0" i="0" dirty="0">
+              <a:rPr lang="en-US" sz="1800" b="0" i="0" dirty="0">
                 <a:solidFill>
                   <a:srgbClr val="0D0D0D"/>
                 </a:solidFill>
@@ -31609,7 +31631,7 @@
               <a:t>: Se a consulta </a:t>
             </a:r>
             <a:r>
-              <a:rPr lang="en-US" b="0" i="0" dirty="0" err="1">
+              <a:rPr lang="en-US" sz="1800" b="0" i="0" dirty="0" err="1">
                 <a:solidFill>
                   <a:srgbClr val="0D0D0D"/>
                 </a:solidFill>
@@ -31622,7 +31644,7 @@
               <a:t>requer</a:t>
             </a:r>
             <a:r>
-              <a:rPr lang="en-US" b="0" i="0" dirty="0">
+              <a:rPr lang="en-US" sz="1800" b="0" i="0" dirty="0">
                 <a:solidFill>
                   <a:srgbClr val="0D0D0D"/>
                 </a:solidFill>
@@ -31635,7 +31657,7 @@
               <a:t> </a:t>
             </a:r>
             <a:r>
-              <a:rPr lang="en-US" b="0" i="0" dirty="0" err="1">
+              <a:rPr lang="en-US" sz="1800" b="0" i="0" dirty="0" err="1">
                 <a:solidFill>
                   <a:srgbClr val="0D0D0D"/>
                 </a:solidFill>
@@ -31648,7 +31670,7 @@
               <a:t>agrupamento</a:t>
             </a:r>
             <a:r>
-              <a:rPr lang="en-US" b="0" i="0" dirty="0">
+              <a:rPr lang="en-US" sz="1800" b="0" i="0" dirty="0">
                 <a:solidFill>
                   <a:srgbClr val="0D0D0D"/>
                 </a:solidFill>
@@ -31661,7 +31683,7 @@
               <a:t> de dados, a </a:t>
             </a:r>
             <a:r>
-              <a:rPr lang="en-US" b="0" i="0" dirty="0" err="1">
+              <a:rPr lang="en-US" sz="1800" b="0" i="0" dirty="0" err="1">
                 <a:solidFill>
                   <a:srgbClr val="0D0D0D"/>
                 </a:solidFill>
@@ -31674,7 +31696,7 @@
               <a:t>cláusula</a:t>
             </a:r>
             <a:r>
-              <a:rPr lang="en-US" b="0" i="0" dirty="0">
+              <a:rPr lang="en-US" sz="1800" b="0" i="0" dirty="0">
                 <a:solidFill>
                   <a:srgbClr val="0D0D0D"/>
                 </a:solidFill>
@@ -31687,7 +31709,7 @@
               <a:t> GROUP BY </a:t>
             </a:r>
             <a:r>
-              <a:rPr lang="en-US" b="0" i="0" dirty="0" err="1">
+              <a:rPr lang="en-US" sz="1800" b="0" i="0" dirty="0" err="1">
                 <a:solidFill>
                   <a:srgbClr val="0D0D0D"/>
                 </a:solidFill>
@@ -31700,7 +31722,7 @@
               <a:t>é</a:t>
             </a:r>
             <a:r>
-              <a:rPr lang="en-US" b="0" i="0" dirty="0">
+              <a:rPr lang="en-US" sz="1800" b="0" i="0" dirty="0">
                 <a:solidFill>
                   <a:srgbClr val="0D0D0D"/>
                 </a:solidFill>
@@ -31713,7 +31735,7 @@
               <a:t> </a:t>
             </a:r>
             <a:r>
-              <a:rPr lang="en-US" b="0" i="0" dirty="0" err="1">
+              <a:rPr lang="en-US" sz="1800" b="0" i="0" dirty="0" err="1">
                 <a:solidFill>
                   <a:srgbClr val="0D0D0D"/>
                 </a:solidFill>
@@ -31726,7 +31748,7 @@
               <a:t>usada</a:t>
             </a:r>
             <a:r>
-              <a:rPr lang="en-US" b="0" i="0" dirty="0">
+              <a:rPr lang="en-US" sz="1800" b="0" i="0" dirty="0">
                 <a:solidFill>
                   <a:srgbClr val="0D0D0D"/>
                 </a:solidFill>
@@ -31739,7 +31761,7 @@
               <a:t> para </a:t>
             </a:r>
             <a:r>
-              <a:rPr lang="en-US" b="0" i="0" dirty="0" err="1">
+              <a:rPr lang="en-US" sz="1800" b="0" i="0" dirty="0" err="1">
                 <a:solidFill>
                   <a:srgbClr val="0D0D0D"/>
                 </a:solidFill>
@@ -31752,7 +31774,7 @@
               <a:t>agrupar</a:t>
             </a:r>
             <a:r>
-              <a:rPr lang="en-US" b="0" i="0" dirty="0">
+              <a:rPr lang="en-US" sz="1800" b="0" i="0" dirty="0">
                 <a:solidFill>
                   <a:srgbClr val="0D0D0D"/>
                 </a:solidFill>
@@ -31765,7 +31787,7 @@
               <a:t> </a:t>
             </a:r>
             <a:r>
-              <a:rPr lang="en-US" b="0" i="0" dirty="0" err="1">
+              <a:rPr lang="en-US" sz="1800" b="0" i="0" dirty="0" err="1">
                 <a:solidFill>
                   <a:srgbClr val="0D0D0D"/>
                 </a:solidFill>
@@ -31778,7 +31800,7 @@
               <a:t>os</a:t>
             </a:r>
             <a:r>
-              <a:rPr lang="en-US" b="0" i="0" dirty="0">
+              <a:rPr lang="en-US" sz="1800" b="0" i="0" dirty="0">
                 <a:solidFill>
                   <a:srgbClr val="0D0D0D"/>
                 </a:solidFill>
@@ -31791,7 +31813,7 @@
               <a:t> </a:t>
             </a:r>
             <a:r>
-              <a:rPr lang="en-US" b="0" i="0" dirty="0" err="1">
+              <a:rPr lang="en-US" sz="1800" b="0" i="0" dirty="0" err="1">
                 <a:solidFill>
                   <a:srgbClr val="0D0D0D"/>
                 </a:solidFill>
@@ -31804,7 +31826,7 @@
               <a:t>registros</a:t>
             </a:r>
             <a:r>
-              <a:rPr lang="en-US" b="0" i="0" dirty="0">
+              <a:rPr lang="en-US" sz="1800" b="0" i="0" dirty="0">
                 <a:solidFill>
                   <a:srgbClr val="0D0D0D"/>
                 </a:solidFill>
@@ -31817,7 +31839,7 @@
               <a:t> </a:t>
             </a:r>
             <a:r>
-              <a:rPr lang="en-US" b="0" i="0" dirty="0" err="1">
+              <a:rPr lang="en-US" sz="1800" b="0" i="0" dirty="0" err="1">
                 <a:solidFill>
                   <a:srgbClr val="0D0D0D"/>
                 </a:solidFill>
@@ -31830,7 +31852,7 @@
               <a:t>em</a:t>
             </a:r>
             <a:r>
-              <a:rPr lang="en-US" b="0" i="0" dirty="0">
+              <a:rPr lang="en-US" sz="1800" b="0" i="0" dirty="0">
                 <a:solidFill>
                   <a:srgbClr val="0D0D0D"/>
                 </a:solidFill>
@@ -31843,7 +31865,7 @@
               <a:t> conjunto com base </a:t>
             </a:r>
             <a:r>
-              <a:rPr lang="en-US" b="0" i="0" dirty="0" err="1">
+              <a:rPr lang="en-US" sz="1800" b="0" i="0" dirty="0" err="1">
                 <a:solidFill>
                   <a:srgbClr val="0D0D0D"/>
                 </a:solidFill>
@@ -31856,7 +31878,7 @@
               <a:t>em</a:t>
             </a:r>
             <a:r>
-              <a:rPr lang="en-US" b="0" i="0" dirty="0">
+              <a:rPr lang="en-US" sz="1800" b="0" i="0" dirty="0">
                 <a:solidFill>
                   <a:srgbClr val="0D0D0D"/>
                 </a:solidFill>
@@ -31869,7 +31891,7 @@
               <a:t> </a:t>
             </a:r>
             <a:r>
-              <a:rPr lang="en-US" b="0" i="0" dirty="0" err="1">
+              <a:rPr lang="en-US" sz="1800" b="0" i="0" dirty="0" err="1">
                 <a:solidFill>
                   <a:srgbClr val="0D0D0D"/>
                 </a:solidFill>
@@ -31882,7 +31904,7 @@
               <a:t>uma</a:t>
             </a:r>
             <a:r>
-              <a:rPr lang="en-US" b="0" i="0" dirty="0">
+              <a:rPr lang="en-US" sz="1800" b="0" i="0" dirty="0">
                 <a:solidFill>
                   <a:srgbClr val="0D0D0D"/>
                 </a:solidFill>
@@ -31895,7 +31917,7 @@
               <a:t> </a:t>
             </a:r>
             <a:r>
-              <a:rPr lang="en-US" b="0" i="0" dirty="0" err="1">
+              <a:rPr lang="en-US" sz="1800" b="0" i="0" dirty="0" err="1">
                 <a:solidFill>
                   <a:srgbClr val="0D0D0D"/>
                 </a:solidFill>
@@ -31908,7 +31930,7 @@
               <a:t>ou</a:t>
             </a:r>
             <a:r>
-              <a:rPr lang="en-US" b="0" i="0" dirty="0">
+              <a:rPr lang="en-US" sz="1800" b="0" i="0" dirty="0">
                 <a:solidFill>
                   <a:srgbClr val="0D0D0D"/>
                 </a:solidFill>
@@ -31921,7 +31943,7 @@
               <a:t> </a:t>
             </a:r>
             <a:r>
-              <a:rPr lang="en-US" b="0" i="0" dirty="0" err="1">
+              <a:rPr lang="en-US" sz="1800" b="0" i="0" dirty="0" err="1">
                 <a:solidFill>
                   <a:srgbClr val="0D0D0D"/>
                 </a:solidFill>
@@ -31934,7 +31956,7 @@
               <a:t>mais</a:t>
             </a:r>
             <a:r>
-              <a:rPr lang="en-US" b="0" i="0" dirty="0">
+              <a:rPr lang="en-US" sz="1800" b="0" i="0" dirty="0">
                 <a:solidFill>
                   <a:srgbClr val="0D0D0D"/>
                 </a:solidFill>
@@ -31947,7 +31969,7 @@
               <a:t> </a:t>
             </a:r>
             <a:r>
-              <a:rPr lang="en-US" b="0" i="0" dirty="0" err="1">
+              <a:rPr lang="en-US" sz="1800" b="0" i="0" dirty="0" err="1">
                 <a:solidFill>
                   <a:srgbClr val="0D0D0D"/>
                 </a:solidFill>
@@ -31960,7 +31982,7 @@
               <a:t>colunas</a:t>
             </a:r>
             <a:r>
-              <a:rPr lang="en-US" b="0" i="0" dirty="0">
+              <a:rPr lang="en-US" sz="1800" b="0" i="0" dirty="0">
                 <a:solidFill>
                   <a:srgbClr val="0D0D0D"/>
                 </a:solidFill>
@@ -31973,7 +31995,7 @@
               <a:t>. </a:t>
             </a:r>
             <a:r>
-              <a:rPr lang="en-US" b="0" i="0" dirty="0" err="1">
+              <a:rPr lang="en-US" sz="1800" b="0" i="0" dirty="0" err="1">
                 <a:solidFill>
                   <a:srgbClr val="0D0D0D"/>
                 </a:solidFill>
@@ -31986,7 +32008,7 @@
               <a:t>Isso</a:t>
             </a:r>
             <a:r>
-              <a:rPr lang="en-US" b="0" i="0" dirty="0">
+              <a:rPr lang="en-US" sz="1800" b="0" i="0" dirty="0">
                 <a:solidFill>
                   <a:srgbClr val="0D0D0D"/>
                 </a:solidFill>
@@ -31999,7 +32021,7 @@
               <a:t> </a:t>
             </a:r>
             <a:r>
-              <a:rPr lang="en-US" b="0" i="0" dirty="0" err="1">
+              <a:rPr lang="en-US" sz="1800" b="0" i="0" dirty="0" err="1">
                 <a:solidFill>
                   <a:srgbClr val="0D0D0D"/>
                 </a:solidFill>
@@ -32012,7 +32034,7 @@
               <a:t>cria</a:t>
             </a:r>
             <a:r>
-              <a:rPr lang="en-US" b="0" i="0" dirty="0">
+              <a:rPr lang="en-US" sz="1800" b="0" i="0" dirty="0">
                 <a:solidFill>
                   <a:srgbClr val="0D0D0D"/>
                 </a:solidFill>
@@ -32025,7 +32047,7 @@
               <a:t> </a:t>
             </a:r>
             <a:r>
-              <a:rPr lang="en-US" b="0" i="0" dirty="0" err="1">
+              <a:rPr lang="en-US" sz="1800" b="0" i="0" dirty="0" err="1">
                 <a:solidFill>
                   <a:srgbClr val="0D0D0D"/>
                 </a:solidFill>
@@ -32038,7 +32060,7 @@
               <a:t>grupos</a:t>
             </a:r>
             <a:r>
-              <a:rPr lang="en-US" b="0" i="0" dirty="0">
+              <a:rPr lang="en-US" sz="1800" b="0" i="0" dirty="0">
                 <a:solidFill>
                   <a:srgbClr val="0D0D0D"/>
                 </a:solidFill>
@@ -32051,7 +32073,7 @@
               <a:t> de </a:t>
             </a:r>
             <a:r>
-              <a:rPr lang="en-US" b="0" i="0" dirty="0" err="1">
+              <a:rPr lang="en-US" sz="1800" b="0" i="0" dirty="0" err="1">
                 <a:solidFill>
                   <a:srgbClr val="0D0D0D"/>
                 </a:solidFill>
@@ -32064,7 +32086,7 @@
               <a:t>registros</a:t>
             </a:r>
             <a:r>
-              <a:rPr lang="en-US" b="0" i="0" dirty="0">
+              <a:rPr lang="en-US" sz="1800" b="0" i="0" dirty="0">
                 <a:solidFill>
                   <a:srgbClr val="0D0D0D"/>
                 </a:solidFill>
@@ -32077,7 +32099,7 @@
               <a:t> com </a:t>
             </a:r>
             <a:r>
-              <a:rPr lang="en-US" b="0" i="0" dirty="0" err="1">
+              <a:rPr lang="en-US" sz="1800" b="0" i="0" dirty="0" err="1">
                 <a:solidFill>
                   <a:srgbClr val="0D0D0D"/>
                 </a:solidFill>
@@ -32090,7 +32112,7 @@
               <a:t>valores</a:t>
             </a:r>
             <a:r>
-              <a:rPr lang="en-US" b="0" i="0" dirty="0">
+              <a:rPr lang="en-US" sz="1800" b="0" i="0" dirty="0">
                 <a:solidFill>
                   <a:srgbClr val="0D0D0D"/>
                 </a:solidFill>
@@ -32103,7 +32125,7 @@
               <a:t> </a:t>
             </a:r>
             <a:r>
-              <a:rPr lang="en-US" b="0" i="0" dirty="0" err="1">
+              <a:rPr lang="en-US" sz="1800" b="0" i="0" dirty="0" err="1">
                 <a:solidFill>
                   <a:srgbClr val="0D0D0D"/>
                 </a:solidFill>
@@ -32116,7 +32138,7 @@
               <a:t>semelhantes</a:t>
             </a:r>
             <a:r>
-              <a:rPr lang="en-US" b="0" i="0" dirty="0">
+              <a:rPr lang="en-US" sz="1800" b="0" i="0" dirty="0">
                 <a:solidFill>
                   <a:srgbClr val="0D0D0D"/>
                 </a:solidFill>
@@ -32129,7 +32151,7 @@
               <a:t> </a:t>
             </a:r>
             <a:r>
-              <a:rPr lang="en-US" b="0" i="0" dirty="0" err="1">
+              <a:rPr lang="en-US" sz="1800" b="0" i="0" dirty="0" err="1">
                 <a:solidFill>
                   <a:srgbClr val="0D0D0D"/>
                 </a:solidFill>
@@ -32142,7 +32164,7 @@
               <a:t>em</a:t>
             </a:r>
             <a:r>
-              <a:rPr lang="en-US" b="0" i="0" dirty="0">
+              <a:rPr lang="en-US" sz="1800" b="0" i="0" dirty="0">
                 <a:solidFill>
                   <a:srgbClr val="0D0D0D"/>
                 </a:solidFill>
@@ -32155,7 +32177,7 @@
               <a:t> </a:t>
             </a:r>
             <a:r>
-              <a:rPr lang="en-US" b="0" i="0" dirty="0" err="1">
+              <a:rPr lang="en-US" sz="1800" b="0" i="0" dirty="0" err="1">
                 <a:solidFill>
                   <a:srgbClr val="0D0D0D"/>
                 </a:solidFill>
@@ -32168,7 +32190,7 @@
               <a:t>colunas</a:t>
             </a:r>
             <a:r>
-              <a:rPr lang="en-US" b="0" i="0" dirty="0">
+              <a:rPr lang="en-US" sz="1800" b="0" i="0" dirty="0">
                 <a:solidFill>
                   <a:srgbClr val="0D0D0D"/>
                 </a:solidFill>
@@ -32181,7 +32203,7 @@
               <a:t> </a:t>
             </a:r>
             <a:r>
-              <a:rPr lang="en-US" b="0" i="0" dirty="0" err="1">
+              <a:rPr lang="en-US" sz="1800" b="0" i="0" dirty="0" err="1">
                 <a:solidFill>
                   <a:srgbClr val="0D0D0D"/>
                 </a:solidFill>
@@ -32194,7 +32216,7 @@
               <a:t>específicas</a:t>
             </a:r>
             <a:r>
-              <a:rPr lang="en-US" b="0" i="0" dirty="0">
+              <a:rPr lang="en-US" sz="1800" b="0" i="0" dirty="0">
                 <a:solidFill>
                   <a:srgbClr val="0D0D0D"/>
                 </a:solidFill>
@@ -32213,7 +32235,7 @@
               <a:buAutoNum type="arabicPeriod"/>
             </a:pPr>
             <a:r>
-              <a:rPr lang="en-US" b="1" i="0" dirty="0">
+              <a:rPr lang="en-US" sz="1800" b="1" i="0" dirty="0">
                 <a:solidFill>
                   <a:srgbClr val="0D0D0D"/>
                 </a:solidFill>
@@ -32226,7 +32248,7 @@
               <a:t>HAVING</a:t>
             </a:r>
             <a:r>
-              <a:rPr lang="en-US" b="0" i="0" dirty="0">
+              <a:rPr lang="en-US" sz="1800" b="0" i="0" dirty="0">
                 <a:solidFill>
                   <a:srgbClr val="0D0D0D"/>
                 </a:solidFill>
@@ -32239,7 +32261,7 @@
               <a:t>: Similar </a:t>
             </a:r>
             <a:r>
-              <a:rPr lang="en-US" b="0" i="0" dirty="0" err="1">
+              <a:rPr lang="en-US" sz="1800" b="0" i="0" dirty="0" err="1">
                 <a:solidFill>
                   <a:srgbClr val="0D0D0D"/>
                 </a:solidFill>
@@ -32252,7 +32274,7 @@
               <a:t>à</a:t>
             </a:r>
             <a:r>
-              <a:rPr lang="en-US" b="0" i="0" dirty="0">
+              <a:rPr lang="en-US" sz="1800" b="0" i="0" dirty="0">
                 <a:solidFill>
                   <a:srgbClr val="0D0D0D"/>
                 </a:solidFill>
@@ -32265,7 +32287,7 @@
               <a:t> </a:t>
             </a:r>
             <a:r>
-              <a:rPr lang="en-US" b="0" i="0" dirty="0" err="1">
+              <a:rPr lang="en-US" sz="1800" b="0" i="0" dirty="0" err="1">
                 <a:solidFill>
                   <a:srgbClr val="0D0D0D"/>
                 </a:solidFill>
@@ -32278,7 +32300,7 @@
               <a:t>cláusula</a:t>
             </a:r>
             <a:r>
-              <a:rPr lang="en-US" b="0" i="0" dirty="0">
+              <a:rPr lang="en-US" sz="1800" b="0" i="0" dirty="0">
                 <a:solidFill>
                   <a:srgbClr val="0D0D0D"/>
                 </a:solidFill>
@@ -32291,7 +32313,7 @@
               <a:t> WHERE, a </a:t>
             </a:r>
             <a:r>
-              <a:rPr lang="en-US" b="0" i="0" dirty="0" err="1">
+              <a:rPr lang="en-US" sz="1800" b="0" i="0" dirty="0" err="1">
                 <a:solidFill>
                   <a:srgbClr val="0D0D0D"/>
                 </a:solidFill>
@@ -32304,7 +32326,7 @@
               <a:t>cláusula</a:t>
             </a:r>
             <a:r>
-              <a:rPr lang="en-US" b="0" i="0" dirty="0">
+              <a:rPr lang="en-US" sz="1800" b="0" i="0" dirty="0">
                 <a:solidFill>
                   <a:srgbClr val="0D0D0D"/>
                 </a:solidFill>
@@ -32317,7 +32339,7 @@
               <a:t> HAVING </a:t>
             </a:r>
             <a:r>
-              <a:rPr lang="en-US" b="0" i="0" dirty="0" err="1">
+              <a:rPr lang="en-US" sz="1800" b="0" i="0" dirty="0" err="1">
                 <a:solidFill>
                   <a:srgbClr val="0D0D0D"/>
                 </a:solidFill>
@@ -32330,7 +32352,7 @@
               <a:t>é</a:t>
             </a:r>
             <a:r>
-              <a:rPr lang="en-US" b="0" i="0" dirty="0">
+              <a:rPr lang="en-US" sz="1800" b="0" i="0" dirty="0">
                 <a:solidFill>
                   <a:srgbClr val="0D0D0D"/>
                 </a:solidFill>
@@ -32343,7 +32365,7 @@
               <a:t> </a:t>
             </a:r>
             <a:r>
-              <a:rPr lang="en-US" b="0" i="0" dirty="0" err="1">
+              <a:rPr lang="en-US" sz="1800" b="0" i="0" dirty="0" err="1">
                 <a:solidFill>
                   <a:srgbClr val="0D0D0D"/>
                 </a:solidFill>
@@ -32356,7 +32378,7 @@
               <a:t>usada</a:t>
             </a:r>
             <a:r>
-              <a:rPr lang="en-US" b="0" i="0" dirty="0">
+              <a:rPr lang="en-US" sz="1800" b="0" i="0" dirty="0">
                 <a:solidFill>
                   <a:srgbClr val="0D0D0D"/>
                 </a:solidFill>
@@ -32369,7 +32391,7 @@
               <a:t> para </a:t>
             </a:r>
             <a:r>
-              <a:rPr lang="en-US" b="0" i="0" dirty="0" err="1">
+              <a:rPr lang="en-US" sz="1800" b="0" i="0" dirty="0" err="1">
                 <a:solidFill>
                   <a:srgbClr val="0D0D0D"/>
                 </a:solidFill>
@@ -32382,7 +32404,7 @@
               <a:t>filtrar</a:t>
             </a:r>
             <a:r>
-              <a:rPr lang="en-US" b="0" i="0" dirty="0">
+              <a:rPr lang="en-US" sz="1800" b="0" i="0" dirty="0">
                 <a:solidFill>
                   <a:srgbClr val="0D0D0D"/>
                 </a:solidFill>
@@ -32395,7 +32417,7 @@
               <a:t> </a:t>
             </a:r>
             <a:r>
-              <a:rPr lang="en-US" b="0" i="0" dirty="0" err="1">
+              <a:rPr lang="en-US" sz="1800" b="0" i="0" dirty="0" err="1">
                 <a:solidFill>
                   <a:srgbClr val="0D0D0D"/>
                 </a:solidFill>
@@ -32408,7 +32430,7 @@
               <a:t>registros</a:t>
             </a:r>
             <a:r>
-              <a:rPr lang="en-US" b="0" i="0" dirty="0">
+              <a:rPr lang="en-US" sz="1800" b="0" i="0" dirty="0">
                 <a:solidFill>
                   <a:srgbClr val="0D0D0D"/>
                 </a:solidFill>
@@ -32421,7 +32443,7 @@
               <a:t> </a:t>
             </a:r>
             <a:r>
-              <a:rPr lang="en-US" b="0" i="0" dirty="0" err="1">
+              <a:rPr lang="en-US" sz="1800" b="0" i="0" dirty="0" err="1">
                 <a:solidFill>
                   <a:srgbClr val="0D0D0D"/>
                 </a:solidFill>
@@ -32434,7 +32456,7 @@
               <a:t>após</a:t>
             </a:r>
             <a:r>
-              <a:rPr lang="en-US" b="0" i="0" dirty="0">
+              <a:rPr lang="en-US" sz="1800" b="0" i="0" dirty="0">
                 <a:solidFill>
                   <a:srgbClr val="0D0D0D"/>
                 </a:solidFill>
@@ -32447,7 +32469,7 @@
               <a:t> o </a:t>
             </a:r>
             <a:r>
-              <a:rPr lang="en-US" b="0" i="0" dirty="0" err="1">
+              <a:rPr lang="en-US" sz="1800" b="0" i="0" dirty="0" err="1">
                 <a:solidFill>
                   <a:srgbClr val="0D0D0D"/>
                 </a:solidFill>
@@ -32460,7 +32482,7 @@
               <a:t>agrupamento</a:t>
             </a:r>
             <a:r>
-              <a:rPr lang="en-US" b="0" i="0" dirty="0">
+              <a:rPr lang="en-US" sz="1800" b="0" i="0" dirty="0">
                 <a:solidFill>
                   <a:srgbClr val="0D0D0D"/>
                 </a:solidFill>
@@ -32473,7 +32495,7 @@
               <a:t> </a:t>
             </a:r>
             <a:r>
-              <a:rPr lang="en-US" b="0" i="0" dirty="0" err="1">
+              <a:rPr lang="en-US" sz="1800" b="0" i="0" dirty="0" err="1">
                 <a:solidFill>
                   <a:srgbClr val="0D0D0D"/>
                 </a:solidFill>
@@ -32486,7 +32508,7 @@
               <a:t>ter</a:t>
             </a:r>
             <a:r>
-              <a:rPr lang="en-US" b="0" i="0" dirty="0">
+              <a:rPr lang="en-US" sz="1800" b="0" i="0" dirty="0">
                 <a:solidFill>
                   <a:srgbClr val="0D0D0D"/>
                 </a:solidFill>
@@ -32499,7 +32521,7 @@
               <a:t> </a:t>
             </a:r>
             <a:r>
-              <a:rPr lang="en-US" b="0" i="0" dirty="0" err="1">
+              <a:rPr lang="en-US" sz="1800" b="0" i="0" dirty="0" err="1">
                 <a:solidFill>
                   <a:srgbClr val="0D0D0D"/>
                 </a:solidFill>
@@ -32512,7 +32534,7 @@
               <a:t>sido</a:t>
             </a:r>
             <a:r>
-              <a:rPr lang="en-US" b="0" i="0" dirty="0">
+              <a:rPr lang="en-US" sz="1800" b="0" i="0" dirty="0">
                 <a:solidFill>
                   <a:srgbClr val="0D0D0D"/>
                 </a:solidFill>
@@ -32525,7 +32547,7 @@
               <a:t> </a:t>
             </a:r>
             <a:r>
-              <a:rPr lang="en-US" b="0" i="0" dirty="0" err="1">
+              <a:rPr lang="en-US" sz="1800" b="0" i="0" dirty="0" err="1">
                 <a:solidFill>
                   <a:srgbClr val="0D0D0D"/>
                 </a:solidFill>
@@ -32538,7 +32560,7 @@
               <a:t>aplicado</a:t>
             </a:r>
             <a:r>
-              <a:rPr lang="en-US" b="0" i="0" dirty="0">
+              <a:rPr lang="en-US" sz="1800" b="0" i="0" dirty="0">
                 <a:solidFill>
                   <a:srgbClr val="0D0D0D"/>
                 </a:solidFill>
@@ -32551,7 +32573,7 @@
               <a:t> </a:t>
             </a:r>
             <a:r>
-              <a:rPr lang="en-US" b="0" i="0" dirty="0" err="1">
+              <a:rPr lang="en-US" sz="1800" b="0" i="0" dirty="0" err="1">
                 <a:solidFill>
                   <a:srgbClr val="0D0D0D"/>
                 </a:solidFill>
@@ -32564,7 +32586,7 @@
               <a:t>usando</a:t>
             </a:r>
             <a:r>
-              <a:rPr lang="en-US" b="0" i="0" dirty="0">
+              <a:rPr lang="en-US" sz="1800" b="0" i="0" dirty="0">
                 <a:solidFill>
                   <a:srgbClr val="0D0D0D"/>
                 </a:solidFill>
@@ -32577,7 +32599,7 @@
               <a:t> a </a:t>
             </a:r>
             <a:r>
-              <a:rPr lang="en-US" b="0" i="0" dirty="0" err="1">
+              <a:rPr lang="en-US" sz="1800" b="0" i="0" dirty="0" err="1">
                 <a:solidFill>
                   <a:srgbClr val="0D0D0D"/>
                 </a:solidFill>
@@ -32590,7 +32612,7 @@
               <a:t>cláusula</a:t>
             </a:r>
             <a:r>
-              <a:rPr lang="en-US" b="0" i="0" dirty="0">
+              <a:rPr lang="en-US" sz="1800" b="0" i="0" dirty="0">
                 <a:solidFill>
                   <a:srgbClr val="0D0D0D"/>
                 </a:solidFill>
@@ -32603,7 +32625,7 @@
               <a:t> GROUP BY. A </a:t>
             </a:r>
             <a:r>
-              <a:rPr lang="en-US" b="0" i="0" dirty="0" err="1">
+              <a:rPr lang="en-US" sz="1800" b="0" i="0" dirty="0" err="1">
                 <a:solidFill>
                   <a:srgbClr val="0D0D0D"/>
                 </a:solidFill>
@@ -32616,7 +32638,7 @@
               <a:t>diferença</a:t>
             </a:r>
             <a:r>
-              <a:rPr lang="en-US" b="0" i="0" dirty="0">
+              <a:rPr lang="en-US" sz="1800" b="0" i="0" dirty="0">
                 <a:solidFill>
                   <a:srgbClr val="0D0D0D"/>
                 </a:solidFill>
@@ -32629,7 +32651,7 @@
               <a:t> </a:t>
             </a:r>
             <a:r>
-              <a:rPr lang="en-US" b="0" i="0" dirty="0" err="1">
+              <a:rPr lang="en-US" sz="1800" b="0" i="0" dirty="0" err="1">
                 <a:solidFill>
                   <a:srgbClr val="0D0D0D"/>
                 </a:solidFill>
@@ -32642,7 +32664,7 @@
               <a:t>é</a:t>
             </a:r>
             <a:r>
-              <a:rPr lang="en-US" b="0" i="0" dirty="0">
+              <a:rPr lang="en-US" sz="1800" b="0" i="0" dirty="0">
                 <a:solidFill>
                   <a:srgbClr val="0D0D0D"/>
                 </a:solidFill>
@@ -32655,7 +32677,7 @@
               <a:t> que a </a:t>
             </a:r>
             <a:r>
-              <a:rPr lang="en-US" b="0" i="0" dirty="0" err="1">
+              <a:rPr lang="en-US" sz="1800" b="0" i="0" dirty="0" err="1">
                 <a:solidFill>
                   <a:srgbClr val="0D0D0D"/>
                 </a:solidFill>
@@ -32668,7 +32690,7 @@
               <a:t>cláusula</a:t>
             </a:r>
             <a:r>
-              <a:rPr lang="en-US" b="0" i="0" dirty="0">
+              <a:rPr lang="en-US" sz="1800" b="0" i="0" dirty="0">
                 <a:solidFill>
                   <a:srgbClr val="0D0D0D"/>
                 </a:solidFill>
@@ -32681,7 +32703,7 @@
               <a:t> HAVING </a:t>
             </a:r>
             <a:r>
-              <a:rPr lang="en-US" b="0" i="0" dirty="0" err="1">
+              <a:rPr lang="en-US" sz="1800" b="0" i="0" dirty="0" err="1">
                 <a:solidFill>
                   <a:srgbClr val="0D0D0D"/>
                 </a:solidFill>
@@ -32694,7 +32716,7 @@
               <a:t>é</a:t>
             </a:r>
             <a:r>
-              <a:rPr lang="en-US" b="0" i="0" dirty="0">
+              <a:rPr lang="en-US" sz="1800" b="0" i="0" dirty="0">
                 <a:solidFill>
                   <a:srgbClr val="0D0D0D"/>
                 </a:solidFill>
@@ -32707,7 +32729,7 @@
               <a:t> </a:t>
             </a:r>
             <a:r>
-              <a:rPr lang="en-US" b="0" i="0" dirty="0" err="1">
+              <a:rPr lang="en-US" sz="1800" b="0" i="0" dirty="0" err="1">
                 <a:solidFill>
                   <a:srgbClr val="0D0D0D"/>
                 </a:solidFill>
@@ -32720,7 +32742,7 @@
               <a:t>aplicada</a:t>
             </a:r>
             <a:r>
-              <a:rPr lang="en-US" b="0" i="0" dirty="0">
+              <a:rPr lang="en-US" sz="1800" b="0" i="0" dirty="0">
                 <a:solidFill>
                   <a:srgbClr val="0D0D0D"/>
                 </a:solidFill>
@@ -32733,7 +32755,7 @@
               <a:t> a </a:t>
             </a:r>
             <a:r>
-              <a:rPr lang="en-US" b="0" i="0" dirty="0" err="1">
+              <a:rPr lang="en-US" sz="1800" b="0" i="0" dirty="0" err="1">
                 <a:solidFill>
                   <a:srgbClr val="0D0D0D"/>
                 </a:solidFill>
@@ -32746,7 +32768,7 @@
               <a:t>grupos</a:t>
             </a:r>
             <a:r>
-              <a:rPr lang="en-US" b="0" i="0" dirty="0">
+              <a:rPr lang="en-US" sz="1800" b="0" i="0" dirty="0">
                 <a:solidFill>
                   <a:srgbClr val="0D0D0D"/>
                 </a:solidFill>
@@ -32759,7 +32781,7 @@
               <a:t> de </a:t>
             </a:r>
             <a:r>
-              <a:rPr lang="en-US" b="0" i="0" dirty="0" err="1">
+              <a:rPr lang="en-US" sz="1800" b="0" i="0" dirty="0" err="1">
                 <a:solidFill>
                   <a:srgbClr val="0D0D0D"/>
                 </a:solidFill>
@@ -32772,7 +32794,7 @@
               <a:t>registros</a:t>
             </a:r>
             <a:r>
-              <a:rPr lang="en-US" b="0" i="0" dirty="0">
+              <a:rPr lang="en-US" sz="1800" b="0" i="0" dirty="0">
                 <a:solidFill>
                   <a:srgbClr val="0D0D0D"/>
                 </a:solidFill>
@@ -32785,7 +32807,7 @@
               <a:t>, </a:t>
             </a:r>
             <a:r>
-              <a:rPr lang="en-US" b="0" i="0" dirty="0" err="1">
+              <a:rPr lang="en-US" sz="1800" b="0" i="0" dirty="0" err="1">
                 <a:solidFill>
                   <a:srgbClr val="0D0D0D"/>
                 </a:solidFill>
@@ -32798,7 +32820,7 @@
               <a:t>enquanto</a:t>
             </a:r>
             <a:r>
-              <a:rPr lang="en-US" b="0" i="0" dirty="0">
+              <a:rPr lang="en-US" sz="1800" b="0" i="0" dirty="0">
                 <a:solidFill>
                   <a:srgbClr val="0D0D0D"/>
                 </a:solidFill>
@@ -32811,7 +32833,7 @@
               <a:t> a </a:t>
             </a:r>
             <a:r>
-              <a:rPr lang="en-US" b="0" i="0" dirty="0" err="1">
+              <a:rPr lang="en-US" sz="1800" b="0" i="0" dirty="0" err="1">
                 <a:solidFill>
                   <a:srgbClr val="0D0D0D"/>
                 </a:solidFill>
@@ -32824,7 +32846,7 @@
               <a:t>cláusula</a:t>
             </a:r>
             <a:r>
-              <a:rPr lang="en-US" b="0" i="0" dirty="0">
+              <a:rPr lang="en-US" sz="1800" b="0" i="0" dirty="0">
                 <a:solidFill>
                   <a:srgbClr val="0D0D0D"/>
                 </a:solidFill>
@@ -32837,7 +32859,7 @@
               <a:t> WHERE </a:t>
             </a:r>
             <a:r>
-              <a:rPr lang="en-US" b="0" i="0" dirty="0" err="1">
+              <a:rPr lang="en-US" sz="1800" b="0" i="0" dirty="0" err="1">
                 <a:solidFill>
                   <a:srgbClr val="0D0D0D"/>
                 </a:solidFill>
@@ -32850,7 +32872,7 @@
               <a:t>é</a:t>
             </a:r>
             <a:r>
-              <a:rPr lang="en-US" b="0" i="0" dirty="0">
+              <a:rPr lang="en-US" sz="1800" b="0" i="0" dirty="0">
                 <a:solidFill>
                   <a:srgbClr val="0D0D0D"/>
                 </a:solidFill>
@@ -32863,7 +32885,7 @@
               <a:t> </a:t>
             </a:r>
             <a:r>
-              <a:rPr lang="en-US" b="0" i="0" dirty="0" err="1">
+              <a:rPr lang="en-US" sz="1800" b="0" i="0" dirty="0" err="1">
                 <a:solidFill>
                   <a:srgbClr val="0D0D0D"/>
                 </a:solidFill>
@@ -32876,7 +32898,7 @@
               <a:t>aplicada</a:t>
             </a:r>
             <a:r>
-              <a:rPr lang="en-US" b="0" i="0" dirty="0">
+              <a:rPr lang="en-US" sz="1800" b="0" i="0" dirty="0">
                 <a:solidFill>
                   <a:srgbClr val="0D0D0D"/>
                 </a:solidFill>
@@ -32889,7 +32911,7 @@
               <a:t> a </a:t>
             </a:r>
             <a:r>
-              <a:rPr lang="en-US" b="0" i="0" dirty="0" err="1">
+              <a:rPr lang="en-US" sz="1800" b="0" i="0" dirty="0" err="1">
                 <a:solidFill>
                   <a:srgbClr val="0D0D0D"/>
                 </a:solidFill>
@@ -32902,7 +32924,7 @@
               <a:t>registros</a:t>
             </a:r>
             <a:r>
-              <a:rPr lang="en-US" b="0" i="0" dirty="0">
+              <a:rPr lang="en-US" sz="1800" b="0" i="0" dirty="0">
                 <a:solidFill>
                   <a:srgbClr val="0D0D0D"/>
                 </a:solidFill>
@@ -32915,7 +32937,7 @@
               <a:t> </a:t>
             </a:r>
             <a:r>
-              <a:rPr lang="en-US" b="0" i="0" dirty="0" err="1">
+              <a:rPr lang="en-US" sz="1800" b="0" i="0" dirty="0" err="1">
                 <a:solidFill>
                   <a:srgbClr val="0D0D0D"/>
                 </a:solidFill>
@@ -32928,7 +32950,7 @@
               <a:t>individuais</a:t>
             </a:r>
             <a:r>
-              <a:rPr lang="en-US" b="0" i="0" dirty="0">
+              <a:rPr lang="en-US" sz="1800" b="0" i="0" dirty="0">
                 <a:solidFill>
                   <a:srgbClr val="0D0D0D"/>
                 </a:solidFill>
@@ -32941,7 +32963,7 @@
               <a:t> antes do </a:t>
             </a:r>
             <a:r>
-              <a:rPr lang="en-US" b="0" i="0" dirty="0" err="1">
+              <a:rPr lang="en-US" sz="1800" b="0" i="0" dirty="0" err="1">
                 <a:solidFill>
                   <a:srgbClr val="0D0D0D"/>
                 </a:solidFill>
@@ -32954,7 +32976,7 @@
               <a:t>agrupamento</a:t>
             </a:r>
             <a:r>
-              <a:rPr lang="en-US" b="0" i="0" dirty="0">
+              <a:rPr lang="en-US" sz="1800" b="0" i="0" dirty="0">
                 <a:solidFill>
                   <a:srgbClr val="0D0D0D"/>
                 </a:solidFill>
@@ -32973,7 +32995,7 @@
               <a:buAutoNum type="arabicPeriod"/>
             </a:pPr>
             <a:r>
-              <a:rPr lang="en-US" b="1" i="0" dirty="0">
+              <a:rPr lang="en-US" sz="1800" b="1" i="0" dirty="0">
                 <a:solidFill>
                   <a:srgbClr val="0D0D0D"/>
                 </a:solidFill>
@@ -32986,7 +33008,7 @@
               <a:t>SELECT</a:t>
             </a:r>
             <a:r>
-              <a:rPr lang="en-US" b="0" i="0" dirty="0">
+              <a:rPr lang="en-US" sz="1800" b="0" i="0" dirty="0">
                 <a:solidFill>
                   <a:srgbClr val="0D0D0D"/>
                 </a:solidFill>
@@ -32999,7 +33021,7 @@
               <a:t>: </a:t>
             </a:r>
             <a:r>
-              <a:rPr lang="en-US" b="0" i="0" dirty="0" err="1">
+              <a:rPr lang="en-US" sz="1800" b="0" i="0" dirty="0" err="1">
                 <a:solidFill>
                   <a:srgbClr val="0D0D0D"/>
                 </a:solidFill>
@@ -33012,7 +33034,7 @@
               <a:t>Após</a:t>
             </a:r>
             <a:r>
-              <a:rPr lang="en-US" b="0" i="0" dirty="0">
+              <a:rPr lang="en-US" sz="1800" b="0" i="0" dirty="0">
                 <a:solidFill>
                   <a:srgbClr val="0D0D0D"/>
                 </a:solidFill>
@@ -33025,7 +33047,7 @@
               <a:t> a </a:t>
             </a:r>
             <a:r>
-              <a:rPr lang="en-US" b="0" i="0" dirty="0" err="1">
+              <a:rPr lang="en-US" sz="1800" b="0" i="0" dirty="0" err="1">
                 <a:solidFill>
                   <a:srgbClr val="0D0D0D"/>
                 </a:solidFill>
@@ -33038,7 +33060,7 @@
               <a:t>aplicação</a:t>
             </a:r>
             <a:r>
-              <a:rPr lang="en-US" b="0" i="0" dirty="0">
+              <a:rPr lang="en-US" sz="1800" b="0" i="0" dirty="0">
                 <a:solidFill>
                   <a:srgbClr val="0D0D0D"/>
                 </a:solidFill>
@@ -33051,7 +33073,7 @@
               <a:t> das </a:t>
             </a:r>
             <a:r>
-              <a:rPr lang="en-US" b="0" i="0" dirty="0" err="1">
+              <a:rPr lang="en-US" sz="1800" b="0" i="0" dirty="0" err="1">
                 <a:solidFill>
                   <a:srgbClr val="0D0D0D"/>
                 </a:solidFill>
@@ -33064,7 +33086,7 @@
               <a:t>cláusulas</a:t>
             </a:r>
             <a:r>
-              <a:rPr lang="en-US" b="0" i="0" dirty="0">
+              <a:rPr lang="en-US" sz="1800" b="0" i="0" dirty="0">
                 <a:solidFill>
                   <a:srgbClr val="0D0D0D"/>
                 </a:solidFill>
@@ -33077,7 +33099,7 @@
               <a:t> </a:t>
             </a:r>
             <a:r>
-              <a:rPr lang="en-US" b="0" i="0" dirty="0" err="1">
+              <a:rPr lang="en-US" sz="1800" b="0" i="0" dirty="0" err="1">
                 <a:solidFill>
                   <a:srgbClr val="0D0D0D"/>
                 </a:solidFill>
@@ -33090,7 +33112,7 @@
               <a:t>anteriores</a:t>
             </a:r>
             <a:r>
-              <a:rPr lang="en-US" b="0" i="0" dirty="0">
+              <a:rPr lang="en-US" sz="1800" b="0" i="0" dirty="0">
                 <a:solidFill>
                   <a:srgbClr val="0D0D0D"/>
                 </a:solidFill>
@@ -33103,7 +33125,7 @@
               <a:t>, a </a:t>
             </a:r>
             <a:r>
-              <a:rPr lang="en-US" b="0" i="0" dirty="0" err="1">
+              <a:rPr lang="en-US" sz="1800" b="0" i="0" dirty="0" err="1">
                 <a:solidFill>
                   <a:srgbClr val="0D0D0D"/>
                 </a:solidFill>
@@ -33116,7 +33138,7 @@
               <a:t>cláusula</a:t>
             </a:r>
             <a:r>
-              <a:rPr lang="en-US" b="0" i="0" dirty="0">
+              <a:rPr lang="en-US" sz="1800" b="0" i="0" dirty="0">
                 <a:solidFill>
                   <a:srgbClr val="0D0D0D"/>
                 </a:solidFill>
@@ -33129,7 +33151,7 @@
               <a:t> SELECT </a:t>
             </a:r>
             <a:r>
-              <a:rPr lang="en-US" b="0" i="0" dirty="0" err="1">
+              <a:rPr lang="en-US" sz="1800" b="0" i="0" dirty="0" err="1">
                 <a:solidFill>
                   <a:srgbClr val="0D0D0D"/>
                 </a:solidFill>
@@ -33142,7 +33164,7 @@
               <a:t>é</a:t>
             </a:r>
             <a:r>
-              <a:rPr lang="en-US" b="0" i="0" dirty="0">
+              <a:rPr lang="en-US" sz="1800" b="0" i="0" dirty="0">
                 <a:solidFill>
                   <a:srgbClr val="0D0D0D"/>
                 </a:solidFill>
@@ -33155,7 +33177,7 @@
               <a:t> </a:t>
             </a:r>
             <a:r>
-              <a:rPr lang="en-US" b="0" i="0" dirty="0" err="1">
+              <a:rPr lang="en-US" sz="1800" b="0" i="0" dirty="0" err="1">
                 <a:solidFill>
                   <a:srgbClr val="0D0D0D"/>
                 </a:solidFill>
@@ -33168,7 +33190,7 @@
               <a:t>usada</a:t>
             </a:r>
             <a:r>
-              <a:rPr lang="en-US" b="0" i="0" dirty="0">
+              <a:rPr lang="en-US" sz="1800" b="0" i="0" dirty="0">
                 <a:solidFill>
                   <a:srgbClr val="0D0D0D"/>
                 </a:solidFill>
@@ -33181,7 +33203,7 @@
               <a:t> para </a:t>
             </a:r>
             <a:r>
-              <a:rPr lang="en-US" b="0" i="0" dirty="0" err="1">
+              <a:rPr lang="en-US" sz="1800" b="0" i="0" dirty="0" err="1">
                 <a:solidFill>
                   <a:srgbClr val="0D0D0D"/>
                 </a:solidFill>
@@ -33194,7 +33216,7 @@
               <a:t>selecionar</a:t>
             </a:r>
             <a:r>
-              <a:rPr lang="en-US" b="0" i="0" dirty="0">
+              <a:rPr lang="en-US" sz="1800" b="0" i="0" dirty="0">
                 <a:solidFill>
                   <a:srgbClr val="0D0D0D"/>
                 </a:solidFill>
@@ -33207,7 +33229,7 @@
               <a:t> as </a:t>
             </a:r>
             <a:r>
-              <a:rPr lang="en-US" b="0" i="0" dirty="0" err="1">
+              <a:rPr lang="en-US" sz="1800" b="0" i="0" dirty="0" err="1">
                 <a:solidFill>
                   <a:srgbClr val="0D0D0D"/>
                 </a:solidFill>
@@ -33220,7 +33242,7 @@
               <a:t>colunas</a:t>
             </a:r>
             <a:r>
-              <a:rPr lang="en-US" b="0" i="0" dirty="0">
+              <a:rPr lang="en-US" sz="1800" b="0" i="0" dirty="0">
                 <a:solidFill>
                   <a:srgbClr val="0D0D0D"/>
                 </a:solidFill>
@@ -33233,7 +33255,7 @@
               <a:t> </a:t>
             </a:r>
             <a:r>
-              <a:rPr lang="en-US" b="0" i="0" dirty="0" err="1">
+              <a:rPr lang="en-US" sz="1800" b="0" i="0" dirty="0" err="1">
                 <a:solidFill>
                   <a:srgbClr val="0D0D0D"/>
                 </a:solidFill>
@@ -33246,7 +33268,7 @@
               <a:t>específicas</a:t>
             </a:r>
             <a:r>
-              <a:rPr lang="en-US" b="0" i="0" dirty="0">
+              <a:rPr lang="en-US" sz="1800" b="0" i="0" dirty="0">
                 <a:solidFill>
                   <a:srgbClr val="0D0D0D"/>
                 </a:solidFill>
@@ -33259,7 +33281,7 @@
               <a:t> que </a:t>
             </a:r>
             <a:r>
-              <a:rPr lang="en-US" b="0" i="0" dirty="0" err="1">
+              <a:rPr lang="en-US" sz="1800" b="0" i="0" dirty="0" err="1">
                 <a:solidFill>
                   <a:srgbClr val="0D0D0D"/>
                 </a:solidFill>
@@ -33272,7 +33294,7 @@
               <a:t>serão</a:t>
             </a:r>
             <a:r>
-              <a:rPr lang="en-US" b="0" i="0" dirty="0">
+              <a:rPr lang="en-US" sz="1800" b="0" i="0" dirty="0">
                 <a:solidFill>
                   <a:srgbClr val="0D0D0D"/>
                 </a:solidFill>
@@ -33285,7 +33307,7 @@
               <a:t> </a:t>
             </a:r>
             <a:r>
-              <a:rPr lang="en-US" b="0" i="0" dirty="0" err="1">
+              <a:rPr lang="en-US" sz="1800" b="0" i="0" dirty="0" err="1">
                 <a:solidFill>
                   <a:srgbClr val="0D0D0D"/>
                 </a:solidFill>
@@ -33298,7 +33320,7 @@
               <a:t>retornadas</a:t>
             </a:r>
             <a:r>
-              <a:rPr lang="en-US" b="0" i="0" dirty="0">
+              <a:rPr lang="en-US" sz="1800" b="0" i="0" dirty="0">
                 <a:solidFill>
                   <a:srgbClr val="0D0D0D"/>
                 </a:solidFill>
@@ -33311,7 +33333,7 @@
               <a:t> no conjunto de </a:t>
             </a:r>
             <a:r>
-              <a:rPr lang="en-US" b="0" i="0" dirty="0" err="1">
+              <a:rPr lang="en-US" sz="1800" b="0" i="0" dirty="0" err="1">
                 <a:solidFill>
                   <a:srgbClr val="0D0D0D"/>
                 </a:solidFill>
@@ -33324,7 +33346,7 @@
               <a:t>resultados</a:t>
             </a:r>
             <a:r>
-              <a:rPr lang="en-US" b="0" i="0" dirty="0">
+              <a:rPr lang="en-US" sz="1800" b="0" i="0" dirty="0">
                 <a:solidFill>
                   <a:srgbClr val="0D0D0D"/>
                 </a:solidFill>
@@ -33337,7 +33359,7 @@
               <a:t>. </a:t>
             </a:r>
             <a:r>
-              <a:rPr lang="en-US" b="0" i="0" dirty="0" err="1">
+              <a:rPr lang="en-US" sz="1800" b="0" i="0" dirty="0" err="1">
                 <a:solidFill>
                   <a:srgbClr val="0D0D0D"/>
                 </a:solidFill>
@@ -33350,7 +33372,7 @@
               <a:t>Você</a:t>
             </a:r>
             <a:r>
-              <a:rPr lang="en-US" b="0" i="0" dirty="0">
+              <a:rPr lang="en-US" sz="1800" b="0" i="0" dirty="0">
                 <a:solidFill>
                   <a:srgbClr val="0D0D0D"/>
                 </a:solidFill>
@@ -33363,7 +33385,7 @@
               <a:t> </a:t>
             </a:r>
             <a:r>
-              <a:rPr lang="en-US" b="0" i="0" dirty="0" err="1">
+              <a:rPr lang="en-US" sz="1800" b="0" i="0" dirty="0" err="1">
                 <a:solidFill>
                   <a:srgbClr val="0D0D0D"/>
                 </a:solidFill>
@@ -33376,7 +33398,7 @@
               <a:t>pode</a:t>
             </a:r>
             <a:r>
-              <a:rPr lang="en-US" b="0" i="0" dirty="0">
+              <a:rPr lang="en-US" sz="1800" b="0" i="0" dirty="0">
                 <a:solidFill>
                   <a:srgbClr val="0D0D0D"/>
                 </a:solidFill>
@@ -33389,7 +33411,7 @@
               <a:t> </a:t>
             </a:r>
             <a:r>
-              <a:rPr lang="en-US" b="0" i="0" dirty="0" err="1">
+              <a:rPr lang="en-US" sz="1800" b="0" i="0" dirty="0" err="1">
                 <a:solidFill>
                   <a:srgbClr val="0D0D0D"/>
                 </a:solidFill>
@@ -33402,7 +33424,7 @@
               <a:t>selecionar</a:t>
             </a:r>
             <a:r>
-              <a:rPr lang="en-US" b="0" i="0" dirty="0">
+              <a:rPr lang="en-US" sz="1800" b="0" i="0" dirty="0">
                 <a:solidFill>
                   <a:srgbClr val="0D0D0D"/>
                 </a:solidFill>
@@ -33415,7 +33437,7 @@
               <a:t> </a:t>
             </a:r>
             <a:r>
-              <a:rPr lang="en-US" b="0" i="0" dirty="0" err="1">
+              <a:rPr lang="en-US" sz="1800" b="0" i="0" dirty="0" err="1">
                 <a:solidFill>
                   <a:srgbClr val="0D0D0D"/>
                 </a:solidFill>
@@ -33428,7 +33450,7 @@
               <a:t>todas</a:t>
             </a:r>
             <a:r>
-              <a:rPr lang="en-US" b="0" i="0" dirty="0">
+              <a:rPr lang="en-US" sz="1800" b="0" i="0" dirty="0">
                 <a:solidFill>
                   <a:srgbClr val="0D0D0D"/>
                 </a:solidFill>
@@ -33441,7 +33463,7 @@
               <a:t> as </a:t>
             </a:r>
             <a:r>
-              <a:rPr lang="en-US" b="0" i="0" dirty="0" err="1">
+              <a:rPr lang="en-US" sz="1800" b="0" i="0" dirty="0" err="1">
                 <a:solidFill>
                   <a:srgbClr val="0D0D0D"/>
                 </a:solidFill>
@@ -33454,7 +33476,7 @@
               <a:t>colunas</a:t>
             </a:r>
             <a:r>
-              <a:rPr lang="en-US" b="0" i="0" dirty="0">
+              <a:rPr lang="en-US" sz="1800" b="0" i="0" dirty="0">
                 <a:solidFill>
                   <a:srgbClr val="0D0D0D"/>
                 </a:solidFill>
@@ -33467,7 +33489,7 @@
               <a:t> </a:t>
             </a:r>
             <a:r>
-              <a:rPr lang="en-US" b="0" i="0" dirty="0" err="1">
+              <a:rPr lang="en-US" sz="1800" b="0" i="0" dirty="0" err="1">
                 <a:solidFill>
                   <a:srgbClr val="0D0D0D"/>
                 </a:solidFill>
@@ -33480,7 +33502,7 @@
               <a:t>usando</a:t>
             </a:r>
             <a:r>
-              <a:rPr lang="en-US" b="0" i="0" dirty="0">
+              <a:rPr lang="en-US" sz="1800" b="0" i="0" dirty="0">
                 <a:solidFill>
                   <a:srgbClr val="0D0D0D"/>
                 </a:solidFill>
@@ -33493,7 +33515,7 @@
               <a:t> "*", </a:t>
             </a:r>
             <a:r>
-              <a:rPr lang="en-US" b="0" i="0" dirty="0" err="1">
+              <a:rPr lang="en-US" sz="1800" b="0" i="0" dirty="0" err="1">
                 <a:solidFill>
                   <a:srgbClr val="0D0D0D"/>
                 </a:solidFill>
@@ -33506,7 +33528,7 @@
               <a:t>ou</a:t>
             </a:r>
             <a:r>
-              <a:rPr lang="en-US" b="0" i="0" dirty="0">
+              <a:rPr lang="en-US" sz="1800" b="0" i="0" dirty="0">
                 <a:solidFill>
                   <a:srgbClr val="0D0D0D"/>
                 </a:solidFill>
@@ -33519,7 +33541,7 @@
               <a:t> </a:t>
             </a:r>
             <a:r>
-              <a:rPr lang="en-US" b="0" i="0" dirty="0" err="1">
+              <a:rPr lang="en-US" sz="1800" b="0" i="0" dirty="0" err="1">
                 <a:solidFill>
                   <a:srgbClr val="0D0D0D"/>
                 </a:solidFill>
@@ -33532,7 +33554,7 @@
               <a:t>especificar</a:t>
             </a:r>
             <a:r>
-              <a:rPr lang="en-US" b="0" i="0" dirty="0">
+              <a:rPr lang="en-US" sz="1800" b="0" i="0" dirty="0">
                 <a:solidFill>
                   <a:srgbClr val="0D0D0D"/>
                 </a:solidFill>
@@ -33545,7 +33567,7 @@
               <a:t> </a:t>
             </a:r>
             <a:r>
-              <a:rPr lang="en-US" b="0" i="0" dirty="0" err="1">
+              <a:rPr lang="en-US" sz="1800" b="0" i="0" dirty="0" err="1">
                 <a:solidFill>
                   <a:srgbClr val="0D0D0D"/>
                 </a:solidFill>
@@ -33558,7 +33580,7 @@
               <a:t>colunas</a:t>
             </a:r>
             <a:r>
-              <a:rPr lang="en-US" b="0" i="0" dirty="0">
+              <a:rPr lang="en-US" sz="1800" b="0" i="0" dirty="0">
                 <a:solidFill>
                   <a:srgbClr val="0D0D0D"/>
                 </a:solidFill>
@@ -33571,7 +33593,7 @@
               <a:t> </a:t>
             </a:r>
             <a:r>
-              <a:rPr lang="en-US" b="0" i="0" dirty="0" err="1">
+              <a:rPr lang="en-US" sz="1800" b="0" i="0" dirty="0" err="1">
                 <a:solidFill>
                   <a:srgbClr val="0D0D0D"/>
                 </a:solidFill>
@@ -33584,7 +33606,7 @@
               <a:t>individuais</a:t>
             </a:r>
             <a:r>
-              <a:rPr lang="en-US" b="0" i="0" dirty="0">
+              <a:rPr lang="en-US" sz="1800" b="0" i="0" dirty="0">
                 <a:solidFill>
                   <a:srgbClr val="0D0D0D"/>
                 </a:solidFill>
@@ -33597,7 +33619,7 @@
               <a:t> que </a:t>
             </a:r>
             <a:r>
-              <a:rPr lang="en-US" b="0" i="0" dirty="0" err="1">
+              <a:rPr lang="en-US" sz="1800" b="0" i="0" dirty="0" err="1">
                 <a:solidFill>
                   <a:srgbClr val="0D0D0D"/>
                 </a:solidFill>
@@ -33610,7 +33632,7 @@
               <a:t>deseja</a:t>
             </a:r>
             <a:r>
-              <a:rPr lang="en-US" b="0" i="0" dirty="0">
+              <a:rPr lang="en-US" sz="1800" b="0" i="0" dirty="0">
                 <a:solidFill>
                   <a:srgbClr val="0D0D0D"/>
                 </a:solidFill>
@@ -33623,7 +33645,7 @@
               <a:t> </a:t>
             </a:r>
             <a:r>
-              <a:rPr lang="en-US" b="0" i="0" dirty="0" err="1">
+              <a:rPr lang="en-US" sz="1800" b="0" i="0" dirty="0" err="1">
                 <a:solidFill>
                   <a:srgbClr val="0D0D0D"/>
                 </a:solidFill>
@@ -33636,7 +33658,7 @@
               <a:t>incluir</a:t>
             </a:r>
             <a:r>
-              <a:rPr lang="en-US" b="0" i="0" dirty="0">
+              <a:rPr lang="en-US" sz="1800" b="0" i="0" dirty="0">
                 <a:solidFill>
                   <a:srgbClr val="0D0D0D"/>
                 </a:solidFill>
@@ -33649,7 +33671,7 @@
               <a:t> no </a:t>
             </a:r>
             <a:r>
-              <a:rPr lang="en-US" b="0" i="0" dirty="0" err="1">
+              <a:rPr lang="en-US" sz="1800" b="0" i="0" dirty="0" err="1">
                 <a:solidFill>
                   <a:srgbClr val="0D0D0D"/>
                 </a:solidFill>
@@ -33662,7 +33684,7 @@
               <a:t>resultado</a:t>
             </a:r>
             <a:r>
-              <a:rPr lang="en-US" b="0" i="0" dirty="0">
+              <a:rPr lang="en-US" sz="1800" b="0" i="0" dirty="0">
                 <a:solidFill>
                   <a:srgbClr val="0D0D0D"/>
                 </a:solidFill>
@@ -33681,7 +33703,7 @@
               <a:buAutoNum type="arabicPeriod"/>
             </a:pPr>
             <a:r>
-              <a:rPr lang="en-US" b="1" i="0" dirty="0">
+              <a:rPr lang="en-US" sz="1800" b="1" i="0" dirty="0">
                 <a:solidFill>
                   <a:srgbClr val="0D0D0D"/>
                 </a:solidFill>
@@ -33694,7 +33716,7 @@
               <a:t>ORDER BY</a:t>
             </a:r>
             <a:r>
-              <a:rPr lang="en-US" b="0" i="0" dirty="0">
+              <a:rPr lang="en-US" sz="1800" b="0" i="0" dirty="0">
                 <a:solidFill>
                   <a:srgbClr val="0D0D0D"/>
                 </a:solidFill>
@@ -33707,7 +33729,7 @@
               <a:t>: </a:t>
             </a:r>
             <a:r>
-              <a:rPr lang="en-US" b="0" i="0" dirty="0" err="1">
+              <a:rPr lang="en-US" sz="1800" b="0" i="0" dirty="0" err="1">
                 <a:solidFill>
                   <a:srgbClr val="0D0D0D"/>
                 </a:solidFill>
@@ -33720,7 +33742,7 @@
               <a:t>Opcionalmente</a:t>
             </a:r>
             <a:r>
-              <a:rPr lang="en-US" b="0" i="0" dirty="0">
+              <a:rPr lang="en-US" sz="1800" b="0" i="0" dirty="0">
                 <a:solidFill>
                   <a:srgbClr val="0D0D0D"/>
                 </a:solidFill>
@@ -33733,7 +33755,7 @@
               <a:t>, a </a:t>
             </a:r>
             <a:r>
-              <a:rPr lang="en-US" b="0" i="0" dirty="0" err="1">
+              <a:rPr lang="en-US" sz="1800" b="0" i="0" dirty="0" err="1">
                 <a:solidFill>
                   <a:srgbClr val="0D0D0D"/>
                 </a:solidFill>
@@ -33746,7 +33768,7 @@
               <a:t>cláusula</a:t>
             </a:r>
             <a:r>
-              <a:rPr lang="en-US" b="0" i="0" dirty="0">
+              <a:rPr lang="en-US" sz="1800" b="0" i="0" dirty="0">
                 <a:solidFill>
                   <a:srgbClr val="0D0D0D"/>
                 </a:solidFill>
@@ -33759,7 +33781,7 @@
               <a:t> ORDER BY </a:t>
             </a:r>
             <a:r>
-              <a:rPr lang="en-US" b="0" i="0" dirty="0" err="1">
+              <a:rPr lang="en-US" sz="1800" b="0" i="0" dirty="0" err="1">
                 <a:solidFill>
                   <a:srgbClr val="0D0D0D"/>
                 </a:solidFill>
@@ -33772,7 +33794,7 @@
               <a:t>é</a:t>
             </a:r>
             <a:r>
-              <a:rPr lang="en-US" b="0" i="0" dirty="0">
+              <a:rPr lang="en-US" sz="1800" b="0" i="0" dirty="0">
                 <a:solidFill>
                   <a:srgbClr val="0D0D0D"/>
                 </a:solidFill>
@@ -33785,7 +33807,7 @@
               <a:t> </a:t>
             </a:r>
             <a:r>
-              <a:rPr lang="en-US" b="0" i="0" dirty="0" err="1">
+              <a:rPr lang="en-US" sz="1800" b="0" i="0" dirty="0" err="1">
                 <a:solidFill>
                   <a:srgbClr val="0D0D0D"/>
                 </a:solidFill>
@@ -33798,7 +33820,7 @@
               <a:t>usada</a:t>
             </a:r>
             <a:r>
-              <a:rPr lang="en-US" b="0" i="0" dirty="0">
+              <a:rPr lang="en-US" sz="1800" b="0" i="0" dirty="0">
                 <a:solidFill>
                   <a:srgbClr val="0D0D0D"/>
                 </a:solidFill>
@@ -33811,7 +33833,7 @@
               <a:t> para </a:t>
             </a:r>
             <a:r>
-              <a:rPr lang="en-US" b="0" i="0" dirty="0" err="1">
+              <a:rPr lang="en-US" sz="1800" b="0" i="0" dirty="0" err="1">
                 <a:solidFill>
                   <a:srgbClr val="0D0D0D"/>
                 </a:solidFill>
@@ -33824,7 +33846,7 @@
               <a:t>classificar</a:t>
             </a:r>
             <a:r>
-              <a:rPr lang="en-US" b="0" i="0" dirty="0">
+              <a:rPr lang="en-US" sz="1800" b="0" i="0" dirty="0">
                 <a:solidFill>
                   <a:srgbClr val="0D0D0D"/>
                 </a:solidFill>
@@ -33837,7 +33859,7 @@
               <a:t> </a:t>
             </a:r>
             <a:r>
-              <a:rPr lang="en-US" b="0" i="0" dirty="0" err="1">
+              <a:rPr lang="en-US" sz="1800" b="0" i="0" dirty="0" err="1">
                 <a:solidFill>
                   <a:srgbClr val="0D0D0D"/>
                 </a:solidFill>
@@ -33850,7 +33872,7 @@
               <a:t>os</a:t>
             </a:r>
             <a:r>
-              <a:rPr lang="en-US" b="0" i="0" dirty="0">
+              <a:rPr lang="en-US" sz="1800" b="0" i="0" dirty="0">
                 <a:solidFill>
                   <a:srgbClr val="0D0D0D"/>
                 </a:solidFill>
@@ -33863,7 +33885,7 @@
               <a:t> </a:t>
             </a:r>
             <a:r>
-              <a:rPr lang="en-US" b="0" i="0" dirty="0" err="1">
+              <a:rPr lang="en-US" sz="1800" b="0" i="0" dirty="0" err="1">
                 <a:solidFill>
                   <a:srgbClr val="0D0D0D"/>
                 </a:solidFill>
@@ -33876,7 +33898,7 @@
               <a:t>resultados</a:t>
             </a:r>
             <a:r>
-              <a:rPr lang="en-US" b="0" i="0" dirty="0">
+              <a:rPr lang="en-US" sz="1800" b="0" i="0" dirty="0">
                 <a:solidFill>
                   <a:srgbClr val="0D0D0D"/>
                 </a:solidFill>
@@ -33889,7 +33911,7 @@
               <a:t> do conjunto de dados de </a:t>
             </a:r>
             <a:r>
-              <a:rPr lang="en-US" b="0" i="0" dirty="0" err="1">
+              <a:rPr lang="en-US" sz="1800" b="0" i="0" dirty="0" err="1">
                 <a:solidFill>
                   <a:srgbClr val="0D0D0D"/>
                 </a:solidFill>
@@ -33902,7 +33924,7 @@
               <a:t>acordo</a:t>
             </a:r>
             <a:r>
-              <a:rPr lang="en-US" b="0" i="0" dirty="0">
+              <a:rPr lang="en-US" sz="1800" b="0" i="0" dirty="0">
                 <a:solidFill>
                   <a:srgbClr val="0D0D0D"/>
                 </a:solidFill>
@@ -33915,7 +33937,7 @@
               <a:t> com </a:t>
             </a:r>
             <a:r>
-              <a:rPr lang="en-US" b="0" i="0" dirty="0" err="1">
+              <a:rPr lang="en-US" sz="1800" b="0" i="0" dirty="0" err="1">
                 <a:solidFill>
                   <a:srgbClr val="0D0D0D"/>
                 </a:solidFill>
@@ -33928,7 +33950,7 @@
               <a:t>uma</a:t>
             </a:r>
             <a:r>
-              <a:rPr lang="en-US" b="0" i="0" dirty="0">
+              <a:rPr lang="en-US" sz="1800" b="0" i="0" dirty="0">
                 <a:solidFill>
                   <a:srgbClr val="0D0D0D"/>
                 </a:solidFill>
@@ -33941,7 +33963,7 @@
               <a:t> </a:t>
             </a:r>
             <a:r>
-              <a:rPr lang="en-US" b="0" i="0" dirty="0" err="1">
+              <a:rPr lang="en-US" sz="1800" b="0" i="0" dirty="0" err="1">
                 <a:solidFill>
                   <a:srgbClr val="0D0D0D"/>
                 </a:solidFill>
@@ -33954,7 +33976,7 @@
               <a:t>ou</a:t>
             </a:r>
             <a:r>
-              <a:rPr lang="en-US" b="0" i="0" dirty="0">
+              <a:rPr lang="en-US" sz="1800" b="0" i="0" dirty="0">
                 <a:solidFill>
                   <a:srgbClr val="0D0D0D"/>
                 </a:solidFill>
@@ -33967,7 +33989,7 @@
               <a:t> </a:t>
             </a:r>
             <a:r>
-              <a:rPr lang="en-US" b="0" i="0" dirty="0" err="1">
+              <a:rPr lang="en-US" sz="1800" b="0" i="0" dirty="0" err="1">
                 <a:solidFill>
                   <a:srgbClr val="0D0D0D"/>
                 </a:solidFill>
@@ -33980,7 +34002,7 @@
               <a:t>mais</a:t>
             </a:r>
             <a:r>
-              <a:rPr lang="en-US" b="0" i="0" dirty="0">
+              <a:rPr lang="en-US" sz="1800" b="0" i="0" dirty="0">
                 <a:solidFill>
                   <a:srgbClr val="0D0D0D"/>
                 </a:solidFill>
@@ -33993,7 +34015,7 @@
               <a:t> </a:t>
             </a:r>
             <a:r>
-              <a:rPr lang="en-US" b="0" i="0" dirty="0" err="1">
+              <a:rPr lang="en-US" sz="1800" b="0" i="0" dirty="0" err="1">
                 <a:solidFill>
                   <a:srgbClr val="0D0D0D"/>
                 </a:solidFill>
@@ -34006,7 +34028,7 @@
               <a:t>colunas</a:t>
             </a:r>
             <a:r>
-              <a:rPr lang="en-US" b="0" i="0" dirty="0">
+              <a:rPr lang="en-US" sz="1800" b="0" i="0" dirty="0">
                 <a:solidFill>
                   <a:srgbClr val="0D0D0D"/>
                 </a:solidFill>
@@ -34019,7 +34041,7 @@
               <a:t>. </a:t>
             </a:r>
             <a:r>
-              <a:rPr lang="en-US" b="0" i="0" dirty="0" err="1">
+              <a:rPr lang="en-US" sz="1800" b="0" i="0" dirty="0" err="1">
                 <a:solidFill>
                   <a:srgbClr val="0D0D0D"/>
                 </a:solidFill>
@@ -34032,7 +34054,7 @@
               <a:t>Isso</a:t>
             </a:r>
             <a:r>
-              <a:rPr lang="en-US" b="0" i="0" dirty="0">
+              <a:rPr lang="en-US" sz="1800" b="0" i="0" dirty="0">
                 <a:solidFill>
                   <a:srgbClr val="0D0D0D"/>
                 </a:solidFill>
@@ -34045,7 +34067,7 @@
               <a:t> </a:t>
             </a:r>
             <a:r>
-              <a:rPr lang="en-US" b="0" i="0" dirty="0" err="1">
+              <a:rPr lang="en-US" sz="1800" b="0" i="0" dirty="0" err="1">
                 <a:solidFill>
                   <a:srgbClr val="0D0D0D"/>
                 </a:solidFill>
@@ -34058,7 +34080,7 @@
               <a:t>permite</a:t>
             </a:r>
             <a:r>
-              <a:rPr lang="en-US" b="0" i="0" dirty="0">
+              <a:rPr lang="en-US" sz="1800" b="0" i="0" dirty="0">
                 <a:solidFill>
                   <a:srgbClr val="0D0D0D"/>
                 </a:solidFill>
@@ -34071,7 +34093,7 @@
               <a:t> que </a:t>
             </a:r>
             <a:r>
-              <a:rPr lang="en-US" b="0" i="0" dirty="0" err="1">
+              <a:rPr lang="en-US" sz="1800" b="0" i="0" dirty="0" err="1">
                 <a:solidFill>
                   <a:srgbClr val="0D0D0D"/>
                 </a:solidFill>
@@ -34084,7 +34106,7 @@
               <a:t>os</a:t>
             </a:r>
             <a:r>
-              <a:rPr lang="en-US" b="0" i="0" dirty="0">
+              <a:rPr lang="en-US" sz="1800" b="0" i="0" dirty="0">
                 <a:solidFill>
                   <a:srgbClr val="0D0D0D"/>
                 </a:solidFill>
@@ -34097,7 +34119,7 @@
               <a:t> </a:t>
             </a:r>
             <a:r>
-              <a:rPr lang="en-US" b="0" i="0" dirty="0" err="1">
+              <a:rPr lang="en-US" sz="1800" b="0" i="0" dirty="0" err="1">
                 <a:solidFill>
                   <a:srgbClr val="0D0D0D"/>
                 </a:solidFill>
@@ -34110,7 +34132,7 @@
               <a:t>resultados</a:t>
             </a:r>
             <a:r>
-              <a:rPr lang="en-US" b="0" i="0" dirty="0">
+              <a:rPr lang="en-US" sz="1800" b="0" i="0" dirty="0">
                 <a:solidFill>
                   <a:srgbClr val="0D0D0D"/>
                 </a:solidFill>
@@ -34123,7 +34145,7 @@
               <a:t> </a:t>
             </a:r>
             <a:r>
-              <a:rPr lang="en-US" b="0" i="0" dirty="0" err="1">
+              <a:rPr lang="en-US" sz="1800" b="0" i="0" dirty="0" err="1">
                 <a:solidFill>
                   <a:srgbClr val="0D0D0D"/>
                 </a:solidFill>
@@ -34136,7 +34158,7 @@
               <a:t>sejam</a:t>
             </a:r>
             <a:r>
-              <a:rPr lang="en-US" b="0" i="0" dirty="0">
+              <a:rPr lang="en-US" sz="1800" b="0" i="0" dirty="0">
                 <a:solidFill>
                   <a:srgbClr val="0D0D0D"/>
                 </a:solidFill>
@@ -34149,7 +34171,7 @@
               <a:t> </a:t>
             </a:r>
             <a:r>
-              <a:rPr lang="en-US" b="0" i="0" dirty="0" err="1">
+              <a:rPr lang="en-US" sz="1800" b="0" i="0" dirty="0" err="1">
                 <a:solidFill>
                   <a:srgbClr val="0D0D0D"/>
                 </a:solidFill>
@@ -34162,7 +34184,7 @@
               <a:t>apresentados</a:t>
             </a:r>
             <a:r>
-              <a:rPr lang="en-US" b="0" i="0" dirty="0">
+              <a:rPr lang="en-US" sz="1800" b="0" i="0" dirty="0">
                 <a:solidFill>
                   <a:srgbClr val="0D0D0D"/>
                 </a:solidFill>
@@ -34175,7 +34197,7 @@
               <a:t> </a:t>
             </a:r>
             <a:r>
-              <a:rPr lang="en-US" b="0" i="0" dirty="0" err="1">
+              <a:rPr lang="en-US" sz="1800" b="0" i="0" dirty="0" err="1">
                 <a:solidFill>
                   <a:srgbClr val="0D0D0D"/>
                 </a:solidFill>
@@ -34188,7 +34210,7 @@
               <a:t>em</a:t>
             </a:r>
             <a:r>
-              <a:rPr lang="en-US" b="0" i="0" dirty="0">
+              <a:rPr lang="en-US" sz="1800" b="0" i="0" dirty="0">
                 <a:solidFill>
                   <a:srgbClr val="0D0D0D"/>
                 </a:solidFill>
@@ -34201,7 +34223,7 @@
               <a:t> </a:t>
             </a:r>
             <a:r>
-              <a:rPr lang="en-US" b="0" i="0" dirty="0" err="1">
+              <a:rPr lang="en-US" sz="1800" b="0" i="0" dirty="0" err="1">
                 <a:solidFill>
                   <a:srgbClr val="0D0D0D"/>
                 </a:solidFill>
@@ -34214,7 +34236,7 @@
               <a:t>uma</a:t>
             </a:r>
             <a:r>
-              <a:rPr lang="en-US" b="0" i="0" dirty="0">
+              <a:rPr lang="en-US" sz="1800" b="0" i="0" dirty="0">
                 <a:solidFill>
                   <a:srgbClr val="0D0D0D"/>
                 </a:solidFill>
@@ -34227,7 +34249,7 @@
               <a:t> </a:t>
             </a:r>
             <a:r>
-              <a:rPr lang="en-US" b="0" i="0" dirty="0" err="1">
+              <a:rPr lang="en-US" sz="1800" b="0" i="0" dirty="0" err="1">
                 <a:solidFill>
                   <a:srgbClr val="0D0D0D"/>
                 </a:solidFill>
@@ -34240,7 +34262,7 @@
               <a:t>ordem</a:t>
             </a:r>
             <a:r>
-              <a:rPr lang="en-US" b="0" i="0" dirty="0">
+              <a:rPr lang="en-US" sz="1800" b="0" i="0" dirty="0">
                 <a:solidFill>
                   <a:srgbClr val="0D0D0D"/>
                 </a:solidFill>
@@ -34253,7 +34275,7 @@
               <a:t> </a:t>
             </a:r>
             <a:r>
-              <a:rPr lang="en-US" b="0" i="0" dirty="0" err="1">
+              <a:rPr lang="en-US" sz="1800" b="0" i="0" dirty="0" err="1">
                 <a:solidFill>
                   <a:srgbClr val="0D0D0D"/>
                 </a:solidFill>
@@ -34266,7 +34288,7 @@
               <a:t>específica</a:t>
             </a:r>
             <a:r>
-              <a:rPr lang="en-US" b="0" i="0" dirty="0">
+              <a:rPr lang="en-US" sz="1800" b="0" i="0" dirty="0">
                 <a:solidFill>
                   <a:srgbClr val="0D0D0D"/>
                 </a:solidFill>
@@ -34279,7 +34301,7 @@
               <a:t>, </a:t>
             </a:r>
             <a:r>
-              <a:rPr lang="en-US" b="0" i="0" dirty="0" err="1">
+              <a:rPr lang="en-US" sz="1800" b="0" i="0" dirty="0" err="1">
                 <a:solidFill>
                   <a:srgbClr val="0D0D0D"/>
                 </a:solidFill>
@@ -34292,7 +34314,7 @@
               <a:t>como</a:t>
             </a:r>
             <a:r>
-              <a:rPr lang="en-US" b="0" i="0" dirty="0">
+              <a:rPr lang="en-US" sz="1800" b="0" i="0" dirty="0">
                 <a:solidFill>
                   <a:srgbClr val="0D0D0D"/>
                 </a:solidFill>
@@ -34305,7 +34327,7 @@
               <a:t> </a:t>
             </a:r>
             <a:r>
-              <a:rPr lang="en-US" b="0" i="0" dirty="0" err="1">
+              <a:rPr lang="en-US" sz="1800" b="0" i="0" dirty="0" err="1">
                 <a:solidFill>
                   <a:srgbClr val="0D0D0D"/>
                 </a:solidFill>
@@ -34318,7 +34340,7 @@
               <a:t>ascendente</a:t>
             </a:r>
             <a:r>
-              <a:rPr lang="en-US" b="0" i="0" dirty="0">
+              <a:rPr lang="en-US" sz="1800" b="0" i="0" dirty="0">
                 <a:solidFill>
                   <a:srgbClr val="0D0D0D"/>
                 </a:solidFill>
@@ -34331,7 +34353,7 @@
               <a:t> </a:t>
             </a:r>
             <a:r>
-              <a:rPr lang="en-US" b="0" i="0" dirty="0" err="1">
+              <a:rPr lang="en-US" sz="1800" b="0" i="0" dirty="0" err="1">
                 <a:solidFill>
                   <a:srgbClr val="0D0D0D"/>
                 </a:solidFill>
@@ -34344,7 +34366,7 @@
               <a:t>ou</a:t>
             </a:r>
             <a:r>
-              <a:rPr lang="en-US" b="0" i="0" dirty="0">
+              <a:rPr lang="en-US" sz="1800" b="0" i="0" dirty="0">
                 <a:solidFill>
                   <a:srgbClr val="0D0D0D"/>
                 </a:solidFill>
@@ -34357,7 +34379,7 @@
               <a:t> </a:t>
             </a:r>
             <a:r>
-              <a:rPr lang="en-US" b="0" i="0" dirty="0" err="1">
+              <a:rPr lang="en-US" sz="1800" b="0" i="0" dirty="0" err="1">
                 <a:solidFill>
                   <a:srgbClr val="0D0D0D"/>
                 </a:solidFill>
@@ -34370,7 +34392,7 @@
               <a:t>descendente</a:t>
             </a:r>
             <a:r>
-              <a:rPr lang="en-US" b="0" i="0" dirty="0">
+              <a:rPr lang="en-US" sz="1800" b="0" i="0" dirty="0">
                 <a:solidFill>
                   <a:srgbClr val="0D0D0D"/>
                 </a:solidFill>
@@ -34389,7 +34411,7 @@
               <a:buAutoNum type="arabicPeriod"/>
             </a:pPr>
             <a:r>
-              <a:rPr lang="en-US" b="1" i="0" dirty="0">
+              <a:rPr lang="en-US" sz="1800" b="1" i="0" dirty="0">
                 <a:solidFill>
                   <a:srgbClr val="0D0D0D"/>
                 </a:solidFill>
@@ -34402,7 +34424,7 @@
               <a:t>LIMIT</a:t>
             </a:r>
             <a:r>
-              <a:rPr lang="en-US" b="0" i="0" dirty="0">
+              <a:rPr lang="en-US" sz="1800" b="0" i="0" dirty="0">
                 <a:solidFill>
                   <a:srgbClr val="0D0D0D"/>
                 </a:solidFill>
@@ -34415,7 +34437,7 @@
               <a:t>: </a:t>
             </a:r>
             <a:r>
-              <a:rPr lang="en-US" b="0" i="0" dirty="0" err="1">
+              <a:rPr lang="en-US" sz="1800" b="0" i="0" dirty="0" err="1">
                 <a:solidFill>
                   <a:srgbClr val="0D0D0D"/>
                 </a:solidFill>
@@ -34428,7 +34450,7 @@
               <a:t>Finalmente</a:t>
             </a:r>
             <a:r>
-              <a:rPr lang="en-US" b="0" i="0" dirty="0">
+              <a:rPr lang="en-US" sz="1800" b="0" i="0" dirty="0">
                 <a:solidFill>
                   <a:srgbClr val="0D0D0D"/>
                 </a:solidFill>
@@ -34441,7 +34463,7 @@
               <a:t>, a </a:t>
             </a:r>
             <a:r>
-              <a:rPr lang="en-US" b="0" i="0" dirty="0" err="1">
+              <a:rPr lang="en-US" sz="1800" b="0" i="0" dirty="0" err="1">
                 <a:solidFill>
                   <a:srgbClr val="0D0D0D"/>
                 </a:solidFill>
@@ -34454,7 +34476,7 @@
               <a:t>cláusula</a:t>
             </a:r>
             <a:r>
-              <a:rPr lang="en-US" b="0" i="0" dirty="0">
+              <a:rPr lang="en-US" sz="1800" b="0" i="0" dirty="0">
                 <a:solidFill>
                   <a:srgbClr val="0D0D0D"/>
                 </a:solidFill>
@@ -34467,7 +34489,7 @@
               <a:t> LIMIT (</a:t>
             </a:r>
             <a:r>
-              <a:rPr lang="en-US" b="0" i="0" dirty="0" err="1">
+              <a:rPr lang="en-US" sz="1800" b="0" i="0" dirty="0" err="1">
                 <a:solidFill>
                   <a:srgbClr val="0D0D0D"/>
                 </a:solidFill>
@@ -34480,7 +34502,7 @@
               <a:t>opcional</a:t>
             </a:r>
             <a:r>
-              <a:rPr lang="en-US" b="0" i="0" dirty="0">
+              <a:rPr lang="en-US" sz="1800" b="0" i="0" dirty="0">
                 <a:solidFill>
                   <a:srgbClr val="0D0D0D"/>
                 </a:solidFill>
@@ -34493,7 +34515,7 @@
               <a:t>) </a:t>
             </a:r>
             <a:r>
-              <a:rPr lang="en-US" b="0" i="0" dirty="0" err="1">
+              <a:rPr lang="en-US" sz="1800" b="0" i="0" dirty="0" err="1">
                 <a:solidFill>
                   <a:srgbClr val="0D0D0D"/>
                 </a:solidFill>
@@ -34506,7 +34528,7 @@
               <a:t>é</a:t>
             </a:r>
             <a:r>
-              <a:rPr lang="en-US" b="0" i="0" dirty="0">
+              <a:rPr lang="en-US" sz="1800" b="0" i="0" dirty="0">
                 <a:solidFill>
                   <a:srgbClr val="0D0D0D"/>
                 </a:solidFill>
@@ -34519,7 +34541,7 @@
               <a:t> </a:t>
             </a:r>
             <a:r>
-              <a:rPr lang="en-US" b="0" i="0" dirty="0" err="1">
+              <a:rPr lang="en-US" sz="1800" b="0" i="0" dirty="0" err="1">
                 <a:solidFill>
                   <a:srgbClr val="0D0D0D"/>
                 </a:solidFill>
@@ -34532,7 +34554,7 @@
               <a:t>usada</a:t>
             </a:r>
             <a:r>
-              <a:rPr lang="en-US" b="0" i="0" dirty="0">
+              <a:rPr lang="en-US" sz="1800" b="0" i="0" dirty="0">
                 <a:solidFill>
                   <a:srgbClr val="0D0D0D"/>
                 </a:solidFill>
@@ -34545,7 +34567,7 @@
               <a:t> para </a:t>
             </a:r>
             <a:r>
-              <a:rPr lang="en-US" b="0" i="0" dirty="0" err="1">
+              <a:rPr lang="en-US" sz="1800" b="0" i="0" dirty="0" err="1">
                 <a:solidFill>
                   <a:srgbClr val="0D0D0D"/>
                 </a:solidFill>
@@ -34558,7 +34580,7 @@
               <a:t>limitar</a:t>
             </a:r>
             <a:r>
-              <a:rPr lang="en-US" b="0" i="0" dirty="0">
+              <a:rPr lang="en-US" sz="1800" b="0" i="0" dirty="0">
                 <a:solidFill>
                   <a:srgbClr val="0D0D0D"/>
                 </a:solidFill>
@@ -34571,7 +34593,7 @@
               <a:t> o </a:t>
             </a:r>
             <a:r>
-              <a:rPr lang="en-US" b="0" i="0" dirty="0" err="1">
+              <a:rPr lang="en-US" sz="1800" b="0" i="0" dirty="0" err="1">
                 <a:solidFill>
                   <a:srgbClr val="0D0D0D"/>
                 </a:solidFill>
@@ -34584,7 +34606,7 @@
               <a:t>número</a:t>
             </a:r>
             <a:r>
-              <a:rPr lang="en-US" b="0" i="0" dirty="0">
+              <a:rPr lang="en-US" sz="1800" b="0" i="0" dirty="0">
                 <a:solidFill>
                   <a:srgbClr val="0D0D0D"/>
                 </a:solidFill>
@@ -34597,7 +34619,7 @@
               <a:t> de </a:t>
             </a:r>
             <a:r>
-              <a:rPr lang="en-US" b="0" i="0" dirty="0" err="1">
+              <a:rPr lang="en-US" sz="1800" b="0" i="0" dirty="0" err="1">
                 <a:solidFill>
                   <a:srgbClr val="0D0D0D"/>
                 </a:solidFill>
@@ -34610,7 +34632,7 @@
               <a:t>registros</a:t>
             </a:r>
             <a:r>
-              <a:rPr lang="en-US" b="0" i="0" dirty="0">
+              <a:rPr lang="en-US" sz="1800" b="0" i="0" dirty="0">
                 <a:solidFill>
                   <a:srgbClr val="0D0D0D"/>
                 </a:solidFill>
@@ -34623,7 +34645,7 @@
               <a:t> </a:t>
             </a:r>
             <a:r>
-              <a:rPr lang="en-US" b="0" i="0" dirty="0" err="1">
+              <a:rPr lang="en-US" sz="1800" b="0" i="0" dirty="0" err="1">
                 <a:solidFill>
                   <a:srgbClr val="0D0D0D"/>
                 </a:solidFill>
@@ -34636,7 +34658,7 @@
               <a:t>retornados</a:t>
             </a:r>
             <a:r>
-              <a:rPr lang="en-US" b="0" i="0" dirty="0">
+              <a:rPr lang="en-US" sz="1800" b="0" i="0" dirty="0">
                 <a:solidFill>
                   <a:srgbClr val="0D0D0D"/>
                 </a:solidFill>
@@ -34649,7 +34671,7 @@
               <a:t> no conjunto de </a:t>
             </a:r>
             <a:r>
-              <a:rPr lang="en-US" b="0" i="0" dirty="0" err="1">
+              <a:rPr lang="en-US" sz="1800" b="0" i="0" dirty="0" err="1">
                 <a:solidFill>
                   <a:srgbClr val="0D0D0D"/>
                 </a:solidFill>
@@ -34662,7 +34684,7 @@
               <a:t>resultados</a:t>
             </a:r>
             <a:r>
-              <a:rPr lang="en-US" b="0" i="0" dirty="0">
+              <a:rPr lang="en-US" sz="1800" b="0" i="0" dirty="0">
                 <a:solidFill>
                   <a:srgbClr val="0D0D0D"/>
                 </a:solidFill>
@@ -34675,7 +34697,7 @@
               <a:t>. </a:t>
             </a:r>
             <a:r>
-              <a:rPr lang="en-US" b="0" i="0" dirty="0" err="1">
+              <a:rPr lang="en-US" sz="1800" b="0" i="0" dirty="0" err="1">
                 <a:solidFill>
                   <a:srgbClr val="0D0D0D"/>
                 </a:solidFill>
@@ -34688,7 +34710,7 @@
               <a:t>Isso</a:t>
             </a:r>
             <a:r>
-              <a:rPr lang="en-US" b="0" i="0" dirty="0">
+              <a:rPr lang="en-US" sz="1800" b="0" i="0" dirty="0">
                 <a:solidFill>
                   <a:srgbClr val="0D0D0D"/>
                 </a:solidFill>
@@ -34701,7 +34723,7 @@
               <a:t> </a:t>
             </a:r>
             <a:r>
-              <a:rPr lang="en-US" b="0" i="0" dirty="0" err="1">
+              <a:rPr lang="en-US" sz="1800" b="0" i="0" dirty="0" err="1">
                 <a:solidFill>
                   <a:srgbClr val="0D0D0D"/>
                 </a:solidFill>
@@ -34714,7 +34736,7 @@
               <a:t>é</a:t>
             </a:r>
             <a:r>
-              <a:rPr lang="en-US" b="0" i="0" dirty="0">
+              <a:rPr lang="en-US" sz="1800" b="0" i="0" dirty="0">
                 <a:solidFill>
                   <a:srgbClr val="0D0D0D"/>
                 </a:solidFill>
@@ -34727,7 +34749,7 @@
               <a:t> </a:t>
             </a:r>
             <a:r>
-              <a:rPr lang="en-US" b="0" i="0" dirty="0" err="1">
+              <a:rPr lang="en-US" sz="1800" b="0" i="0" dirty="0" err="1">
                 <a:solidFill>
                   <a:srgbClr val="0D0D0D"/>
                 </a:solidFill>
@@ -34740,7 +34762,7 @@
               <a:t>útil</a:t>
             </a:r>
             <a:r>
-              <a:rPr lang="en-US" b="0" i="0" dirty="0">
+              <a:rPr lang="en-US" sz="1800" b="0" i="0" dirty="0">
                 <a:solidFill>
                   <a:srgbClr val="0D0D0D"/>
                 </a:solidFill>
@@ -34753,7 +34775,7 @@
               <a:t> para </a:t>
             </a:r>
             <a:r>
-              <a:rPr lang="en-US" b="0" i="0" dirty="0" err="1">
+              <a:rPr lang="en-US" sz="1800" b="0" i="0" dirty="0" err="1">
                 <a:solidFill>
                   <a:srgbClr val="0D0D0D"/>
                 </a:solidFill>
@@ -34766,7 +34788,7 @@
               <a:t>controlar</a:t>
             </a:r>
             <a:r>
-              <a:rPr lang="en-US" b="0" i="0" dirty="0">
+              <a:rPr lang="en-US" sz="1800" b="0" i="0" dirty="0">
                 <a:solidFill>
                   <a:srgbClr val="0D0D0D"/>
                 </a:solidFill>
@@ -34779,7 +34801,7 @@
               <a:t> o </a:t>
             </a:r>
             <a:r>
-              <a:rPr lang="en-US" b="0" i="0" dirty="0" err="1">
+              <a:rPr lang="en-US" sz="1800" b="0" i="0" dirty="0" err="1">
                 <a:solidFill>
                   <a:srgbClr val="0D0D0D"/>
                 </a:solidFill>
@@ -34792,7 +34814,7 @@
               <a:t>tamanho</a:t>
             </a:r>
             <a:r>
-              <a:rPr lang="en-US" b="0" i="0" dirty="0">
+              <a:rPr lang="en-US" sz="1800" b="0" i="0" dirty="0">
                 <a:solidFill>
                   <a:srgbClr val="0D0D0D"/>
                 </a:solidFill>
@@ -34805,7 +34827,7 @@
               <a:t> do conjunto de </a:t>
             </a:r>
             <a:r>
-              <a:rPr lang="en-US" b="0" i="0" dirty="0" err="1">
+              <a:rPr lang="en-US" sz="1800" b="0" i="0" dirty="0" err="1">
                 <a:solidFill>
                   <a:srgbClr val="0D0D0D"/>
                 </a:solidFill>
@@ -34818,7 +34840,7 @@
               <a:t>resultados</a:t>
             </a:r>
             <a:r>
-              <a:rPr lang="en-US" b="0" i="0" dirty="0">
+              <a:rPr lang="en-US" sz="1800" b="0" i="0" dirty="0">
                 <a:solidFill>
                   <a:srgbClr val="0D0D0D"/>
                 </a:solidFill>
@@ -34831,7 +34853,7 @@
               <a:t> e </a:t>
             </a:r>
             <a:r>
-              <a:rPr lang="en-US" b="0" i="0" dirty="0" err="1">
+              <a:rPr lang="en-US" sz="1800" b="0" i="0" dirty="0" err="1">
                 <a:solidFill>
                   <a:srgbClr val="0D0D0D"/>
                 </a:solidFill>
@@ -34844,7 +34866,7 @@
               <a:t>melhorar</a:t>
             </a:r>
             <a:r>
-              <a:rPr lang="en-US" b="0" i="0" dirty="0">
+              <a:rPr lang="en-US" sz="1800" b="0" i="0" dirty="0">
                 <a:solidFill>
                   <a:srgbClr val="0D0D0D"/>
                 </a:solidFill>
@@ -34857,7 +34879,7 @@
               <a:t> o </a:t>
             </a:r>
             <a:r>
-              <a:rPr lang="en-US" b="0" i="0" dirty="0" err="1">
+              <a:rPr lang="en-US" sz="1800" b="0" i="0" dirty="0" err="1">
                 <a:solidFill>
                   <a:srgbClr val="0D0D0D"/>
                 </a:solidFill>
@@ -34870,7 +34892,7 @@
               <a:t>desempenho</a:t>
             </a:r>
             <a:r>
-              <a:rPr lang="en-US" b="0" i="0" dirty="0">
+              <a:rPr lang="en-US" sz="1800" b="0" i="0" dirty="0">
                 <a:solidFill>
                   <a:srgbClr val="0D0D0D"/>
                 </a:solidFill>
@@ -34883,7 +34905,7 @@
               <a:t> da consulta, </a:t>
             </a:r>
             <a:r>
-              <a:rPr lang="en-US" b="0" i="0" dirty="0" err="1">
+              <a:rPr lang="en-US" sz="1800" b="0" i="0" dirty="0" err="1">
                 <a:solidFill>
                   <a:srgbClr val="0D0D0D"/>
                 </a:solidFill>
@@ -34896,7 +34918,7 @@
               <a:t>especialmente</a:t>
             </a:r>
             <a:r>
-              <a:rPr lang="en-US" b="0" i="0" dirty="0">
+              <a:rPr lang="en-US" sz="1800" b="0" i="0" dirty="0">
                 <a:solidFill>
                   <a:srgbClr val="0D0D0D"/>
                 </a:solidFill>
@@ -34909,7 +34931,7 @@
               <a:t> </a:t>
             </a:r>
             <a:r>
-              <a:rPr lang="en-US" b="0" i="0" dirty="0" err="1">
+              <a:rPr lang="en-US" sz="1800" b="0" i="0" dirty="0" err="1">
                 <a:solidFill>
                   <a:srgbClr val="0D0D0D"/>
                 </a:solidFill>
@@ -34922,7 +34944,7 @@
               <a:t>quando</a:t>
             </a:r>
             <a:r>
-              <a:rPr lang="en-US" b="0" i="0" dirty="0">
+              <a:rPr lang="en-US" sz="1800" b="0" i="0" dirty="0">
                 <a:solidFill>
                   <a:srgbClr val="0D0D0D"/>
                 </a:solidFill>
@@ -34935,7 +34957,7 @@
               <a:t> se </a:t>
             </a:r>
             <a:r>
-              <a:rPr lang="en-US" b="0" i="0" dirty="0" err="1">
+              <a:rPr lang="en-US" sz="1800" b="0" i="0" dirty="0" err="1">
                 <a:solidFill>
                   <a:srgbClr val="0D0D0D"/>
                 </a:solidFill>
@@ -34948,7 +34970,7 @@
               <a:t>trabalha</a:t>
             </a:r>
             <a:r>
-              <a:rPr lang="en-US" b="0" i="0" dirty="0">
+              <a:rPr lang="en-US" sz="1800" b="0" i="0" dirty="0">
                 <a:solidFill>
                   <a:srgbClr val="0D0D0D"/>
                 </a:solidFill>
@@ -34961,7 +34983,7 @@
               <a:t> com </a:t>
             </a:r>
             <a:r>
-              <a:rPr lang="en-US" b="0" i="0" dirty="0" err="1">
+              <a:rPr lang="en-US" sz="1800" b="0" i="0" dirty="0" err="1">
                 <a:solidFill>
                   <a:srgbClr val="0D0D0D"/>
                 </a:solidFill>
@@ -34974,7 +34996,7 @@
               <a:t>grandes</a:t>
             </a:r>
             <a:r>
-              <a:rPr lang="en-US" b="0" i="0" dirty="0">
+              <a:rPr lang="en-US" sz="1800" b="0" i="0" dirty="0">
                 <a:solidFill>
                   <a:srgbClr val="0D0D0D"/>
                 </a:solidFill>
@@ -34988,7 +35010,7 @@
             </a:r>
           </a:p>
           <a:p>
-            <a:endParaRPr lang="pt-BR" dirty="0"/>
+            <a:endParaRPr lang="pt-BR" sz="1600" dirty="0"/>
           </a:p>
         </p:txBody>
       </p:sp>
@@ -35267,8 +35289,8 @@
         </p:blipFill>
         <p:spPr bwMode="auto">
           <a:xfrm>
-            <a:off x="2228144" y="1825625"/>
-            <a:ext cx="7735712" cy="4351338"/>
+            <a:off x="0" y="0"/>
+            <a:ext cx="11006112" cy="6190938"/>
           </a:xfrm>
           <a:prstGeom prst="rect">
             <a:avLst/>
@@ -35289,6 +35311,119 @@
     <p:extLst>
       <p:ext uri="{BB962C8B-B14F-4D97-AF65-F5344CB8AC3E}">
         <p14:creationId xmlns:p14="http://schemas.microsoft.com/office/powerpoint/2010/main" val="372160380"/>
+      </p:ext>
+    </p:extLst>
+  </p:cSld>
+  <p:clrMapOvr>
+    <a:masterClrMapping/>
+  </p:clrMapOvr>
+</p:sld>
+</file>
+
+<file path=ppt/slides/slide45.xml><?xml version="1.0" encoding="utf-8"?>
+<p:sld xmlns:a="http://schemas.openxmlformats.org/drawingml/2006/main" xmlns:r="http://schemas.openxmlformats.org/officeDocument/2006/relationships" xmlns:p="http://schemas.openxmlformats.org/presentationml/2006/main">
+  <p:cSld>
+    <p:spTree>
+      <p:nvGrpSpPr>
+        <p:cNvPr id="1" name=""/>
+        <p:cNvGrpSpPr/>
+        <p:nvPr/>
+      </p:nvGrpSpPr>
+      <p:grpSpPr>
+        <a:xfrm>
+          <a:off x="0" y="0"/>
+          <a:ext cx="0" cy="0"/>
+          <a:chOff x="0" y="0"/>
+          <a:chExt cx="0" cy="0"/>
+        </a:xfrm>
+      </p:grpSpPr>
+      <p:sp>
+        <p:nvSpPr>
+          <p:cNvPr id="2" name="Title 1">
+            <a:extLst>
+              <a:ext uri="{FF2B5EF4-FFF2-40B4-BE49-F238E27FC236}">
+                <a16:creationId xmlns:a16="http://schemas.microsoft.com/office/drawing/2014/main" id="{02CAC465-1262-4104-EE71-4F520FB7062E}"/>
+              </a:ext>
+            </a:extLst>
+          </p:cNvPr>
+          <p:cNvSpPr>
+            <a:spLocks noGrp="1"/>
+          </p:cNvSpPr>
+          <p:nvPr>
+            <p:ph type="title"/>
+          </p:nvPr>
+        </p:nvSpPr>
+        <p:spPr/>
+        <p:txBody>
+          <a:bodyPr/>
+          <a:lstStyle/>
+          <a:p>
+            <a:r>
+              <a:rPr lang="pt-BR" dirty="0"/>
+              <a:t>Aula 8</a:t>
+            </a:r>
+          </a:p>
+        </p:txBody>
+      </p:sp>
+      <p:sp>
+        <p:nvSpPr>
+          <p:cNvPr id="3" name="Content Placeholder 2">
+            <a:extLst>
+              <a:ext uri="{FF2B5EF4-FFF2-40B4-BE49-F238E27FC236}">
+                <a16:creationId xmlns:a16="http://schemas.microsoft.com/office/drawing/2014/main" id="{47D0D4E2-11C7-22F9-1DB5-3B14158B5B19}"/>
+              </a:ext>
+            </a:extLst>
+          </p:cNvPr>
+          <p:cNvSpPr>
+            <a:spLocks noGrp="1"/>
+          </p:cNvSpPr>
+          <p:nvPr>
+            <p:ph idx="1"/>
+          </p:nvPr>
+        </p:nvSpPr>
+        <p:spPr/>
+        <p:txBody>
+          <a:bodyPr/>
+          <a:lstStyle/>
+          <a:p>
+            <a:r>
+              <a:rPr lang="pt-BR" dirty="0"/>
+              <a:t>DISTINCT</a:t>
+            </a:r>
+          </a:p>
+          <a:p>
+            <a:r>
+              <a:rPr lang="pt-BR" dirty="0"/>
+              <a:t>LIKE</a:t>
+            </a:r>
+          </a:p>
+          <a:p>
+            <a:r>
+              <a:rPr lang="pt-BR" dirty="0"/>
+              <a:t>SUB-QUERIES</a:t>
+            </a:r>
+          </a:p>
+          <a:p>
+            <a:r>
+              <a:rPr lang="pt-BR" dirty="0"/>
+              <a:t>UNION</a:t>
+            </a:r>
+          </a:p>
+          <a:p>
+            <a:r>
+              <a:rPr lang="pt-BR" dirty="0"/>
+              <a:t>HAVING</a:t>
+            </a:r>
+          </a:p>
+          <a:p>
+            <a:endParaRPr lang="pt-BR" dirty="0"/>
+          </a:p>
+        </p:txBody>
+      </p:sp>
+    </p:spTree>
+    <p:extLst>
+      <p:ext uri="{BB962C8B-B14F-4D97-AF65-F5344CB8AC3E}">
+        <p14:creationId xmlns:p14="http://schemas.microsoft.com/office/powerpoint/2010/main" val="1235765802"/>
       </p:ext>
     </p:extLst>
   </p:cSld>
